--- a/Modern ES.pptx
+++ b/Modern ES.pptx
@@ -10,7 +10,7 @@
     <p:sldMasterId id="2147483821" r:id="rId6"/>
   </p:sldMasterIdLst>
   <p:notesMasterIdLst>
-    <p:notesMasterId r:id="rId42"/>
+    <p:notesMasterId r:id="rId51"/>
   </p:notesMasterIdLst>
   <p:sldIdLst>
     <p:sldId id="256" r:id="rId7"/>
@@ -46,8 +46,17 @@
     <p:sldId id="294" r:id="rId37"/>
     <p:sldId id="295" r:id="rId38"/>
     <p:sldId id="296" r:id="rId39"/>
-    <p:sldId id="279" r:id="rId40"/>
-    <p:sldId id="262" r:id="rId41"/>
+    <p:sldId id="297" r:id="rId40"/>
+    <p:sldId id="298" r:id="rId41"/>
+    <p:sldId id="299" r:id="rId42"/>
+    <p:sldId id="300" r:id="rId43"/>
+    <p:sldId id="301" r:id="rId44"/>
+    <p:sldId id="302" r:id="rId45"/>
+    <p:sldId id="303" r:id="rId46"/>
+    <p:sldId id="304" r:id="rId47"/>
+    <p:sldId id="305" r:id="rId48"/>
+    <p:sldId id="279" r:id="rId49"/>
+    <p:sldId id="306" r:id="rId50"/>
   </p:sldIdLst>
   <p:sldSz cx="12192000" cy="6858000"/>
   <p:notesSz cx="6858000" cy="9144000"/>
@@ -27116,7 +27125,7 @@
         </p:blipFill>
         <p:spPr>
           <a:xfrm>
-            <a:off x="6131169" y="181121"/>
+            <a:off x="8899307" y="3547776"/>
             <a:ext cx="3023062" cy="3023062"/>
           </a:xfrm>
           <a:prstGeom prst="rect">
@@ -37132,8 +37141,8 @@
         </p:nvSpPr>
         <p:spPr>
           <a:xfrm>
-            <a:off x="211015" y="181121"/>
-            <a:ext cx="9352452" cy="1325562"/>
+            <a:off x="2026920" y="2766219"/>
+            <a:ext cx="8138161" cy="1325562"/>
           </a:xfrm>
         </p:spPr>
         <p:txBody>
@@ -37143,1143 +37152,21 @@
           <a:lstStyle/>
           <a:p>
             <a:r>
-              <a:rPr lang="ru-RU" sz="5400" dirty="0" smtClean="0">
+              <a:rPr lang="ru-RU" sz="6000" dirty="0" smtClean="0">
                 <a:latin typeface="+mn-lt"/>
               </a:rPr>
-              <a:t>Ключевое слово </a:t>
-            </a:r>
-            <a:r>
-              <a:rPr lang="en-US" sz="5400" i="1" dirty="0" smtClean="0">
-                <a:latin typeface="+mn-lt"/>
-              </a:rPr>
-              <a:t>const</a:t>
-            </a:r>
-            <a:endParaRPr lang="ru-RU" sz="5400" i="1" dirty="0">
+              <a:t>Поддержка браузерами</a:t>
+            </a:r>
+            <a:endParaRPr lang="ru-RU" sz="6000" dirty="0">
               <a:latin typeface="+mn-lt"/>
             </a:endParaRPr>
           </a:p>
         </p:txBody>
       </p:sp>
-      <p:pic>
-        <p:nvPicPr>
-          <p:cNvPr id="5" name="Рисунок 4"/>
-          <p:cNvPicPr>
-            <a:picLocks noChangeAspect="1"/>
-          </p:cNvPicPr>
-          <p:nvPr/>
-        </p:nvPicPr>
-        <p:blipFill>
-          <a:blip r:embed="rId2">
-            <a:extLst>
-              <a:ext uri="{28A0092B-C50C-407E-A947-70E740481C1C}">
-                <a14:useLocalDpi xmlns:a14="http://schemas.microsoft.com/office/drawing/2010/main" val="0"/>
-              </a:ext>
-            </a:extLst>
-          </a:blip>
-          <a:stretch>
-            <a:fillRect/>
-          </a:stretch>
-        </p:blipFill>
-        <p:spPr>
-          <a:xfrm>
-            <a:off x="9563467" y="279436"/>
-            <a:ext cx="2542948" cy="1128932"/>
-          </a:xfrm>
-          <a:prstGeom prst="rect">
-            <a:avLst/>
-          </a:prstGeom>
-        </p:spPr>
-      </p:pic>
-      <p:graphicFrame>
-        <p:nvGraphicFramePr>
-          <p:cNvPr id="3" name="Таблица 2"/>
-          <p:cNvGraphicFramePr>
-            <a:graphicFrameLocks noGrp="1"/>
-          </p:cNvGraphicFramePr>
-          <p:nvPr>
-            <p:extLst>
-              <p:ext uri="{D42A27DB-BD31-4B8C-83A1-F6EECF244321}">
-                <p14:modId xmlns:p14="http://schemas.microsoft.com/office/powerpoint/2010/main" val="2731764019"/>
-              </p:ext>
-            </p:extLst>
-          </p:nvPr>
-        </p:nvGraphicFramePr>
-        <p:xfrm>
-          <a:off x="211014" y="1408366"/>
-          <a:ext cx="10495086" cy="5159490"/>
-        </p:xfrm>
-        <a:graphic>
-          <a:graphicData uri="http://schemas.openxmlformats.org/drawingml/2006/table">
-            <a:tbl>
-              <a:tblPr firstRow="1" bandRow="1">
-                <a:tableStyleId>{2D5ABB26-0587-4C30-8999-92F81FD0307C}</a:tableStyleId>
-              </a:tblPr>
-              <a:tblGrid>
-                <a:gridCol w="676951">
-                  <a:extLst>
-                    <a:ext uri="{9D8B030D-6E8A-4147-A177-3AD203B41FA5}">
-                      <a16:colId xmlns:a16="http://schemas.microsoft.com/office/drawing/2014/main" val="1206265584"/>
-                    </a:ext>
-                  </a:extLst>
-                </a:gridCol>
-                <a:gridCol w="9818135">
-                  <a:extLst>
-                    <a:ext uri="{9D8B030D-6E8A-4147-A177-3AD203B41FA5}">
-                      <a16:colId xmlns:a16="http://schemas.microsoft.com/office/drawing/2014/main" val="1563403967"/>
-                    </a:ext>
-                  </a:extLst>
-                </a:gridCol>
-              </a:tblGrid>
-              <a:tr h="343966">
-                <a:tc>
-                  <a:txBody>
-                    <a:bodyPr/>
-                    <a:lstStyle/>
-                    <a:p>
-                      <a:pPr algn="r"/>
-                      <a:r>
-                        <a:rPr lang="en-US" sz="1400" i="1" dirty="0" smtClean="0">
-                          <a:solidFill>
-                            <a:schemeClr val="bg1">
-                              <a:lumMod val="65000"/>
-                            </a:schemeClr>
-                          </a:solidFill>
-                          <a:latin typeface="Consolas" panose="020B0609020204030204" pitchFamily="49" charset="0"/>
-                        </a:rPr>
-                        <a:t>#0</a:t>
-                      </a:r>
-                      <a:r>
-                        <a:rPr lang="ru-RU" sz="1400" i="1" dirty="0" smtClean="0">
-                          <a:solidFill>
-                            <a:schemeClr val="bg1">
-                              <a:lumMod val="65000"/>
-                            </a:schemeClr>
-                          </a:solidFill>
-                          <a:latin typeface="Consolas" panose="020B0609020204030204" pitchFamily="49" charset="0"/>
-                        </a:rPr>
-                        <a:t>1</a:t>
-                      </a:r>
-                      <a:endParaRPr lang="ru-RU" sz="1400" i="1" dirty="0">
-                        <a:solidFill>
-                          <a:schemeClr val="bg1">
-                            <a:lumMod val="65000"/>
-                          </a:schemeClr>
-                        </a:solidFill>
-                        <a:latin typeface="Consolas" panose="020B0609020204030204" pitchFamily="49" charset="0"/>
-                      </a:endParaRPr>
-                    </a:p>
-                  </a:txBody>
-                  <a:tcPr marL="45720" marR="45720" anchor="ctr"/>
-                </a:tc>
-                <a:tc>
-                  <a:txBody>
-                    <a:bodyPr/>
-                    <a:lstStyle/>
-                    <a:p>
-                      <a:pPr marL="0" marR="0" lvl="0" indent="0" algn="l" defTabSz="914400" rtl="0" eaLnBrk="1" fontAlgn="auto" latinLnBrk="0" hangingPunct="1">
-                        <a:lnSpc>
-                          <a:spcPct val="100000"/>
-                        </a:lnSpc>
-                        <a:spcBef>
-                          <a:spcPts val="0"/>
-                        </a:spcBef>
-                        <a:spcAft>
-                          <a:spcPts val="0"/>
-                        </a:spcAft>
-                        <a:buClrTx/>
-                        <a:buSzTx/>
-                        <a:buFontTx/>
-                        <a:buNone/>
-                        <a:tabLst/>
-                        <a:defRPr/>
-                      </a:pPr>
-                      <a:r>
-                        <a:rPr lang="ru-RU" sz="1600" dirty="0" smtClean="0">
-                          <a:latin typeface="Consolas" panose="020B0609020204030204" pitchFamily="49" charset="0"/>
-                        </a:rPr>
-                        <a:t>'</a:t>
-                      </a:r>
-                      <a:r>
-                        <a:rPr lang="en-US" sz="1600" dirty="0" smtClean="0">
-                          <a:latin typeface="Consolas" panose="020B0609020204030204" pitchFamily="49" charset="0"/>
-                        </a:rPr>
-                        <a:t>use strict</a:t>
-                      </a:r>
-                      <a:r>
-                        <a:rPr lang="ru-RU" sz="1600" dirty="0" smtClean="0">
-                          <a:latin typeface="Consolas" panose="020B0609020204030204" pitchFamily="49" charset="0"/>
-                        </a:rPr>
-                        <a:t>'</a:t>
-                      </a:r>
-                      <a:r>
-                        <a:rPr lang="en-US" sz="1600" dirty="0" smtClean="0">
-                          <a:latin typeface="Consolas" panose="020B0609020204030204" pitchFamily="49" charset="0"/>
-                        </a:rPr>
-                        <a:t>;</a:t>
-                      </a:r>
-                      <a:endParaRPr lang="ru-RU" sz="1600" dirty="0" smtClean="0">
-                        <a:latin typeface="Consolas" panose="020B0609020204030204" pitchFamily="49" charset="0"/>
-                      </a:endParaRPr>
-                    </a:p>
-                  </a:txBody>
-                  <a:tcPr/>
-                </a:tc>
-                <a:extLst>
-                  <a:ext uri="{0D108BD9-81ED-4DB2-BD59-A6C34878D82A}">
-                    <a16:rowId xmlns:a16="http://schemas.microsoft.com/office/drawing/2014/main" val="2343939786"/>
-                  </a:ext>
-                </a:extLst>
-              </a:tr>
-              <a:tr h="343966">
-                <a:tc>
-                  <a:txBody>
-                    <a:bodyPr/>
-                    <a:lstStyle/>
-                    <a:p>
-                      <a:pPr algn="r"/>
-                      <a:r>
-                        <a:rPr lang="en-US" sz="1400" i="1" dirty="0" smtClean="0">
-                          <a:solidFill>
-                            <a:schemeClr val="bg1">
-                              <a:lumMod val="65000"/>
-                            </a:schemeClr>
-                          </a:solidFill>
-                          <a:latin typeface="Consolas" panose="020B0609020204030204" pitchFamily="49" charset="0"/>
-                        </a:rPr>
-                        <a:t>#0</a:t>
-                      </a:r>
-                      <a:r>
-                        <a:rPr lang="ru-RU" sz="1400" i="1" dirty="0" smtClean="0">
-                          <a:solidFill>
-                            <a:schemeClr val="bg1">
-                              <a:lumMod val="65000"/>
-                            </a:schemeClr>
-                          </a:solidFill>
-                          <a:latin typeface="Consolas" panose="020B0609020204030204" pitchFamily="49" charset="0"/>
-                        </a:rPr>
-                        <a:t>2</a:t>
-                      </a:r>
-                      <a:endParaRPr lang="ru-RU" sz="1400" i="1" dirty="0">
-                        <a:solidFill>
-                          <a:schemeClr val="bg1">
-                            <a:lumMod val="65000"/>
-                          </a:schemeClr>
-                        </a:solidFill>
-                        <a:latin typeface="Consolas" panose="020B0609020204030204" pitchFamily="49" charset="0"/>
-                      </a:endParaRPr>
-                    </a:p>
-                  </a:txBody>
-                  <a:tcPr marL="45720" marR="45720" anchor="ctr"/>
-                </a:tc>
-                <a:tc>
-                  <a:txBody>
-                    <a:bodyPr/>
-                    <a:lstStyle/>
-                    <a:p>
-                      <a:r>
-                        <a:rPr lang="en-US" sz="1600" dirty="0" smtClean="0">
-                          <a:latin typeface="Consolas" panose="020B0609020204030204" pitchFamily="49" charset="0"/>
-                        </a:rPr>
-                        <a:t>const v1 = 42;</a:t>
-                      </a:r>
-                      <a:endParaRPr lang="ru-RU" sz="1600" dirty="0">
-                        <a:latin typeface="Consolas" panose="020B0609020204030204" pitchFamily="49" charset="0"/>
-                      </a:endParaRPr>
-                    </a:p>
-                  </a:txBody>
-                  <a:tcPr/>
-                </a:tc>
-                <a:extLst>
-                  <a:ext uri="{0D108BD9-81ED-4DB2-BD59-A6C34878D82A}">
-                    <a16:rowId xmlns:a16="http://schemas.microsoft.com/office/drawing/2014/main" val="3327077107"/>
-                  </a:ext>
-                </a:extLst>
-              </a:tr>
-              <a:tr h="343966">
-                <a:tc>
-                  <a:txBody>
-                    <a:bodyPr/>
-                    <a:lstStyle/>
-                    <a:p>
-                      <a:pPr algn="r"/>
-                      <a:r>
-                        <a:rPr lang="en-US" sz="1400" i="1" dirty="0" smtClean="0">
-                          <a:solidFill>
-                            <a:schemeClr val="bg1">
-                              <a:lumMod val="65000"/>
-                            </a:schemeClr>
-                          </a:solidFill>
-                          <a:latin typeface="Consolas" panose="020B0609020204030204" pitchFamily="49" charset="0"/>
-                        </a:rPr>
-                        <a:t>#0</a:t>
-                      </a:r>
-                      <a:r>
-                        <a:rPr lang="ru-RU" sz="1400" i="1" dirty="0" smtClean="0">
-                          <a:solidFill>
-                            <a:schemeClr val="bg1">
-                              <a:lumMod val="65000"/>
-                            </a:schemeClr>
-                          </a:solidFill>
-                          <a:latin typeface="Consolas" panose="020B0609020204030204" pitchFamily="49" charset="0"/>
-                        </a:rPr>
-                        <a:t>3</a:t>
-                      </a:r>
-                      <a:endParaRPr lang="ru-RU" sz="1400" i="1" dirty="0">
-                        <a:solidFill>
-                          <a:schemeClr val="bg1">
-                            <a:lumMod val="65000"/>
-                          </a:schemeClr>
-                        </a:solidFill>
-                        <a:latin typeface="Consolas" panose="020B0609020204030204" pitchFamily="49" charset="0"/>
-                      </a:endParaRPr>
-                    </a:p>
-                  </a:txBody>
-                  <a:tcPr marL="45720" marR="45720" anchor="ctr"/>
-                </a:tc>
-                <a:tc>
-                  <a:txBody>
-                    <a:bodyPr/>
-                    <a:lstStyle/>
-                    <a:p>
-                      <a:pPr marL="0" marR="0" lvl="0" indent="0" algn="l" defTabSz="914400" rtl="0" eaLnBrk="1" fontAlgn="auto" latinLnBrk="0" hangingPunct="1">
-                        <a:lnSpc>
-                          <a:spcPct val="100000"/>
-                        </a:lnSpc>
-                        <a:spcBef>
-                          <a:spcPts val="0"/>
-                        </a:spcBef>
-                        <a:spcAft>
-                          <a:spcPts val="0"/>
-                        </a:spcAft>
-                        <a:buClrTx/>
-                        <a:buSzTx/>
-                        <a:buFontTx/>
-                        <a:buNone/>
-                        <a:tabLst/>
-                        <a:defRPr/>
-                      </a:pPr>
-                      <a:r>
-                        <a:rPr lang="en-US" sz="1600" dirty="0" smtClean="0">
-                          <a:latin typeface="Consolas" panose="020B0609020204030204" pitchFamily="49" charset="0"/>
-                        </a:rPr>
-                        <a:t>const v2 = [1, 2];</a:t>
-                      </a:r>
-                      <a:endParaRPr lang="ru-RU" sz="1600" dirty="0" smtClean="0">
-                        <a:latin typeface="Consolas" panose="020B0609020204030204" pitchFamily="49" charset="0"/>
-                      </a:endParaRPr>
-                    </a:p>
-                  </a:txBody>
-                  <a:tcPr/>
-                </a:tc>
-                <a:extLst>
-                  <a:ext uri="{0D108BD9-81ED-4DB2-BD59-A6C34878D82A}">
-                    <a16:rowId xmlns:a16="http://schemas.microsoft.com/office/drawing/2014/main" val="494326091"/>
-                  </a:ext>
-                </a:extLst>
-              </a:tr>
-              <a:tr h="343966">
-                <a:tc>
-                  <a:txBody>
-                    <a:bodyPr/>
-                    <a:lstStyle/>
-                    <a:p>
-                      <a:pPr algn="r"/>
-                      <a:r>
-                        <a:rPr lang="en-US" sz="1400" i="1" dirty="0" smtClean="0">
-                          <a:solidFill>
-                            <a:schemeClr val="bg1">
-                              <a:lumMod val="65000"/>
-                            </a:schemeClr>
-                          </a:solidFill>
-                          <a:latin typeface="Consolas" panose="020B0609020204030204" pitchFamily="49" charset="0"/>
-                        </a:rPr>
-                        <a:t>#0</a:t>
-                      </a:r>
-                      <a:r>
-                        <a:rPr lang="ru-RU" sz="1400" i="1" dirty="0" smtClean="0">
-                          <a:solidFill>
-                            <a:schemeClr val="bg1">
-                              <a:lumMod val="65000"/>
-                            </a:schemeClr>
-                          </a:solidFill>
-                          <a:latin typeface="Consolas" panose="020B0609020204030204" pitchFamily="49" charset="0"/>
-                        </a:rPr>
-                        <a:t>4</a:t>
-                      </a:r>
-                      <a:endParaRPr lang="ru-RU" sz="1400" i="1" dirty="0">
-                        <a:solidFill>
-                          <a:schemeClr val="bg1">
-                            <a:lumMod val="65000"/>
-                          </a:schemeClr>
-                        </a:solidFill>
-                        <a:latin typeface="Consolas" panose="020B0609020204030204" pitchFamily="49" charset="0"/>
-                      </a:endParaRPr>
-                    </a:p>
-                  </a:txBody>
-                  <a:tcPr marL="45720" marR="45720" anchor="ctr"/>
-                </a:tc>
-                <a:tc>
-                  <a:txBody>
-                    <a:bodyPr/>
-                    <a:lstStyle/>
-                    <a:p>
-                      <a:pPr marL="0" marR="0" lvl="0" indent="0" algn="l" defTabSz="914400" rtl="0" eaLnBrk="1" fontAlgn="auto" latinLnBrk="0" hangingPunct="1">
-                        <a:lnSpc>
-                          <a:spcPct val="100000"/>
-                        </a:lnSpc>
-                        <a:spcBef>
-                          <a:spcPts val="0"/>
-                        </a:spcBef>
-                        <a:spcAft>
-                          <a:spcPts val="0"/>
-                        </a:spcAft>
-                        <a:buClrTx/>
-                        <a:buSzTx/>
-                        <a:buFontTx/>
-                        <a:buNone/>
-                        <a:tabLst/>
-                        <a:defRPr/>
-                      </a:pPr>
-                      <a:r>
-                        <a:rPr lang="en-US" sz="1600" dirty="0" smtClean="0">
-                          <a:latin typeface="Consolas" panose="020B0609020204030204" pitchFamily="49" charset="0"/>
-                        </a:rPr>
-                        <a:t>const v3 = {foo: </a:t>
-                      </a:r>
-                      <a:r>
-                        <a:rPr lang="ru-RU" sz="1600" dirty="0" smtClean="0">
-                          <a:latin typeface="Consolas" panose="020B0609020204030204" pitchFamily="49" charset="0"/>
-                        </a:rPr>
-                        <a:t>'</a:t>
-                      </a:r>
-                      <a:r>
-                        <a:rPr lang="en-US" sz="1600" dirty="0" smtClean="0">
-                          <a:latin typeface="Consolas" panose="020B0609020204030204" pitchFamily="49" charset="0"/>
-                        </a:rPr>
-                        <a:t>bar</a:t>
-                      </a:r>
-                      <a:r>
-                        <a:rPr lang="ru-RU" sz="1600" dirty="0" smtClean="0">
-                          <a:latin typeface="Consolas" panose="020B0609020204030204" pitchFamily="49" charset="0"/>
-                        </a:rPr>
-                        <a:t>'</a:t>
-                      </a:r>
-                      <a:r>
-                        <a:rPr lang="en-US" sz="1600" dirty="0" smtClean="0">
-                          <a:latin typeface="Consolas" panose="020B0609020204030204" pitchFamily="49" charset="0"/>
-                        </a:rPr>
-                        <a:t>};</a:t>
-                      </a:r>
-                    </a:p>
-                  </a:txBody>
-                  <a:tcPr/>
-                </a:tc>
-                <a:extLst>
-                  <a:ext uri="{0D108BD9-81ED-4DB2-BD59-A6C34878D82A}">
-                    <a16:rowId xmlns:a16="http://schemas.microsoft.com/office/drawing/2014/main" val="1470215104"/>
-                  </a:ext>
-                </a:extLst>
-              </a:tr>
-              <a:tr h="343966">
-                <a:tc>
-                  <a:txBody>
-                    <a:bodyPr/>
-                    <a:lstStyle/>
-                    <a:p>
-                      <a:pPr algn="r"/>
-                      <a:r>
-                        <a:rPr lang="en-US" sz="1400" i="1" dirty="0" smtClean="0">
-                          <a:solidFill>
-                            <a:schemeClr val="bg1">
-                              <a:lumMod val="65000"/>
-                            </a:schemeClr>
-                          </a:solidFill>
-                          <a:latin typeface="Consolas" panose="020B0609020204030204" pitchFamily="49" charset="0"/>
-                        </a:rPr>
-                        <a:t>#0</a:t>
-                      </a:r>
-                      <a:r>
-                        <a:rPr lang="ru-RU" sz="1400" i="1" dirty="0" smtClean="0">
-                          <a:solidFill>
-                            <a:schemeClr val="bg1">
-                              <a:lumMod val="65000"/>
-                            </a:schemeClr>
-                          </a:solidFill>
-                          <a:latin typeface="Consolas" panose="020B0609020204030204" pitchFamily="49" charset="0"/>
-                        </a:rPr>
-                        <a:t>5</a:t>
-                      </a:r>
-                      <a:endParaRPr lang="ru-RU" sz="1400" i="1" dirty="0">
-                        <a:solidFill>
-                          <a:schemeClr val="bg1">
-                            <a:lumMod val="65000"/>
-                          </a:schemeClr>
-                        </a:solidFill>
-                        <a:latin typeface="Consolas" panose="020B0609020204030204" pitchFamily="49" charset="0"/>
-                      </a:endParaRPr>
-                    </a:p>
-                  </a:txBody>
-                  <a:tcPr marL="45720" marR="45720" anchor="ctr"/>
-                </a:tc>
-                <a:tc>
-                  <a:txBody>
-                    <a:bodyPr/>
-                    <a:lstStyle/>
-                    <a:p>
-                      <a:r>
-                        <a:rPr lang="en-US" sz="1600" dirty="0" smtClean="0">
-                          <a:latin typeface="Consolas" panose="020B0609020204030204" pitchFamily="49" charset="0"/>
-                        </a:rPr>
-                        <a:t>const v4; 		// SyntaxError: Missing initializer in const declaration</a:t>
-                      </a:r>
-                      <a:endParaRPr lang="ru-RU" sz="1600" dirty="0">
-                        <a:latin typeface="Consolas" panose="020B0609020204030204" pitchFamily="49" charset="0"/>
-                      </a:endParaRPr>
-                    </a:p>
-                  </a:txBody>
-                  <a:tcPr/>
-                </a:tc>
-                <a:extLst>
-                  <a:ext uri="{0D108BD9-81ED-4DB2-BD59-A6C34878D82A}">
-                    <a16:rowId xmlns:a16="http://schemas.microsoft.com/office/drawing/2014/main" val="350356519"/>
-                  </a:ext>
-                </a:extLst>
-              </a:tr>
-              <a:tr h="343966">
-                <a:tc>
-                  <a:txBody>
-                    <a:bodyPr/>
-                    <a:lstStyle/>
-                    <a:p>
-                      <a:pPr algn="r"/>
-                      <a:r>
-                        <a:rPr lang="en-US" sz="1400" i="1" dirty="0" smtClean="0">
-                          <a:solidFill>
-                            <a:schemeClr val="bg1">
-                              <a:lumMod val="65000"/>
-                            </a:schemeClr>
-                          </a:solidFill>
-                          <a:latin typeface="Consolas" panose="020B0609020204030204" pitchFamily="49" charset="0"/>
-                        </a:rPr>
-                        <a:t>#0</a:t>
-                      </a:r>
-                      <a:r>
-                        <a:rPr lang="ru-RU" sz="1400" i="1" dirty="0" smtClean="0">
-                          <a:solidFill>
-                            <a:schemeClr val="bg1">
-                              <a:lumMod val="65000"/>
-                            </a:schemeClr>
-                          </a:solidFill>
-                          <a:latin typeface="Consolas" panose="020B0609020204030204" pitchFamily="49" charset="0"/>
-                        </a:rPr>
-                        <a:t>6</a:t>
-                      </a:r>
-                      <a:endParaRPr lang="ru-RU" sz="1400" i="1" dirty="0">
-                        <a:solidFill>
-                          <a:schemeClr val="bg1">
-                            <a:lumMod val="65000"/>
-                          </a:schemeClr>
-                        </a:solidFill>
-                        <a:latin typeface="Consolas" panose="020B0609020204030204" pitchFamily="49" charset="0"/>
-                      </a:endParaRPr>
-                    </a:p>
-                  </a:txBody>
-                  <a:tcPr marL="45720" marR="45720" anchor="ctr"/>
-                </a:tc>
-                <a:tc>
-                  <a:txBody>
-                    <a:bodyPr/>
-                    <a:lstStyle/>
-                    <a:p>
-                      <a:endParaRPr lang="ru-RU" sz="1600" dirty="0">
-                        <a:latin typeface="Consolas" panose="020B0609020204030204" pitchFamily="49" charset="0"/>
-                      </a:endParaRPr>
-                    </a:p>
-                  </a:txBody>
-                  <a:tcPr/>
-                </a:tc>
-                <a:extLst>
-                  <a:ext uri="{0D108BD9-81ED-4DB2-BD59-A6C34878D82A}">
-                    <a16:rowId xmlns:a16="http://schemas.microsoft.com/office/drawing/2014/main" val="3059089994"/>
-                  </a:ext>
-                </a:extLst>
-              </a:tr>
-              <a:tr h="343966">
-                <a:tc>
-                  <a:txBody>
-                    <a:bodyPr/>
-                    <a:lstStyle/>
-                    <a:p>
-                      <a:pPr algn="r"/>
-                      <a:r>
-                        <a:rPr lang="en-US" sz="1400" i="1" dirty="0" smtClean="0">
-                          <a:solidFill>
-                            <a:schemeClr val="bg1">
-                              <a:lumMod val="65000"/>
-                            </a:schemeClr>
-                          </a:solidFill>
-                          <a:latin typeface="Consolas" panose="020B0609020204030204" pitchFamily="49" charset="0"/>
-                        </a:rPr>
-                        <a:t>#0</a:t>
-                      </a:r>
-                      <a:r>
-                        <a:rPr lang="ru-RU" sz="1400" i="1" dirty="0" smtClean="0">
-                          <a:solidFill>
-                            <a:schemeClr val="bg1">
-                              <a:lumMod val="65000"/>
-                            </a:schemeClr>
-                          </a:solidFill>
-                          <a:latin typeface="Consolas" panose="020B0609020204030204" pitchFamily="49" charset="0"/>
-                        </a:rPr>
-                        <a:t>7</a:t>
-                      </a:r>
-                      <a:endParaRPr lang="ru-RU" sz="1400" i="1" dirty="0">
-                        <a:solidFill>
-                          <a:schemeClr val="bg1">
-                            <a:lumMod val="65000"/>
-                          </a:schemeClr>
-                        </a:solidFill>
-                        <a:latin typeface="Consolas" panose="020B0609020204030204" pitchFamily="49" charset="0"/>
-                      </a:endParaRPr>
-                    </a:p>
-                  </a:txBody>
-                  <a:tcPr marL="45720" marR="45720" anchor="ctr"/>
-                </a:tc>
-                <a:tc>
-                  <a:txBody>
-                    <a:bodyPr/>
-                    <a:lstStyle/>
-                    <a:p>
-                      <a:r>
-                        <a:rPr lang="en-US" sz="1600" dirty="0" smtClean="0">
-                          <a:latin typeface="Consolas" panose="020B0609020204030204" pitchFamily="49" charset="0"/>
-                        </a:rPr>
-                        <a:t>v1 = 1337;</a:t>
-                      </a:r>
-                      <a:endParaRPr lang="ru-RU" sz="1600" dirty="0">
-                        <a:latin typeface="Consolas" panose="020B0609020204030204" pitchFamily="49" charset="0"/>
-                      </a:endParaRPr>
-                    </a:p>
-                  </a:txBody>
-                  <a:tcPr/>
-                </a:tc>
-                <a:extLst>
-                  <a:ext uri="{0D108BD9-81ED-4DB2-BD59-A6C34878D82A}">
-                    <a16:rowId xmlns:a16="http://schemas.microsoft.com/office/drawing/2014/main" val="1152108268"/>
-                  </a:ext>
-                </a:extLst>
-              </a:tr>
-              <a:tr h="343966">
-                <a:tc>
-                  <a:txBody>
-                    <a:bodyPr/>
-                    <a:lstStyle/>
-                    <a:p>
-                      <a:pPr algn="r"/>
-                      <a:r>
-                        <a:rPr lang="en-US" sz="1400" i="1" dirty="0" smtClean="0">
-                          <a:solidFill>
-                            <a:schemeClr val="bg1">
-                              <a:lumMod val="65000"/>
-                            </a:schemeClr>
-                          </a:solidFill>
-                          <a:latin typeface="Consolas" panose="020B0609020204030204" pitchFamily="49" charset="0"/>
-                        </a:rPr>
-                        <a:t>#0</a:t>
-                      </a:r>
-                      <a:r>
-                        <a:rPr lang="ru-RU" sz="1400" i="1" dirty="0" smtClean="0">
-                          <a:solidFill>
-                            <a:schemeClr val="bg1">
-                              <a:lumMod val="65000"/>
-                            </a:schemeClr>
-                          </a:solidFill>
-                          <a:latin typeface="Consolas" panose="020B0609020204030204" pitchFamily="49" charset="0"/>
-                        </a:rPr>
-                        <a:t>8</a:t>
-                      </a:r>
-                      <a:endParaRPr lang="ru-RU" sz="1400" i="1" dirty="0">
-                        <a:solidFill>
-                          <a:schemeClr val="bg1">
-                            <a:lumMod val="65000"/>
-                          </a:schemeClr>
-                        </a:solidFill>
-                        <a:latin typeface="Consolas" panose="020B0609020204030204" pitchFamily="49" charset="0"/>
-                      </a:endParaRPr>
-                    </a:p>
-                  </a:txBody>
-                  <a:tcPr marL="45720" marR="45720" anchor="ctr"/>
-                </a:tc>
-                <a:tc>
-                  <a:txBody>
-                    <a:bodyPr/>
-                    <a:lstStyle/>
-                    <a:p>
-                      <a:r>
-                        <a:rPr lang="en-US" sz="1600" dirty="0" smtClean="0">
-                          <a:latin typeface="Consolas" panose="020B0609020204030204" pitchFamily="49" charset="0"/>
-                        </a:rPr>
-                        <a:t>v2.push(3); 		// OK</a:t>
-                      </a:r>
-                      <a:endParaRPr lang="ru-RU" sz="1600" dirty="0">
-                        <a:latin typeface="Consolas" panose="020B0609020204030204" pitchFamily="49" charset="0"/>
-                      </a:endParaRPr>
-                    </a:p>
-                  </a:txBody>
-                  <a:tcPr/>
-                </a:tc>
-                <a:extLst>
-                  <a:ext uri="{0D108BD9-81ED-4DB2-BD59-A6C34878D82A}">
-                    <a16:rowId xmlns:a16="http://schemas.microsoft.com/office/drawing/2014/main" val="823096353"/>
-                  </a:ext>
-                </a:extLst>
-              </a:tr>
-              <a:tr h="343966">
-                <a:tc>
-                  <a:txBody>
-                    <a:bodyPr/>
-                    <a:lstStyle/>
-                    <a:p>
-                      <a:pPr algn="r"/>
-                      <a:r>
-                        <a:rPr lang="en-US" sz="1400" i="1" dirty="0" smtClean="0">
-                          <a:solidFill>
-                            <a:schemeClr val="bg1">
-                              <a:lumMod val="65000"/>
-                            </a:schemeClr>
-                          </a:solidFill>
-                          <a:latin typeface="Consolas" panose="020B0609020204030204" pitchFamily="49" charset="0"/>
-                        </a:rPr>
-                        <a:t>#09</a:t>
-                      </a:r>
-                      <a:endParaRPr lang="ru-RU" sz="1400" i="1" dirty="0">
-                        <a:solidFill>
-                          <a:schemeClr val="bg1">
-                            <a:lumMod val="65000"/>
-                          </a:schemeClr>
-                        </a:solidFill>
-                        <a:latin typeface="Consolas" panose="020B0609020204030204" pitchFamily="49" charset="0"/>
-                      </a:endParaRPr>
-                    </a:p>
-                  </a:txBody>
-                  <a:tcPr marL="45720" marR="45720" anchor="ctr"/>
-                </a:tc>
-                <a:tc>
-                  <a:txBody>
-                    <a:bodyPr/>
-                    <a:lstStyle/>
-                    <a:p>
-                      <a:r>
-                        <a:rPr lang="en-US" sz="1600" dirty="0" smtClean="0">
-                          <a:latin typeface="Consolas" panose="020B0609020204030204" pitchFamily="49" charset="0"/>
-                        </a:rPr>
-                        <a:t>v3.foo = </a:t>
-                      </a:r>
-                      <a:r>
-                        <a:rPr lang="ru-RU" sz="1600" dirty="0" smtClean="0">
-                          <a:latin typeface="Consolas" panose="020B0609020204030204" pitchFamily="49" charset="0"/>
-                        </a:rPr>
-                        <a:t>'</a:t>
-                      </a:r>
-                      <a:r>
-                        <a:rPr lang="en-US" sz="1600" dirty="0" err="1" smtClean="0">
-                          <a:latin typeface="Consolas" panose="020B0609020204030204" pitchFamily="49" charset="0"/>
-                        </a:rPr>
-                        <a:t>baz</a:t>
-                      </a:r>
-                      <a:r>
-                        <a:rPr lang="ru-RU" sz="1600" dirty="0" smtClean="0">
-                          <a:latin typeface="Consolas" panose="020B0609020204030204" pitchFamily="49" charset="0"/>
-                        </a:rPr>
-                        <a:t>'</a:t>
-                      </a:r>
-                      <a:r>
-                        <a:rPr lang="en-US" sz="1600" dirty="0" smtClean="0">
-                          <a:latin typeface="Consolas" panose="020B0609020204030204" pitchFamily="49" charset="0"/>
-                        </a:rPr>
-                        <a:t>; 		// OK</a:t>
-                      </a:r>
-                      <a:endParaRPr lang="ru-RU" sz="1600" dirty="0">
-                        <a:latin typeface="Consolas" panose="020B0609020204030204" pitchFamily="49" charset="0"/>
-                      </a:endParaRPr>
-                    </a:p>
-                  </a:txBody>
-                  <a:tcPr/>
-                </a:tc>
-                <a:extLst>
-                  <a:ext uri="{0D108BD9-81ED-4DB2-BD59-A6C34878D82A}">
-                    <a16:rowId xmlns:a16="http://schemas.microsoft.com/office/drawing/2014/main" val="1212997009"/>
-                  </a:ext>
-                </a:extLst>
-              </a:tr>
-              <a:tr h="343966">
-                <a:tc>
-                  <a:txBody>
-                    <a:bodyPr/>
-                    <a:lstStyle/>
-                    <a:p>
-                      <a:pPr algn="r"/>
-                      <a:r>
-                        <a:rPr lang="en-US" sz="1400" i="1" dirty="0" smtClean="0">
-                          <a:solidFill>
-                            <a:schemeClr val="bg1">
-                              <a:lumMod val="65000"/>
-                            </a:schemeClr>
-                          </a:solidFill>
-                          <a:latin typeface="Consolas" panose="020B0609020204030204" pitchFamily="49" charset="0"/>
-                        </a:rPr>
-                        <a:t>#10</a:t>
-                      </a:r>
-                      <a:endParaRPr lang="ru-RU" sz="1400" i="1" dirty="0">
-                        <a:solidFill>
-                          <a:schemeClr val="bg1">
-                            <a:lumMod val="65000"/>
-                          </a:schemeClr>
-                        </a:solidFill>
-                        <a:latin typeface="Consolas" panose="020B0609020204030204" pitchFamily="49" charset="0"/>
-                      </a:endParaRPr>
-                    </a:p>
-                  </a:txBody>
-                  <a:tcPr marL="45720" marR="45720" anchor="ctr"/>
-                </a:tc>
-                <a:tc>
-                  <a:txBody>
-                    <a:bodyPr/>
-                    <a:lstStyle/>
-                    <a:p>
-                      <a:endParaRPr lang="ru-RU" sz="1600" dirty="0">
-                        <a:latin typeface="Consolas" panose="020B0609020204030204" pitchFamily="49" charset="0"/>
-                      </a:endParaRPr>
-                    </a:p>
-                  </a:txBody>
-                  <a:tcPr/>
-                </a:tc>
-                <a:extLst>
-                  <a:ext uri="{0D108BD9-81ED-4DB2-BD59-A6C34878D82A}">
-                    <a16:rowId xmlns:a16="http://schemas.microsoft.com/office/drawing/2014/main" val="2951956735"/>
-                  </a:ext>
-                </a:extLst>
-              </a:tr>
-              <a:tr h="343966">
-                <a:tc>
-                  <a:txBody>
-                    <a:bodyPr/>
-                    <a:lstStyle/>
-                    <a:p>
-                      <a:pPr algn="r"/>
-                      <a:r>
-                        <a:rPr lang="en-US" sz="1400" i="1" dirty="0" smtClean="0">
-                          <a:solidFill>
-                            <a:schemeClr val="bg1">
-                              <a:lumMod val="65000"/>
-                            </a:schemeClr>
-                          </a:solidFill>
-                          <a:latin typeface="Consolas" panose="020B0609020204030204" pitchFamily="49" charset="0"/>
-                        </a:rPr>
-                        <a:t>#11</a:t>
-                      </a:r>
-                      <a:endParaRPr lang="ru-RU" sz="1400" i="1" dirty="0">
-                        <a:solidFill>
-                          <a:schemeClr val="bg1">
-                            <a:lumMod val="65000"/>
-                          </a:schemeClr>
-                        </a:solidFill>
-                        <a:latin typeface="Consolas" panose="020B0609020204030204" pitchFamily="49" charset="0"/>
-                      </a:endParaRPr>
-                    </a:p>
-                  </a:txBody>
-                  <a:tcPr marL="45720" marR="45720" anchor="ctr"/>
-                </a:tc>
-                <a:tc>
-                  <a:txBody>
-                    <a:bodyPr/>
-                    <a:lstStyle/>
-                    <a:p>
-                      <a:r>
-                        <a:rPr lang="en-US" sz="1600" dirty="0" err="1" smtClean="0">
-                          <a:latin typeface="Consolas" panose="020B0609020204030204" pitchFamily="49" charset="0"/>
-                        </a:rPr>
-                        <a:t>Object.seal</a:t>
-                      </a:r>
-                      <a:r>
-                        <a:rPr lang="en-US" sz="1600" dirty="0" smtClean="0">
-                          <a:latin typeface="Consolas" panose="020B0609020204030204" pitchFamily="49" charset="0"/>
-                        </a:rPr>
-                        <a:t>(v3); 	// </a:t>
-                      </a:r>
-                      <a:r>
-                        <a:rPr lang="ru-RU" sz="1600" dirty="0" smtClean="0">
-                          <a:latin typeface="Consolas" panose="020B0609020204030204" pitchFamily="49" charset="0"/>
-                        </a:rPr>
-                        <a:t>запечатывает</a:t>
-                      </a:r>
-                      <a:r>
-                        <a:rPr lang="ru-RU" sz="1600" baseline="0" dirty="0" smtClean="0">
-                          <a:latin typeface="Consolas" panose="020B0609020204030204" pitchFamily="49" charset="0"/>
-                        </a:rPr>
-                        <a:t> объект</a:t>
-                      </a:r>
-                      <a:endParaRPr lang="ru-RU" sz="1600" dirty="0">
-                        <a:latin typeface="Consolas" panose="020B0609020204030204" pitchFamily="49" charset="0"/>
-                      </a:endParaRPr>
-                    </a:p>
-                  </a:txBody>
-                  <a:tcPr/>
-                </a:tc>
-                <a:extLst>
-                  <a:ext uri="{0D108BD9-81ED-4DB2-BD59-A6C34878D82A}">
-                    <a16:rowId xmlns:a16="http://schemas.microsoft.com/office/drawing/2014/main" val="954535043"/>
-                  </a:ext>
-                </a:extLst>
-              </a:tr>
-              <a:tr h="343966">
-                <a:tc>
-                  <a:txBody>
-                    <a:bodyPr/>
-                    <a:lstStyle/>
-                    <a:p>
-                      <a:pPr algn="r"/>
-                      <a:r>
-                        <a:rPr lang="en-US" sz="1400" i="1" dirty="0" smtClean="0">
-                          <a:solidFill>
-                            <a:schemeClr val="bg1">
-                              <a:lumMod val="65000"/>
-                            </a:schemeClr>
-                          </a:solidFill>
-                          <a:latin typeface="Consolas" panose="020B0609020204030204" pitchFamily="49" charset="0"/>
-                        </a:rPr>
-                        <a:t>#12</a:t>
-                      </a:r>
-                      <a:endParaRPr lang="ru-RU" sz="1400" i="1" dirty="0">
-                        <a:solidFill>
-                          <a:schemeClr val="bg1">
-                            <a:lumMod val="65000"/>
-                          </a:schemeClr>
-                        </a:solidFill>
-                        <a:latin typeface="Consolas" panose="020B0609020204030204" pitchFamily="49" charset="0"/>
-                      </a:endParaRPr>
-                    </a:p>
-                  </a:txBody>
-                  <a:tcPr marL="45720" marR="45720" anchor="ctr"/>
-                </a:tc>
-                <a:tc>
-                  <a:txBody>
-                    <a:bodyPr/>
-                    <a:lstStyle/>
-                    <a:p>
-                      <a:r>
-                        <a:rPr lang="en-US" sz="1600" dirty="0" smtClean="0">
-                          <a:latin typeface="Consolas" panose="020B0609020204030204" pitchFamily="49" charset="0"/>
-                        </a:rPr>
-                        <a:t>v3.foo = null; 		// OK</a:t>
-                      </a:r>
-                      <a:endParaRPr lang="ru-RU" sz="1600" dirty="0">
-                        <a:latin typeface="Consolas" panose="020B0609020204030204" pitchFamily="49" charset="0"/>
-                      </a:endParaRPr>
-                    </a:p>
-                  </a:txBody>
-                  <a:tcPr/>
-                </a:tc>
-                <a:extLst>
-                  <a:ext uri="{0D108BD9-81ED-4DB2-BD59-A6C34878D82A}">
-                    <a16:rowId xmlns:a16="http://schemas.microsoft.com/office/drawing/2014/main" val="3091478877"/>
-                  </a:ext>
-                </a:extLst>
-              </a:tr>
-              <a:tr h="343966">
-                <a:tc>
-                  <a:txBody>
-                    <a:bodyPr/>
-                    <a:lstStyle/>
-                    <a:p>
-                      <a:pPr algn="r"/>
-                      <a:r>
-                        <a:rPr lang="en-US" sz="1400" i="1" dirty="0" smtClean="0">
-                          <a:solidFill>
-                            <a:schemeClr val="bg1">
-                              <a:lumMod val="65000"/>
-                            </a:schemeClr>
-                          </a:solidFill>
-                          <a:latin typeface="Consolas" panose="020B0609020204030204" pitchFamily="49" charset="0"/>
-                        </a:rPr>
-                        <a:t>#13</a:t>
-                      </a:r>
-                      <a:endParaRPr lang="ru-RU" sz="1400" i="1" dirty="0">
-                        <a:solidFill>
-                          <a:schemeClr val="bg1">
-                            <a:lumMod val="65000"/>
-                          </a:schemeClr>
-                        </a:solidFill>
-                        <a:latin typeface="Consolas" panose="020B0609020204030204" pitchFamily="49" charset="0"/>
-                      </a:endParaRPr>
-                    </a:p>
-                  </a:txBody>
-                  <a:tcPr marL="45720" marR="45720" anchor="ctr"/>
-                </a:tc>
-                <a:tc>
-                  <a:txBody>
-                    <a:bodyPr/>
-                    <a:lstStyle/>
-                    <a:p>
-                      <a:r>
-                        <a:rPr lang="en-US" sz="1600" dirty="0" smtClean="0">
-                          <a:latin typeface="Consolas" panose="020B0609020204030204" pitchFamily="49" charset="0"/>
-                        </a:rPr>
-                        <a:t>v3.baz = true; 		// </a:t>
-                      </a:r>
-                      <a:r>
-                        <a:rPr lang="en-US" sz="1600" dirty="0" err="1" smtClean="0">
-                          <a:latin typeface="Consolas" panose="020B0609020204030204" pitchFamily="49" charset="0"/>
-                        </a:rPr>
-                        <a:t>TypeError</a:t>
-                      </a:r>
-                      <a:endParaRPr lang="ru-RU" sz="1600" dirty="0">
-                        <a:latin typeface="Consolas" panose="020B0609020204030204" pitchFamily="49" charset="0"/>
-                      </a:endParaRPr>
-                    </a:p>
-                  </a:txBody>
-                  <a:tcPr/>
-                </a:tc>
-                <a:extLst>
-                  <a:ext uri="{0D108BD9-81ED-4DB2-BD59-A6C34878D82A}">
-                    <a16:rowId xmlns:a16="http://schemas.microsoft.com/office/drawing/2014/main" val="2609407780"/>
-                  </a:ext>
-                </a:extLst>
-              </a:tr>
-              <a:tr h="343966">
-                <a:tc>
-                  <a:txBody>
-                    <a:bodyPr/>
-                    <a:lstStyle/>
-                    <a:p>
-                      <a:pPr algn="r"/>
-                      <a:r>
-                        <a:rPr lang="en-US" sz="1400" i="1" dirty="0" smtClean="0">
-                          <a:solidFill>
-                            <a:schemeClr val="bg1">
-                              <a:lumMod val="65000"/>
-                            </a:schemeClr>
-                          </a:solidFill>
-                          <a:latin typeface="Consolas" panose="020B0609020204030204" pitchFamily="49" charset="0"/>
-                        </a:rPr>
-                        <a:t>#14</a:t>
-                      </a:r>
-                      <a:endParaRPr lang="ru-RU" sz="1400" i="1" dirty="0">
-                        <a:solidFill>
-                          <a:schemeClr val="bg1">
-                            <a:lumMod val="65000"/>
-                          </a:schemeClr>
-                        </a:solidFill>
-                        <a:latin typeface="Consolas" panose="020B0609020204030204" pitchFamily="49" charset="0"/>
-                      </a:endParaRPr>
-                    </a:p>
-                  </a:txBody>
-                  <a:tcPr marL="45720" marR="45720" anchor="ctr"/>
-                </a:tc>
-                <a:tc>
-                  <a:txBody>
-                    <a:bodyPr/>
-                    <a:lstStyle/>
-                    <a:p>
-                      <a:r>
-                        <a:rPr lang="en-US" sz="1600" dirty="0" err="1" smtClean="0">
-                          <a:latin typeface="Consolas" panose="020B0609020204030204" pitchFamily="49" charset="0"/>
-                        </a:rPr>
-                        <a:t>Object.freeze</a:t>
-                      </a:r>
-                      <a:r>
-                        <a:rPr lang="en-US" sz="1600" dirty="0" smtClean="0">
-                          <a:latin typeface="Consolas" panose="020B0609020204030204" pitchFamily="49" charset="0"/>
-                        </a:rPr>
-                        <a:t>(v3); 	</a:t>
-                      </a:r>
-                      <a:r>
-                        <a:rPr lang="ru-RU" sz="1600" dirty="0" smtClean="0">
-                          <a:latin typeface="Consolas" panose="020B0609020204030204" pitchFamily="49" charset="0"/>
-                        </a:rPr>
-                        <a:t>// замораживает объект</a:t>
-                      </a:r>
-                      <a:endParaRPr lang="ru-RU" sz="1600" dirty="0">
-                        <a:latin typeface="Consolas" panose="020B0609020204030204" pitchFamily="49" charset="0"/>
-                      </a:endParaRPr>
-                    </a:p>
-                  </a:txBody>
-                  <a:tcPr/>
-                </a:tc>
-                <a:extLst>
-                  <a:ext uri="{0D108BD9-81ED-4DB2-BD59-A6C34878D82A}">
-                    <a16:rowId xmlns:a16="http://schemas.microsoft.com/office/drawing/2014/main" val="227243331"/>
-                  </a:ext>
-                </a:extLst>
-              </a:tr>
-              <a:tr h="343966">
-                <a:tc>
-                  <a:txBody>
-                    <a:bodyPr/>
-                    <a:lstStyle/>
-                    <a:p>
-                      <a:pPr algn="r"/>
-                      <a:r>
-                        <a:rPr lang="en-US" sz="1400" i="1" dirty="0" smtClean="0">
-                          <a:solidFill>
-                            <a:schemeClr val="bg1">
-                              <a:lumMod val="65000"/>
-                            </a:schemeClr>
-                          </a:solidFill>
-                          <a:latin typeface="Consolas" panose="020B0609020204030204" pitchFamily="49" charset="0"/>
-                        </a:rPr>
-                        <a:t>#15</a:t>
-                      </a:r>
-                      <a:endParaRPr lang="ru-RU" sz="1400" i="1" dirty="0">
-                        <a:solidFill>
-                          <a:schemeClr val="bg1">
-                            <a:lumMod val="65000"/>
-                          </a:schemeClr>
-                        </a:solidFill>
-                        <a:latin typeface="Consolas" panose="020B0609020204030204" pitchFamily="49" charset="0"/>
-                      </a:endParaRPr>
-                    </a:p>
-                  </a:txBody>
-                  <a:tcPr marL="45720" marR="45720" anchor="ctr"/>
-                </a:tc>
-                <a:tc>
-                  <a:txBody>
-                    <a:bodyPr/>
-                    <a:lstStyle/>
-                    <a:p>
-                      <a:r>
-                        <a:rPr lang="en-US" sz="1600" dirty="0" smtClean="0">
-                          <a:latin typeface="Consolas" panose="020B0609020204030204" pitchFamily="49" charset="0"/>
-                        </a:rPr>
-                        <a:t>v3.foo = false; 		// </a:t>
-                      </a:r>
-                      <a:r>
-                        <a:rPr lang="en-US" sz="1600" dirty="0" err="1" smtClean="0">
-                          <a:latin typeface="Consolas" panose="020B0609020204030204" pitchFamily="49" charset="0"/>
-                        </a:rPr>
-                        <a:t>TypeError</a:t>
-                      </a:r>
-                      <a:endParaRPr lang="ru-RU" sz="1600" dirty="0">
-                        <a:latin typeface="Consolas" panose="020B0609020204030204" pitchFamily="49" charset="0"/>
-                      </a:endParaRPr>
-                    </a:p>
-                  </a:txBody>
-                  <a:tcPr/>
-                </a:tc>
-                <a:extLst>
-                  <a:ext uri="{0D108BD9-81ED-4DB2-BD59-A6C34878D82A}">
-                    <a16:rowId xmlns:a16="http://schemas.microsoft.com/office/drawing/2014/main" val="2714488681"/>
-                  </a:ext>
-                </a:extLst>
-              </a:tr>
-            </a:tbl>
-          </a:graphicData>
-        </a:graphic>
-      </p:graphicFrame>
     </p:spTree>
     <p:extLst>
       <p:ext uri="{BB962C8B-B14F-4D97-AF65-F5344CB8AC3E}">
-        <p14:creationId xmlns:p14="http://schemas.microsoft.com/office/powerpoint/2010/main" val="636691923"/>
+        <p14:creationId xmlns:p14="http://schemas.microsoft.com/office/powerpoint/2010/main" val="1519592775"/>
       </p:ext>
     </p:extLst>
   </p:cSld>
@@ -38339,9 +37226,231 @@
               <a:rPr lang="ru-RU" sz="5400" dirty="0" smtClean="0">
                 <a:latin typeface="+mn-lt"/>
               </a:rPr>
-              <a:t>Как это было:</a:t>
-            </a:r>
-            <a:endParaRPr lang="ru-RU" sz="5400" dirty="0">
+              <a:t>Поддержка браузерами</a:t>
+            </a:r>
+            <a:endParaRPr lang="ru-RU" sz="5400" i="1" dirty="0">
+              <a:latin typeface="+mn-lt"/>
+            </a:endParaRPr>
+          </a:p>
+        </p:txBody>
+      </p:sp>
+      <p:pic>
+        <p:nvPicPr>
+          <p:cNvPr id="5" name="Рисунок 4"/>
+          <p:cNvPicPr>
+            <a:picLocks noChangeAspect="1"/>
+          </p:cNvPicPr>
+          <p:nvPr/>
+        </p:nvPicPr>
+        <p:blipFill>
+          <a:blip r:embed="rId2">
+            <a:extLst>
+              <a:ext uri="{28A0092B-C50C-407E-A947-70E740481C1C}">
+                <a14:useLocalDpi xmlns:a14="http://schemas.microsoft.com/office/drawing/2010/main" val="0"/>
+              </a:ext>
+            </a:extLst>
+          </a:blip>
+          <a:stretch>
+            <a:fillRect/>
+          </a:stretch>
+        </p:blipFill>
+        <p:spPr>
+          <a:xfrm>
+            <a:off x="9563467" y="279436"/>
+            <a:ext cx="2542948" cy="1128932"/>
+          </a:xfrm>
+          <a:prstGeom prst="rect">
+            <a:avLst/>
+          </a:prstGeom>
+        </p:spPr>
+      </p:pic>
+      <p:sp>
+        <p:nvSpPr>
+          <p:cNvPr id="3" name="TextBox 2"/>
+          <p:cNvSpPr txBox="1"/>
+          <p:nvPr/>
+        </p:nvSpPr>
+        <p:spPr>
+          <a:xfrm>
+            <a:off x="211015" y="1604998"/>
+            <a:ext cx="11122429" cy="4278094"/>
+          </a:xfrm>
+          <a:prstGeom prst="rect">
+            <a:avLst/>
+          </a:prstGeom>
+          <a:noFill/>
+        </p:spPr>
+        <p:txBody>
+          <a:bodyPr wrap="square" rtlCol="0">
+            <a:spAutoFit/>
+          </a:bodyPr>
+          <a:lstStyle/>
+          <a:p>
+            <a:r>
+              <a:rPr lang="ru-RU" sz="2400" b="1" dirty="0" smtClean="0"/>
+              <a:t>Таблица поддержки разных версий языка браузерами</a:t>
+            </a:r>
+          </a:p>
+          <a:p>
+            <a:pPr marL="1257300" lvl="2" indent="-342900">
+              <a:buFont typeface="Wingdings" panose="05000000000000000000" pitchFamily="2" charset="2"/>
+              <a:buChar char="ü"/>
+            </a:pPr>
+            <a:r>
+              <a:rPr lang="en-US" sz="2000" dirty="0" smtClean="0">
+                <a:hlinkClick r:id="rId3"/>
+              </a:rPr>
+              <a:t>http://kangax.github.io/compat-table/es6/</a:t>
+            </a:r>
+            <a:endParaRPr lang="en-US" sz="2000" dirty="0" smtClean="0"/>
+          </a:p>
+          <a:p>
+            <a:endParaRPr lang="en-US" sz="2400" dirty="0" smtClean="0"/>
+          </a:p>
+          <a:p>
+            <a:r>
+              <a:rPr lang="ru-RU" sz="2400" b="1" dirty="0" smtClean="0"/>
+              <a:t>Возможности браузеров</a:t>
+            </a:r>
+          </a:p>
+          <a:p>
+            <a:pPr marL="1257300" lvl="2" indent="-342900">
+              <a:buFont typeface="Wingdings" panose="05000000000000000000" pitchFamily="2" charset="2"/>
+              <a:buChar char="ü"/>
+            </a:pPr>
+            <a:r>
+              <a:rPr lang="en-US" sz="2000" dirty="0">
+                <a:hlinkClick r:id="rId4"/>
+              </a:rPr>
+              <a:t>http://caniuse.com</a:t>
+            </a:r>
+            <a:r>
+              <a:rPr lang="en-US" sz="2000" dirty="0" smtClean="0">
+                <a:hlinkClick r:id="rId4"/>
+              </a:rPr>
+              <a:t>/</a:t>
+            </a:r>
+            <a:endParaRPr lang="ru-RU" sz="2000" dirty="0" smtClean="0"/>
+          </a:p>
+          <a:p>
+            <a:endParaRPr lang="ru-RU" sz="2400" dirty="0"/>
+          </a:p>
+          <a:p>
+            <a:r>
+              <a:rPr lang="ru-RU" sz="2400" b="1" dirty="0" smtClean="0"/>
+              <a:t>Полифиллы</a:t>
+            </a:r>
+          </a:p>
+          <a:p>
+            <a:pPr marL="1257300" lvl="2" indent="-342900">
+              <a:buFont typeface="Wingdings" panose="05000000000000000000" pitchFamily="2" charset="2"/>
+              <a:buChar char="ü"/>
+            </a:pPr>
+            <a:r>
+              <a:rPr lang="ru-RU" sz="2000" dirty="0"/>
+              <a:t>«Полифилл</a:t>
+            </a:r>
+            <a:r>
+              <a:rPr lang="ru-RU" sz="2000" dirty="0" smtClean="0"/>
+              <a:t>» </a:t>
+            </a:r>
+            <a:r>
+              <a:rPr lang="ru-RU" sz="2000" dirty="0"/>
+              <a:t>– это библиотека, которая добавляет в старые браузеры поддержку возможностей, которые в современных браузерах являются </a:t>
+            </a:r>
+            <a:r>
+              <a:rPr lang="ru-RU" sz="2000" dirty="0" smtClean="0"/>
+              <a:t>встроенными</a:t>
+            </a:r>
+          </a:p>
+          <a:p>
+            <a:endParaRPr lang="ru-RU" sz="2400" dirty="0"/>
+          </a:p>
+          <a:p>
+            <a:r>
+              <a:rPr lang="ru-RU" sz="2400" b="1" dirty="0" smtClean="0"/>
+              <a:t>Транспайлинг</a:t>
+            </a:r>
+          </a:p>
+          <a:p>
+            <a:pPr marL="1257300" lvl="2" indent="-342900">
+              <a:buFont typeface="Wingdings" panose="05000000000000000000" pitchFamily="2" charset="2"/>
+              <a:buChar char="ü"/>
+            </a:pPr>
+            <a:r>
+              <a:rPr lang="ru-RU" sz="2000" dirty="0" smtClean="0"/>
+              <a:t>Конвертация кода программы, написанного на одном ЯП в другой ЯП</a:t>
+            </a:r>
+            <a:endParaRPr lang="en-US" sz="2000" dirty="0" smtClean="0"/>
+          </a:p>
+        </p:txBody>
+      </p:sp>
+    </p:spTree>
+    <p:extLst>
+      <p:ext uri="{BB962C8B-B14F-4D97-AF65-F5344CB8AC3E}">
+        <p14:creationId xmlns:p14="http://schemas.microsoft.com/office/powerpoint/2010/main" val="2840020777"/>
+      </p:ext>
+    </p:extLst>
+  </p:cSld>
+  <p:clrMapOvr>
+    <a:masterClrMapping/>
+  </p:clrMapOvr>
+  <p:timing>
+    <p:tnLst>
+      <p:par>
+        <p:cTn id="1" dur="indefinite" restart="never" nodeType="tmRoot"/>
+      </p:par>
+    </p:tnLst>
+  </p:timing>
+</p:sld>
+</file>
+
+<file path=ppt/slides/slide36.xml><?xml version="1.0" encoding="utf-8"?>
+<p:sld xmlns:a="http://schemas.openxmlformats.org/drawingml/2006/main" xmlns:r="http://schemas.openxmlformats.org/officeDocument/2006/relationships" xmlns:p="http://schemas.openxmlformats.org/presentationml/2006/main">
+  <p:cSld>
+    <p:spTree>
+      <p:nvGrpSpPr>
+        <p:cNvPr id="1" name=""/>
+        <p:cNvGrpSpPr/>
+        <p:nvPr/>
+      </p:nvGrpSpPr>
+      <p:grpSpPr>
+        <a:xfrm>
+          <a:off x="0" y="0"/>
+          <a:ext cx="0" cy="0"/>
+          <a:chOff x="0" y="0"/>
+          <a:chExt cx="0" cy="0"/>
+        </a:xfrm>
+      </p:grpSpPr>
+      <p:sp>
+        <p:nvSpPr>
+          <p:cNvPr id="2" name="Заголовок 1"/>
+          <p:cNvSpPr>
+            <a:spLocks noGrp="1"/>
+          </p:cNvSpPr>
+          <p:nvPr>
+            <p:ph type="title"/>
+          </p:nvPr>
+        </p:nvSpPr>
+        <p:spPr>
+          <a:xfrm>
+            <a:off x="211015" y="181121"/>
+            <a:ext cx="9352452" cy="1325562"/>
+          </a:xfrm>
+        </p:spPr>
+        <p:txBody>
+          <a:bodyPr>
+            <a:normAutofit/>
+          </a:bodyPr>
+          <a:lstStyle/>
+          <a:p>
+            <a:r>
+              <a:rPr lang="en-US" sz="5400" dirty="0" smtClean="0">
+                <a:latin typeface="+mn-lt"/>
+              </a:rPr>
+              <a:t>Babel</a:t>
+            </a:r>
+            <a:endParaRPr lang="ru-RU" sz="5400" i="1" dirty="0">
               <a:latin typeface="+mn-lt"/>
             </a:endParaRPr>
           </a:p>
@@ -38386,7 +37495,7 @@
         <p:spPr>
           <a:xfrm>
             <a:off x="211015" y="1604998"/>
-            <a:ext cx="11711354" cy="2554545"/>
+            <a:ext cx="11122429" cy="4524315"/>
           </a:xfrm>
           <a:prstGeom prst="rect">
             <a:avLst/>
@@ -38399,59 +37508,941 @@
           </a:bodyPr>
           <a:lstStyle/>
           <a:p>
-            <a:pPr marL="457200" indent="-457200">
+            <a:r>
+              <a:rPr lang="ru-RU" sz="2400" b="1" dirty="0" smtClean="0"/>
+              <a:t>Многофункциональный транспайлер</a:t>
+            </a:r>
+            <a:r>
+              <a:rPr lang="en-US" sz="2400" b="1" dirty="0" smtClean="0"/>
+              <a:t>.</a:t>
+            </a:r>
+            <a:endParaRPr lang="ru-RU" sz="2400" b="1" dirty="0" smtClean="0"/>
+          </a:p>
+          <a:p>
+            <a:r>
+              <a:rPr lang="ru-RU" sz="2400" dirty="0" smtClean="0"/>
+              <a:t>Позволяет использовать самые последние возможности </a:t>
+            </a:r>
+            <a:r>
+              <a:rPr lang="en-US" sz="2400" dirty="0" smtClean="0"/>
+              <a:t>JavaScript</a:t>
+            </a:r>
+            <a:r>
+              <a:rPr lang="ru-RU" sz="2400" dirty="0" smtClean="0"/>
+              <a:t>. Поддерживает транспайлинг:</a:t>
+            </a:r>
+          </a:p>
+          <a:p>
+            <a:pPr marL="342900" indent="-342900">
               <a:buFont typeface="Arial" panose="020B0604020202020204" pitchFamily="34" charset="0"/>
               <a:buChar char="•"/>
             </a:pPr>
             <a:r>
-              <a:rPr lang="en-US" sz="3200" dirty="0" smtClean="0"/>
-              <a:t>JavaScript</a:t>
-            </a:r>
-          </a:p>
-          <a:p>
-            <a:pPr marL="457200" indent="-457200">
+              <a:rPr lang="ru-RU" sz="2400" dirty="0" smtClean="0"/>
+              <a:t>Из версий языка выше </a:t>
+            </a:r>
+            <a:r>
+              <a:rPr lang="en-US" sz="2400" dirty="0" smtClean="0"/>
+              <a:t>ES5 (</a:t>
+            </a:r>
+            <a:r>
+              <a:rPr lang="ru-RU" sz="2400" dirty="0" smtClean="0"/>
+              <a:t>т.е. </a:t>
+            </a:r>
+            <a:r>
+              <a:rPr lang="en-US" sz="2400" dirty="0" smtClean="0"/>
+              <a:t>ES6, ES2016, ES.Next, etc…)</a:t>
+            </a:r>
+            <a:endParaRPr lang="ru-RU" sz="2400" dirty="0" smtClean="0"/>
+          </a:p>
+          <a:p>
+            <a:pPr marL="342900" indent="-342900">
               <a:buFont typeface="Arial" panose="020B0604020202020204" pitchFamily="34" charset="0"/>
               <a:buChar char="•"/>
             </a:pPr>
             <a:r>
-              <a:rPr lang="en-US" sz="3200" dirty="0" smtClean="0"/>
-              <a:t>ECMA-262</a:t>
-            </a:r>
-          </a:p>
-          <a:p>
-            <a:pPr marL="457200" indent="-457200">
-              <a:buFont typeface="Arial" panose="020B0604020202020204" pitchFamily="34" charset="0"/>
-              <a:buChar char="•"/>
+              <a:rPr lang="ru-RU" sz="2400" dirty="0" smtClean="0"/>
+              <a:t>Кода, написанного для </a:t>
+            </a:r>
+            <a:r>
+              <a:rPr lang="en-US" sz="2400" dirty="0" smtClean="0"/>
+              <a:t>react</a:t>
+            </a:r>
+            <a:r>
+              <a:rPr lang="ru-RU" sz="2400" dirty="0" smtClean="0"/>
+              <a:t>-приложений (расширение</a:t>
+            </a:r>
+            <a:r>
+              <a:rPr lang="en-US" sz="2400" dirty="0" smtClean="0"/>
+              <a:t> </a:t>
+            </a:r>
+            <a:r>
+              <a:rPr lang="ru-RU" sz="2400" dirty="0" smtClean="0"/>
+              <a:t>файлов </a:t>
+            </a:r>
+            <a:r>
+              <a:rPr lang="en-US" sz="2400" dirty="0" smtClean="0">
+                <a:latin typeface="Consolas" panose="020B0609020204030204" pitchFamily="49" charset="0"/>
+              </a:rPr>
+              <a:t>.</a:t>
+            </a:r>
+            <a:r>
+              <a:rPr lang="en-US" sz="2400" dirty="0" err="1" smtClean="0">
+                <a:latin typeface="Consolas" panose="020B0609020204030204" pitchFamily="49" charset="0"/>
+              </a:rPr>
+              <a:t>jsx</a:t>
+            </a:r>
+            <a:r>
+              <a:rPr lang="en-US" sz="2400" dirty="0" smtClean="0"/>
+              <a:t>)</a:t>
+            </a:r>
+            <a:endParaRPr lang="ru-RU" sz="2400" dirty="0" smtClean="0"/>
+          </a:p>
+          <a:p>
+            <a:endParaRPr lang="ru-RU" sz="2400" dirty="0" smtClean="0"/>
+          </a:p>
+          <a:p>
+            <a:endParaRPr lang="en-US" sz="2400" dirty="0" smtClean="0"/>
+          </a:p>
+          <a:p>
+            <a:pPr marL="800100" lvl="1" indent="-342900">
+              <a:buFont typeface="Wingdings" panose="05000000000000000000" pitchFamily="2" charset="2"/>
+              <a:buChar char="ü"/>
             </a:pPr>
             <a:r>
-              <a:rPr lang="en-US" sz="3200" dirty="0"/>
-              <a:t>ISO/IEC 16262:2011(E</a:t>
-            </a:r>
-            <a:r>
-              <a:rPr lang="en-US" sz="3200" dirty="0" smtClean="0"/>
-              <a:t>)</a:t>
-            </a:r>
-          </a:p>
-          <a:p>
-            <a:pPr marL="457200" indent="-457200">
-              <a:buFont typeface="Arial" panose="020B0604020202020204" pitchFamily="34" charset="0"/>
-              <a:buChar char="•"/>
+              <a:rPr lang="ru-RU" sz="2400" dirty="0" smtClean="0"/>
+              <a:t>Официальный сайт: </a:t>
+            </a:r>
+            <a:r>
+              <a:rPr lang="en-US" sz="2400" dirty="0" smtClean="0">
+                <a:hlinkClick r:id="rId3"/>
+              </a:rPr>
+              <a:t>http</a:t>
+            </a:r>
+            <a:r>
+              <a:rPr lang="en-US" sz="2400" dirty="0">
+                <a:hlinkClick r:id="rId3"/>
+              </a:rPr>
+              <a:t>://babeljs.io</a:t>
+            </a:r>
+            <a:r>
+              <a:rPr lang="en-US" sz="2400" dirty="0" smtClean="0">
+                <a:hlinkClick r:id="rId3"/>
+              </a:rPr>
+              <a:t>/</a:t>
+            </a:r>
+            <a:endParaRPr lang="ru-RU" sz="2400" dirty="0" smtClean="0"/>
+          </a:p>
+          <a:p>
+            <a:endParaRPr lang="ru-RU" sz="2400" dirty="0"/>
+          </a:p>
+          <a:p>
+            <a:pPr marL="800100" lvl="1" indent="-342900">
+              <a:buFont typeface="Wingdings" panose="05000000000000000000" pitchFamily="2" charset="2"/>
+              <a:buChar char="ü"/>
             </a:pPr>
-            <a:endParaRPr lang="en-US" sz="3200" dirty="0"/>
-          </a:p>
-          <a:p>
-            <a:pPr marL="457200" indent="-457200">
-              <a:buFont typeface="Arial" panose="020B0604020202020204" pitchFamily="34" charset="0"/>
-              <a:buChar char="•"/>
-            </a:pPr>
-            <a:endParaRPr lang="ru-RU" sz="3200" dirty="0"/>
+            <a:r>
+              <a:rPr lang="ru-RU" sz="2400" dirty="0" smtClean="0"/>
+              <a:t>Попробовать онлайн: </a:t>
+            </a:r>
+            <a:r>
+              <a:rPr lang="en-US" sz="2400" dirty="0">
+                <a:hlinkClick r:id="rId4"/>
+              </a:rPr>
+              <a:t>http://babeljs.io/repl</a:t>
+            </a:r>
+            <a:r>
+              <a:rPr lang="en-US" sz="2400" dirty="0" smtClean="0">
+                <a:hlinkClick r:id="rId4"/>
+              </a:rPr>
+              <a:t>/</a:t>
+            </a:r>
+            <a:endParaRPr lang="ru-RU" sz="2400" dirty="0" smtClean="0"/>
+          </a:p>
+          <a:p>
+            <a:endParaRPr lang="ru-RU" sz="2400" dirty="0"/>
+          </a:p>
+          <a:p>
+            <a:endParaRPr lang="en-US" sz="2400" dirty="0" smtClean="0"/>
           </a:p>
         </p:txBody>
       </p:sp>
     </p:spTree>
     <p:extLst>
       <p:ext uri="{BB962C8B-B14F-4D97-AF65-F5344CB8AC3E}">
-        <p14:creationId xmlns:p14="http://schemas.microsoft.com/office/powerpoint/2010/main" val="4052797314"/>
+        <p14:creationId xmlns:p14="http://schemas.microsoft.com/office/powerpoint/2010/main" val="4212875580"/>
+      </p:ext>
+    </p:extLst>
+  </p:cSld>
+  <p:clrMapOvr>
+    <a:masterClrMapping/>
+  </p:clrMapOvr>
+  <p:timing>
+    <p:tnLst>
+      <p:par>
+        <p:cTn id="1" dur="indefinite" restart="never" nodeType="tmRoot"/>
+      </p:par>
+    </p:tnLst>
+  </p:timing>
+</p:sld>
+</file>
+
+<file path=ppt/slides/slide37.xml><?xml version="1.0" encoding="utf-8"?>
+<p:sld xmlns:a="http://schemas.openxmlformats.org/drawingml/2006/main" xmlns:r="http://schemas.openxmlformats.org/officeDocument/2006/relationships" xmlns:p="http://schemas.openxmlformats.org/presentationml/2006/main">
+  <p:cSld>
+    <p:spTree>
+      <p:nvGrpSpPr>
+        <p:cNvPr id="1" name=""/>
+        <p:cNvGrpSpPr/>
+        <p:nvPr/>
+      </p:nvGrpSpPr>
+      <p:grpSpPr>
+        <a:xfrm>
+          <a:off x="0" y="0"/>
+          <a:ext cx="0" cy="0"/>
+          <a:chOff x="0" y="0"/>
+          <a:chExt cx="0" cy="0"/>
+        </a:xfrm>
+      </p:grpSpPr>
+      <p:sp>
+        <p:nvSpPr>
+          <p:cNvPr id="2" name="Заголовок 1"/>
+          <p:cNvSpPr>
+            <a:spLocks noGrp="1"/>
+          </p:cNvSpPr>
+          <p:nvPr>
+            <p:ph type="title"/>
+          </p:nvPr>
+        </p:nvSpPr>
+        <p:spPr>
+          <a:xfrm>
+            <a:off x="211015" y="181121"/>
+            <a:ext cx="9352452" cy="1325562"/>
+          </a:xfrm>
+        </p:spPr>
+        <p:txBody>
+          <a:bodyPr>
+            <a:normAutofit/>
+          </a:bodyPr>
+          <a:lstStyle/>
+          <a:p>
+            <a:r>
+              <a:rPr lang="en-US" sz="5400" dirty="0" smtClean="0">
+                <a:latin typeface="+mn-lt"/>
+              </a:rPr>
+              <a:t>Babel</a:t>
+            </a:r>
+            <a:r>
+              <a:rPr lang="ru-RU" sz="5400" dirty="0" smtClean="0">
+                <a:latin typeface="+mn-lt"/>
+              </a:rPr>
+              <a:t> – использование</a:t>
+            </a:r>
+            <a:endParaRPr lang="ru-RU" sz="5400" i="1" dirty="0">
+              <a:latin typeface="+mn-lt"/>
+            </a:endParaRPr>
+          </a:p>
+        </p:txBody>
+      </p:sp>
+      <p:pic>
+        <p:nvPicPr>
+          <p:cNvPr id="5" name="Рисунок 4"/>
+          <p:cNvPicPr>
+            <a:picLocks noChangeAspect="1"/>
+          </p:cNvPicPr>
+          <p:nvPr/>
+        </p:nvPicPr>
+        <p:blipFill>
+          <a:blip r:embed="rId2">
+            <a:extLst>
+              <a:ext uri="{28A0092B-C50C-407E-A947-70E740481C1C}">
+                <a14:useLocalDpi xmlns:a14="http://schemas.microsoft.com/office/drawing/2010/main" val="0"/>
+              </a:ext>
+            </a:extLst>
+          </a:blip>
+          <a:stretch>
+            <a:fillRect/>
+          </a:stretch>
+        </p:blipFill>
+        <p:spPr>
+          <a:xfrm>
+            <a:off x="9563467" y="279436"/>
+            <a:ext cx="2542948" cy="1128932"/>
+          </a:xfrm>
+          <a:prstGeom prst="rect">
+            <a:avLst/>
+          </a:prstGeom>
+        </p:spPr>
+      </p:pic>
+      <p:sp>
+        <p:nvSpPr>
+          <p:cNvPr id="6" name="TextBox 5"/>
+          <p:cNvSpPr txBox="1"/>
+          <p:nvPr/>
+        </p:nvSpPr>
+        <p:spPr>
+          <a:xfrm>
+            <a:off x="211015" y="1704750"/>
+            <a:ext cx="11122429" cy="4524315"/>
+          </a:xfrm>
+          <a:prstGeom prst="rect">
+            <a:avLst/>
+          </a:prstGeom>
+          <a:noFill/>
+        </p:spPr>
+        <p:txBody>
+          <a:bodyPr wrap="square" rtlCol="0">
+            <a:spAutoFit/>
+          </a:bodyPr>
+          <a:lstStyle/>
+          <a:p>
+            <a:r>
+              <a:rPr lang="nb-NO" sz="2400" dirty="0" smtClean="0">
+                <a:latin typeface="Consolas" panose="020B0609020204030204" pitchFamily="49" charset="0"/>
+              </a:rPr>
+              <a:t># </a:t>
+            </a:r>
+            <a:r>
+              <a:rPr lang="ru-RU" sz="2400" dirty="0" smtClean="0">
+                <a:latin typeface="Consolas" panose="020B0609020204030204" pitchFamily="49" charset="0"/>
+              </a:rPr>
+              <a:t>установка пакетов</a:t>
+            </a:r>
+            <a:endParaRPr lang="nb-NO" sz="2400" dirty="0" smtClean="0">
+              <a:latin typeface="Consolas" panose="020B0609020204030204" pitchFamily="49" charset="0"/>
+            </a:endParaRPr>
+          </a:p>
+          <a:p>
+            <a:r>
+              <a:rPr lang="nb-NO" sz="2400" dirty="0" smtClean="0">
+                <a:latin typeface="Consolas" panose="020B0609020204030204" pitchFamily="49" charset="0"/>
+              </a:rPr>
+              <a:t>$ </a:t>
+            </a:r>
+            <a:r>
+              <a:rPr lang="nb-NO" sz="2400" dirty="0">
+                <a:latin typeface="Consolas" panose="020B0609020204030204" pitchFamily="49" charset="0"/>
+              </a:rPr>
+              <a:t>npm install --save-dev babel-cli </a:t>
+            </a:r>
+            <a:r>
+              <a:rPr lang="nb-NO" sz="2400" dirty="0" smtClean="0">
+                <a:latin typeface="Consolas" panose="020B0609020204030204" pitchFamily="49" charset="0"/>
+              </a:rPr>
+              <a:t>babel-preset-latest</a:t>
+            </a:r>
+            <a:endParaRPr lang="ru-RU" sz="2400" dirty="0">
+              <a:latin typeface="Consolas" panose="020B0609020204030204" pitchFamily="49" charset="0"/>
+            </a:endParaRPr>
+          </a:p>
+          <a:p>
+            <a:endParaRPr lang="ru-RU" sz="2400" dirty="0" smtClean="0">
+              <a:latin typeface="Consolas" panose="020B0609020204030204" pitchFamily="49" charset="0"/>
+            </a:endParaRPr>
+          </a:p>
+          <a:p>
+            <a:r>
+              <a:rPr lang="en-US" sz="2400" dirty="0" smtClean="0">
+                <a:latin typeface="Consolas" panose="020B0609020204030204" pitchFamily="49" charset="0"/>
+              </a:rPr>
+              <a:t># </a:t>
+            </a:r>
+            <a:r>
+              <a:rPr lang="ru-RU" sz="2400" dirty="0" smtClean="0">
+                <a:latin typeface="Consolas" panose="020B0609020204030204" pitchFamily="49" charset="0"/>
+              </a:rPr>
+              <a:t>конфигурация</a:t>
+            </a:r>
+            <a:endParaRPr lang="ru-RU" sz="2400" dirty="0">
+              <a:latin typeface="Consolas" panose="020B0609020204030204" pitchFamily="49" charset="0"/>
+            </a:endParaRPr>
+          </a:p>
+          <a:p>
+            <a:r>
+              <a:rPr lang="en-US" sz="2400" dirty="0" smtClean="0">
+                <a:latin typeface="Consolas" panose="020B0609020204030204" pitchFamily="49" charset="0"/>
+              </a:rPr>
+              <a:t>$ </a:t>
+            </a:r>
+            <a:r>
+              <a:rPr lang="en-US" sz="2400" dirty="0" err="1" smtClean="0">
+                <a:latin typeface="Consolas" panose="020B0609020204030204" pitchFamily="49" charset="0"/>
+              </a:rPr>
+              <a:t>nano</a:t>
+            </a:r>
+            <a:r>
+              <a:rPr lang="en-US" sz="2400" dirty="0" smtClean="0">
+                <a:latin typeface="Consolas" panose="020B0609020204030204" pitchFamily="49" charset="0"/>
+              </a:rPr>
+              <a:t> .</a:t>
+            </a:r>
+            <a:r>
+              <a:rPr lang="en-US" sz="2400" dirty="0" err="1" smtClean="0">
+                <a:latin typeface="Consolas" panose="020B0609020204030204" pitchFamily="49" charset="0"/>
+              </a:rPr>
+              <a:t>babelrc</a:t>
+            </a:r>
+            <a:endParaRPr lang="en-US" sz="2400" dirty="0">
+              <a:latin typeface="Consolas" panose="020B0609020204030204" pitchFamily="49" charset="0"/>
+            </a:endParaRPr>
+          </a:p>
+          <a:p>
+            <a:r>
+              <a:rPr lang="en-US" sz="2400" dirty="0">
+                <a:latin typeface="Consolas" panose="020B0609020204030204" pitchFamily="49" charset="0"/>
+              </a:rPr>
+              <a:t>{</a:t>
+            </a:r>
+          </a:p>
+          <a:p>
+            <a:r>
+              <a:rPr lang="en-US" sz="2400" dirty="0" smtClean="0">
+                <a:latin typeface="Consolas" panose="020B0609020204030204" pitchFamily="49" charset="0"/>
+              </a:rPr>
+              <a:t>	"</a:t>
+            </a:r>
+            <a:r>
+              <a:rPr lang="en-US" sz="2400" dirty="0">
+                <a:latin typeface="Consolas" panose="020B0609020204030204" pitchFamily="49" charset="0"/>
+              </a:rPr>
+              <a:t>presets": ["latest"]</a:t>
+            </a:r>
+          </a:p>
+          <a:p>
+            <a:r>
+              <a:rPr lang="en-US" sz="2400" dirty="0" smtClean="0">
+                <a:latin typeface="Consolas" panose="020B0609020204030204" pitchFamily="49" charset="0"/>
+              </a:rPr>
+              <a:t>}</a:t>
+            </a:r>
+          </a:p>
+          <a:p>
+            <a:endParaRPr lang="en-US" sz="2400" dirty="0" smtClean="0">
+              <a:latin typeface="Consolas" panose="020B0609020204030204" pitchFamily="49" charset="0"/>
+            </a:endParaRPr>
+          </a:p>
+          <a:p>
+            <a:r>
+              <a:rPr lang="en-US" sz="2400" dirty="0" smtClean="0">
+                <a:latin typeface="Consolas" panose="020B0609020204030204" pitchFamily="49" charset="0"/>
+              </a:rPr>
+              <a:t># </a:t>
+            </a:r>
+            <a:r>
+              <a:rPr lang="ru-RU" sz="2400" dirty="0" smtClean="0">
+                <a:latin typeface="Consolas" panose="020B0609020204030204" pitchFamily="49" charset="0"/>
+              </a:rPr>
+              <a:t>запуск</a:t>
+            </a:r>
+          </a:p>
+          <a:p>
+            <a:r>
+              <a:rPr lang="en-US" sz="2400" dirty="0">
+                <a:latin typeface="Consolas" panose="020B0609020204030204" pitchFamily="49" charset="0"/>
+              </a:rPr>
+              <a:t>$ babel </a:t>
+            </a:r>
+            <a:r>
+              <a:rPr lang="en-US" sz="2400" dirty="0" smtClean="0">
+                <a:latin typeface="Consolas" panose="020B0609020204030204" pitchFamily="49" charset="0"/>
+              </a:rPr>
+              <a:t>modern.js </a:t>
+            </a:r>
+            <a:r>
+              <a:rPr lang="en-US" sz="2400" dirty="0">
+                <a:latin typeface="Consolas" panose="020B0609020204030204" pitchFamily="49" charset="0"/>
+              </a:rPr>
+              <a:t>--watch --out-file </a:t>
+            </a:r>
+            <a:r>
+              <a:rPr lang="en-US" sz="2400" dirty="0" smtClean="0">
+                <a:latin typeface="Consolas" panose="020B0609020204030204" pitchFamily="49" charset="0"/>
+              </a:rPr>
+              <a:t>compiled.js</a:t>
+            </a:r>
+            <a:endParaRPr lang="en-US" sz="2400" dirty="0">
+              <a:latin typeface="Consolas" panose="020B0609020204030204" pitchFamily="49" charset="0"/>
+            </a:endParaRPr>
+          </a:p>
+          <a:p>
+            <a:endParaRPr lang="en-US" sz="2400" dirty="0" smtClean="0">
+              <a:latin typeface="Consolas" panose="020B0609020204030204" pitchFamily="49" charset="0"/>
+            </a:endParaRPr>
+          </a:p>
+        </p:txBody>
+      </p:sp>
+    </p:spTree>
+    <p:extLst>
+      <p:ext uri="{BB962C8B-B14F-4D97-AF65-F5344CB8AC3E}">
+        <p14:creationId xmlns:p14="http://schemas.microsoft.com/office/powerpoint/2010/main" val="4103463445"/>
+      </p:ext>
+    </p:extLst>
+  </p:cSld>
+  <p:clrMapOvr>
+    <a:masterClrMapping/>
+  </p:clrMapOvr>
+  <p:timing>
+    <p:tnLst>
+      <p:par>
+        <p:cTn id="1" dur="indefinite" restart="never" nodeType="tmRoot"/>
+      </p:par>
+    </p:tnLst>
+  </p:timing>
+</p:sld>
+</file>
+
+<file path=ppt/slides/slide38.xml><?xml version="1.0" encoding="utf-8"?>
+<p:sld xmlns:a="http://schemas.openxmlformats.org/drawingml/2006/main" xmlns:r="http://schemas.openxmlformats.org/officeDocument/2006/relationships" xmlns:p="http://schemas.openxmlformats.org/presentationml/2006/main">
+  <p:cSld>
+    <p:spTree>
+      <p:nvGrpSpPr>
+        <p:cNvPr id="1" name=""/>
+        <p:cNvGrpSpPr/>
+        <p:nvPr/>
+      </p:nvGrpSpPr>
+      <p:grpSpPr>
+        <a:xfrm>
+          <a:off x="0" y="0"/>
+          <a:ext cx="0" cy="0"/>
+          <a:chOff x="0" y="0"/>
+          <a:chExt cx="0" cy="0"/>
+        </a:xfrm>
+      </p:grpSpPr>
+      <p:sp>
+        <p:nvSpPr>
+          <p:cNvPr id="2" name="Заголовок 1"/>
+          <p:cNvSpPr>
+            <a:spLocks noGrp="1"/>
+          </p:cNvSpPr>
+          <p:nvPr>
+            <p:ph type="title"/>
+          </p:nvPr>
+        </p:nvSpPr>
+        <p:spPr>
+          <a:xfrm>
+            <a:off x="211015" y="181121"/>
+            <a:ext cx="9352452" cy="1325562"/>
+          </a:xfrm>
+        </p:spPr>
+        <p:txBody>
+          <a:bodyPr>
+            <a:normAutofit/>
+          </a:bodyPr>
+          <a:lstStyle/>
+          <a:p>
+            <a:r>
+              <a:rPr lang="en-US" sz="5400" dirty="0" smtClean="0">
+                <a:latin typeface="+mn-lt"/>
+              </a:rPr>
+              <a:t>ES5, ES6, ES2016, ES7, ES.Next…</a:t>
+            </a:r>
+            <a:endParaRPr lang="ru-RU" sz="5400" i="1" dirty="0">
+              <a:latin typeface="+mn-lt"/>
+            </a:endParaRPr>
+          </a:p>
+        </p:txBody>
+      </p:sp>
+      <p:pic>
+        <p:nvPicPr>
+          <p:cNvPr id="5" name="Рисунок 4"/>
+          <p:cNvPicPr>
+            <a:picLocks noChangeAspect="1"/>
+          </p:cNvPicPr>
+          <p:nvPr/>
+        </p:nvPicPr>
+        <p:blipFill>
+          <a:blip r:embed="rId2">
+            <a:extLst>
+              <a:ext uri="{28A0092B-C50C-407E-A947-70E740481C1C}">
+                <a14:useLocalDpi xmlns:a14="http://schemas.microsoft.com/office/drawing/2010/main" val="0"/>
+              </a:ext>
+            </a:extLst>
+          </a:blip>
+          <a:stretch>
+            <a:fillRect/>
+          </a:stretch>
+        </p:blipFill>
+        <p:spPr>
+          <a:xfrm>
+            <a:off x="9563467" y="279436"/>
+            <a:ext cx="2542948" cy="1128932"/>
+          </a:xfrm>
+          <a:prstGeom prst="rect">
+            <a:avLst/>
+          </a:prstGeom>
+        </p:spPr>
+      </p:pic>
+      <p:pic>
+        <p:nvPicPr>
+          <p:cNvPr id="3074" name="Picture 2" descr="http://i57.fastpic.ru/big/2013/1117/52/dbedfd3ce7cdc4dceacbf134a2f94b52.jpg"/>
+          <p:cNvPicPr>
+            <a:picLocks noChangeAspect="1" noChangeArrowheads="1"/>
+          </p:cNvPicPr>
+          <p:nvPr/>
+        </p:nvPicPr>
+        <p:blipFill rotWithShape="1">
+          <a:blip r:embed="rId3">
+            <a:extLst>
+              <a:ext uri="{28A0092B-C50C-407E-A947-70E740481C1C}">
+                <a14:useLocalDpi xmlns:a14="http://schemas.microsoft.com/office/drawing/2010/main" val="0"/>
+              </a:ext>
+            </a:extLst>
+          </a:blip>
+          <a:srcRect b="3097"/>
+          <a:stretch/>
+        </p:blipFill>
+        <p:spPr bwMode="auto">
+          <a:xfrm>
+            <a:off x="1999721" y="1347567"/>
+            <a:ext cx="8192558" cy="4961793"/>
+          </a:xfrm>
+          <a:prstGeom prst="rect">
+            <a:avLst/>
+          </a:prstGeom>
+          <a:noFill/>
+          <a:extLst>
+            <a:ext uri="{909E8E84-426E-40DD-AFC4-6F175D3DCCD1}">
+              <a14:hiddenFill xmlns:a14="http://schemas.microsoft.com/office/drawing/2010/main">
+                <a:solidFill>
+                  <a:srgbClr val="FFFFFF"/>
+                </a:solidFill>
+              </a14:hiddenFill>
+            </a:ext>
+          </a:extLst>
+        </p:spPr>
+      </p:pic>
+    </p:spTree>
+    <p:extLst>
+      <p:ext uri="{BB962C8B-B14F-4D97-AF65-F5344CB8AC3E}">
+        <p14:creationId xmlns:p14="http://schemas.microsoft.com/office/powerpoint/2010/main" val="3873805158"/>
+      </p:ext>
+    </p:extLst>
+  </p:cSld>
+  <p:clrMapOvr>
+    <a:masterClrMapping/>
+  </p:clrMapOvr>
+  <p:timing>
+    <p:tnLst>
+      <p:par>
+        <p:cTn id="1" dur="indefinite" restart="never" nodeType="tmRoot"/>
+      </p:par>
+    </p:tnLst>
+  </p:timing>
+</p:sld>
+</file>
+
+<file path=ppt/slides/slide39.xml><?xml version="1.0" encoding="utf-8"?>
+<p:sld xmlns:a="http://schemas.openxmlformats.org/drawingml/2006/main" xmlns:r="http://schemas.openxmlformats.org/officeDocument/2006/relationships" xmlns:p="http://schemas.openxmlformats.org/presentationml/2006/main">
+  <p:cSld>
+    <p:spTree>
+      <p:nvGrpSpPr>
+        <p:cNvPr id="1" name=""/>
+        <p:cNvGrpSpPr/>
+        <p:nvPr/>
+      </p:nvGrpSpPr>
+      <p:grpSpPr>
+        <a:xfrm>
+          <a:off x="0" y="0"/>
+          <a:ext cx="0" cy="0"/>
+          <a:chOff x="0" y="0"/>
+          <a:chExt cx="0" cy="0"/>
+        </a:xfrm>
+      </p:grpSpPr>
+      <p:sp>
+        <p:nvSpPr>
+          <p:cNvPr id="2" name="Заголовок 1"/>
+          <p:cNvSpPr>
+            <a:spLocks noGrp="1"/>
+          </p:cNvSpPr>
+          <p:nvPr>
+            <p:ph type="title"/>
+          </p:nvPr>
+        </p:nvSpPr>
+        <p:spPr>
+          <a:xfrm>
+            <a:off x="211015" y="181121"/>
+            <a:ext cx="9352452" cy="1325562"/>
+          </a:xfrm>
+        </p:spPr>
+        <p:txBody>
+          <a:bodyPr>
+            <a:normAutofit/>
+          </a:bodyPr>
+          <a:lstStyle/>
+          <a:p>
+            <a:r>
+              <a:rPr lang="ru-RU" sz="5400" dirty="0" smtClean="0">
+                <a:latin typeface="+mn-lt"/>
+              </a:rPr>
+              <a:t>Текущие версии </a:t>
+            </a:r>
+            <a:r>
+              <a:rPr lang="en-US" sz="5400" dirty="0" smtClean="0">
+                <a:latin typeface="+mn-lt"/>
+              </a:rPr>
+              <a:t>JavaScript’</a:t>
+            </a:r>
+            <a:r>
+              <a:rPr lang="ru-RU" sz="5400" dirty="0" smtClean="0">
+                <a:latin typeface="+mn-lt"/>
+              </a:rPr>
+              <a:t>а</a:t>
+            </a:r>
+            <a:endParaRPr lang="ru-RU" sz="5400" dirty="0">
+              <a:latin typeface="+mn-lt"/>
+            </a:endParaRPr>
+          </a:p>
+        </p:txBody>
+      </p:sp>
+      <p:pic>
+        <p:nvPicPr>
+          <p:cNvPr id="5" name="Рисунок 4"/>
+          <p:cNvPicPr>
+            <a:picLocks noChangeAspect="1"/>
+          </p:cNvPicPr>
+          <p:nvPr/>
+        </p:nvPicPr>
+        <p:blipFill>
+          <a:blip r:embed="rId2">
+            <a:extLst>
+              <a:ext uri="{28A0092B-C50C-407E-A947-70E740481C1C}">
+                <a14:useLocalDpi xmlns:a14="http://schemas.microsoft.com/office/drawing/2010/main" val="0"/>
+              </a:ext>
+            </a:extLst>
+          </a:blip>
+          <a:stretch>
+            <a:fillRect/>
+          </a:stretch>
+        </p:blipFill>
+        <p:spPr>
+          <a:xfrm>
+            <a:off x="9563467" y="279436"/>
+            <a:ext cx="2542948" cy="1128932"/>
+          </a:xfrm>
+          <a:prstGeom prst="rect">
+            <a:avLst/>
+          </a:prstGeom>
+        </p:spPr>
+      </p:pic>
+      <p:sp>
+        <p:nvSpPr>
+          <p:cNvPr id="3" name="TextBox 2"/>
+          <p:cNvSpPr txBox="1"/>
+          <p:nvPr/>
+        </p:nvSpPr>
+        <p:spPr>
+          <a:xfrm>
+            <a:off x="211015" y="1604998"/>
+            <a:ext cx="10964487" cy="4893647"/>
+          </a:xfrm>
+          <a:prstGeom prst="rect">
+            <a:avLst/>
+          </a:prstGeom>
+          <a:noFill/>
+        </p:spPr>
+        <p:txBody>
+          <a:bodyPr wrap="square" rtlCol="0">
+            <a:spAutoFit/>
+          </a:bodyPr>
+          <a:lstStyle/>
+          <a:p>
+            <a:pPr marL="342900" indent="-342900">
+              <a:buFont typeface="Wingdings" panose="05000000000000000000" pitchFamily="2" charset="2"/>
+              <a:buChar char="ü"/>
+            </a:pPr>
+            <a:r>
+              <a:rPr lang="ru-RU" sz="2400" dirty="0" smtClean="0"/>
+              <a:t>Декабрь 1999 – </a:t>
+            </a:r>
+            <a:r>
+              <a:rPr lang="en-US" sz="2400" dirty="0" smtClean="0"/>
+              <a:t>ECMAScript 3</a:t>
+            </a:r>
+            <a:endParaRPr lang="ru-RU" sz="2400" dirty="0" smtClean="0"/>
+          </a:p>
+          <a:p>
+            <a:pPr marL="342900" indent="-342900">
+              <a:buFont typeface="Wingdings" panose="05000000000000000000" pitchFamily="2" charset="2"/>
+              <a:buChar char="ü"/>
+            </a:pPr>
+            <a:r>
+              <a:rPr lang="en-US" sz="2400" dirty="0" smtClean="0"/>
+              <a:t>ECMAScript 4</a:t>
+            </a:r>
+            <a:r>
+              <a:rPr lang="ru-RU" sz="2400" dirty="0" smtClean="0"/>
+              <a:t> – всё сложно</a:t>
+            </a:r>
+            <a:endParaRPr lang="en-US" sz="2400" dirty="0" smtClean="0"/>
+          </a:p>
+          <a:p>
+            <a:pPr marL="342900" indent="-342900">
+              <a:buFont typeface="Wingdings" panose="05000000000000000000" pitchFamily="2" charset="2"/>
+              <a:buChar char="ü"/>
+            </a:pPr>
+            <a:r>
+              <a:rPr lang="ru-RU" sz="2400" dirty="0" smtClean="0"/>
+              <a:t>Декабрь 2009 – </a:t>
+            </a:r>
+            <a:r>
+              <a:rPr lang="en-US" sz="2400" dirty="0" smtClean="0"/>
+              <a:t>ECMAScript 5</a:t>
+            </a:r>
+          </a:p>
+          <a:p>
+            <a:pPr marL="800100" lvl="1" indent="-342900">
+              <a:buFont typeface="Wingdings" panose="05000000000000000000" pitchFamily="2" charset="2"/>
+              <a:buChar char="ü"/>
+            </a:pPr>
+            <a:r>
+              <a:rPr lang="ru-RU" sz="2400" dirty="0" smtClean="0"/>
+              <a:t>Июнь 2011 – </a:t>
+            </a:r>
+            <a:r>
+              <a:rPr lang="en-US" sz="2400" dirty="0"/>
+              <a:t>ECMAScript 5.1 (ISO/IEC 16262:2011</a:t>
+            </a:r>
+            <a:r>
+              <a:rPr lang="en-US" sz="2400" dirty="0" smtClean="0"/>
+              <a:t>)</a:t>
+            </a:r>
+          </a:p>
+          <a:p>
+            <a:pPr marL="342900" indent="-342900">
+              <a:buFont typeface="Wingdings" panose="05000000000000000000" pitchFamily="2" charset="2"/>
+              <a:buChar char="ü"/>
+            </a:pPr>
+            <a:r>
+              <a:rPr lang="ru-RU" sz="2400" dirty="0" smtClean="0"/>
+              <a:t>Июнь 2015 – </a:t>
+            </a:r>
+            <a:r>
+              <a:rPr lang="en-US" sz="2400" dirty="0" smtClean="0"/>
+              <a:t>ECMAScript 6 (ECMAScript 2015)</a:t>
+            </a:r>
+          </a:p>
+          <a:p>
+            <a:pPr marL="342900" indent="-342900">
+              <a:buFont typeface="Wingdings" panose="05000000000000000000" pitchFamily="2" charset="2"/>
+              <a:buChar char="ü"/>
+            </a:pPr>
+            <a:r>
+              <a:rPr lang="ru-RU" sz="2400" dirty="0" smtClean="0"/>
+              <a:t>Июнь 2016 – </a:t>
+            </a:r>
+            <a:r>
+              <a:rPr lang="en-US" sz="2400" dirty="0" smtClean="0"/>
+              <a:t>ECMAScript 7 (ECMAScript 2016)</a:t>
+            </a:r>
+          </a:p>
+          <a:p>
+            <a:pPr marL="342900" indent="-342900">
+              <a:buFont typeface="Wingdings" panose="05000000000000000000" pitchFamily="2" charset="2"/>
+              <a:buChar char="ü"/>
+            </a:pPr>
+            <a:r>
+              <a:rPr lang="en-US" sz="2400" dirty="0" smtClean="0"/>
+              <a:t>. . .</a:t>
+            </a:r>
+          </a:p>
+          <a:p>
+            <a:pPr marL="342900" indent="-342900">
+              <a:buFont typeface="Wingdings" panose="05000000000000000000" pitchFamily="2" charset="2"/>
+              <a:buChar char="ü"/>
+            </a:pPr>
+            <a:r>
+              <a:rPr lang="ru-RU" sz="2400" dirty="0"/>
+              <a:t>Июнь </a:t>
+            </a:r>
+            <a:r>
+              <a:rPr lang="ru-RU" sz="2400" dirty="0" smtClean="0"/>
+              <a:t>2017 – </a:t>
+            </a:r>
+            <a:r>
+              <a:rPr lang="en-US" sz="2400" dirty="0" smtClean="0"/>
+              <a:t>ECMAScript 201</a:t>
+            </a:r>
+            <a:r>
+              <a:rPr lang="ru-RU" sz="2400" dirty="0" smtClean="0"/>
+              <a:t>7 (и так далее)</a:t>
+            </a:r>
+          </a:p>
+          <a:p>
+            <a:pPr marL="342900" indent="-342900">
+              <a:buFont typeface="Wingdings" panose="05000000000000000000" pitchFamily="2" charset="2"/>
+              <a:buChar char="ü"/>
+            </a:pPr>
+            <a:endParaRPr lang="ru-RU" sz="2400" dirty="0"/>
+          </a:p>
+          <a:p>
+            <a:r>
+              <a:rPr lang="en-US" sz="2400" b="1" dirty="0"/>
+              <a:t>ES.Next</a:t>
+            </a:r>
+            <a:r>
+              <a:rPr lang="en-US" sz="2400" dirty="0"/>
+              <a:t> </a:t>
+            </a:r>
+            <a:r>
+              <a:rPr lang="ru-RU" sz="2400" dirty="0" smtClean="0"/>
+              <a:t>– так временно называют совокупность новых возможностей языка, которые могут войти в следующую версию спецификации. </a:t>
+            </a:r>
+            <a:r>
+              <a:rPr lang="ru-RU" sz="2400" dirty="0" err="1" smtClean="0"/>
+              <a:t>Фичи</a:t>
+            </a:r>
+            <a:r>
+              <a:rPr lang="ru-RU" sz="2400" dirty="0" smtClean="0"/>
+              <a:t> из </a:t>
+            </a:r>
+            <a:r>
+              <a:rPr lang="en-US" sz="2400" dirty="0" smtClean="0"/>
+              <a:t>ES.Next </a:t>
+            </a:r>
+            <a:r>
+              <a:rPr lang="ru-RU" sz="2400" dirty="0" smtClean="0"/>
+              <a:t>правильнее называть </a:t>
+            </a:r>
+            <a:r>
+              <a:rPr lang="en-US" sz="2400" i="1" dirty="0" smtClean="0"/>
+              <a:t>“</a:t>
+            </a:r>
+            <a:r>
+              <a:rPr lang="ru-RU" sz="2400" i="1" dirty="0" smtClean="0"/>
+              <a:t>предложения</a:t>
+            </a:r>
+            <a:r>
+              <a:rPr lang="en-US" sz="2400" i="1" dirty="0" smtClean="0"/>
+              <a:t>”</a:t>
+            </a:r>
+            <a:r>
+              <a:rPr lang="ru-RU" sz="2400" dirty="0" smtClean="0"/>
+              <a:t> </a:t>
+            </a:r>
+            <a:r>
+              <a:rPr lang="en-US" sz="2400" dirty="0" smtClean="0"/>
+              <a:t>(</a:t>
+            </a:r>
+            <a:r>
+              <a:rPr lang="en-US" sz="2400" i="1" dirty="0"/>
+              <a:t>proposals</a:t>
+            </a:r>
+            <a:r>
+              <a:rPr lang="en-US" sz="2400" dirty="0" smtClean="0"/>
+              <a:t>), </a:t>
+            </a:r>
+            <a:r>
+              <a:rPr lang="ru-RU" sz="2400" dirty="0" smtClean="0"/>
+              <a:t>потому что они всё ещё находятся на стадии обсуждения.</a:t>
+            </a:r>
+            <a:endParaRPr lang="en-US" sz="2400" dirty="0" smtClean="0"/>
+          </a:p>
+        </p:txBody>
+      </p:sp>
+    </p:spTree>
+    <p:extLst>
+      <p:ext uri="{BB962C8B-B14F-4D97-AF65-F5344CB8AC3E}">
+        <p14:creationId xmlns:p14="http://schemas.microsoft.com/office/powerpoint/2010/main" val="1095501310"/>
       </p:ext>
     </p:extLst>
   </p:cSld>
@@ -38728,6 +38719,2945 @@
     <p:extLst>
       <p:ext uri="{BB962C8B-B14F-4D97-AF65-F5344CB8AC3E}">
         <p14:creationId xmlns:p14="http://schemas.microsoft.com/office/powerpoint/2010/main" val="3284215985"/>
+      </p:ext>
+    </p:extLst>
+  </p:cSld>
+  <p:clrMapOvr>
+    <a:masterClrMapping/>
+  </p:clrMapOvr>
+  <p:timing>
+    <p:tnLst>
+      <p:par>
+        <p:cTn id="1" dur="indefinite" restart="never" nodeType="tmRoot"/>
+      </p:par>
+    </p:tnLst>
+  </p:timing>
+</p:sld>
+</file>
+
+<file path=ppt/slides/slide40.xml><?xml version="1.0" encoding="utf-8"?>
+<p:sld xmlns:a="http://schemas.openxmlformats.org/drawingml/2006/main" xmlns:r="http://schemas.openxmlformats.org/officeDocument/2006/relationships" xmlns:p="http://schemas.openxmlformats.org/presentationml/2006/main">
+  <p:cSld>
+    <p:spTree>
+      <p:nvGrpSpPr>
+        <p:cNvPr id="1" name=""/>
+        <p:cNvGrpSpPr/>
+        <p:nvPr/>
+      </p:nvGrpSpPr>
+      <p:grpSpPr>
+        <a:xfrm>
+          <a:off x="0" y="0"/>
+          <a:ext cx="0" cy="0"/>
+          <a:chOff x="0" y="0"/>
+          <a:chExt cx="0" cy="0"/>
+        </a:xfrm>
+      </p:grpSpPr>
+      <p:sp>
+        <p:nvSpPr>
+          <p:cNvPr id="2" name="Заголовок 1"/>
+          <p:cNvSpPr>
+            <a:spLocks noGrp="1"/>
+          </p:cNvSpPr>
+          <p:nvPr>
+            <p:ph type="title"/>
+          </p:nvPr>
+        </p:nvSpPr>
+        <p:spPr>
+          <a:xfrm>
+            <a:off x="211015" y="181121"/>
+            <a:ext cx="9352452" cy="1325562"/>
+          </a:xfrm>
+        </p:spPr>
+        <p:txBody>
+          <a:bodyPr>
+            <a:normAutofit/>
+          </a:bodyPr>
+          <a:lstStyle/>
+          <a:p>
+            <a:r>
+              <a:rPr lang="ru-RU" sz="5400" dirty="0">
+                <a:latin typeface="+mn-lt"/>
+              </a:rPr>
+              <a:t>Процесс </a:t>
+            </a:r>
+            <a:r>
+              <a:rPr lang="en-US" sz="5400" i="1" dirty="0">
+                <a:latin typeface="+mn-lt"/>
+              </a:rPr>
+              <a:t>TC39</a:t>
+            </a:r>
+            <a:endParaRPr lang="ru-RU" sz="5400" i="1" dirty="0">
+              <a:latin typeface="+mn-lt"/>
+            </a:endParaRPr>
+          </a:p>
+        </p:txBody>
+      </p:sp>
+      <p:pic>
+        <p:nvPicPr>
+          <p:cNvPr id="5" name="Рисунок 4"/>
+          <p:cNvPicPr>
+            <a:picLocks noChangeAspect="1"/>
+          </p:cNvPicPr>
+          <p:nvPr/>
+        </p:nvPicPr>
+        <p:blipFill>
+          <a:blip r:embed="rId2">
+            <a:extLst>
+              <a:ext uri="{28A0092B-C50C-407E-A947-70E740481C1C}">
+                <a14:useLocalDpi xmlns:a14="http://schemas.microsoft.com/office/drawing/2010/main" val="0"/>
+              </a:ext>
+            </a:extLst>
+          </a:blip>
+          <a:stretch>
+            <a:fillRect/>
+          </a:stretch>
+        </p:blipFill>
+        <p:spPr>
+          <a:xfrm>
+            <a:off x="9563467" y="279436"/>
+            <a:ext cx="2542948" cy="1128932"/>
+          </a:xfrm>
+          <a:prstGeom prst="rect">
+            <a:avLst/>
+          </a:prstGeom>
+        </p:spPr>
+      </p:pic>
+      <p:sp>
+        <p:nvSpPr>
+          <p:cNvPr id="3" name="TextBox 2"/>
+          <p:cNvSpPr txBox="1"/>
+          <p:nvPr/>
+        </p:nvSpPr>
+        <p:spPr>
+          <a:xfrm>
+            <a:off x="211015" y="1604998"/>
+            <a:ext cx="10964487" cy="3693319"/>
+          </a:xfrm>
+          <a:prstGeom prst="rect">
+            <a:avLst/>
+          </a:prstGeom>
+          <a:noFill/>
+        </p:spPr>
+        <p:txBody>
+          <a:bodyPr wrap="square" rtlCol="0">
+            <a:spAutoFit/>
+          </a:bodyPr>
+          <a:lstStyle/>
+          <a:p>
+            <a:r>
+              <a:rPr lang="ru-RU" sz="2400" b="1" dirty="0" smtClean="0"/>
+              <a:t>TC39</a:t>
+            </a:r>
+            <a:r>
+              <a:rPr lang="ru-RU" sz="2400" dirty="0" smtClean="0"/>
+              <a:t> (технический комитет 39) — занимается </a:t>
+            </a:r>
+            <a:r>
+              <a:rPr lang="ru-RU" sz="2400" dirty="0"/>
+              <a:t>развитием </a:t>
+            </a:r>
+            <a:r>
+              <a:rPr lang="ru-RU" sz="2400" i="1" dirty="0" err="1"/>
+              <a:t>JavaScript</a:t>
+            </a:r>
+            <a:r>
+              <a:rPr lang="ru-RU" sz="2400" dirty="0"/>
+              <a:t>. Его членами являются компании (помимо прочих, все основные производители браузеров). TC39 регулярно собирается, на встречах присутствуют участники, представляющие интересы компаний, и приглашенные </a:t>
+            </a:r>
+            <a:r>
+              <a:rPr lang="ru-RU" sz="2400" dirty="0" smtClean="0"/>
+              <a:t>эксперты</a:t>
+            </a:r>
+            <a:endParaRPr lang="ru-RU" sz="2400" dirty="0"/>
+          </a:p>
+          <a:p>
+            <a:endParaRPr lang="ru-RU" sz="2400" dirty="0" smtClean="0"/>
+          </a:p>
+          <a:p>
+            <a:r>
+              <a:rPr lang="ru-RU" sz="2400" b="1" dirty="0" smtClean="0"/>
+              <a:t>Процесс </a:t>
+            </a:r>
+            <a:r>
+              <a:rPr lang="en-US" sz="2400" b="1" dirty="0" smtClean="0"/>
+              <a:t>TC39</a:t>
+            </a:r>
+            <a:r>
+              <a:rPr lang="ru-RU" sz="2400" b="1" dirty="0" smtClean="0"/>
+              <a:t>:</a:t>
+            </a:r>
+          </a:p>
+          <a:p>
+            <a:pPr marL="742950" lvl="1" indent="-285750">
+              <a:buFont typeface="Wingdings" panose="05000000000000000000" pitchFamily="2" charset="2"/>
+              <a:buChar char="ü"/>
+            </a:pPr>
+            <a:r>
+              <a:rPr lang="ru-RU" dirty="0"/>
+              <a:t>0 этап: </a:t>
+            </a:r>
+            <a:r>
+              <a:rPr lang="ru-RU" dirty="0" smtClean="0"/>
+              <a:t>идея</a:t>
+            </a:r>
+          </a:p>
+          <a:p>
+            <a:pPr marL="742950" lvl="1" indent="-285750">
+              <a:buFont typeface="Wingdings" panose="05000000000000000000" pitchFamily="2" charset="2"/>
+              <a:buChar char="ü"/>
+            </a:pPr>
+            <a:r>
+              <a:rPr lang="ru-RU" dirty="0"/>
+              <a:t>1 этап: </a:t>
+            </a:r>
+            <a:r>
+              <a:rPr lang="ru-RU" dirty="0" smtClean="0"/>
+              <a:t>предложение</a:t>
+            </a:r>
+          </a:p>
+          <a:p>
+            <a:pPr marL="742950" lvl="1" indent="-285750">
+              <a:buFont typeface="Wingdings" panose="05000000000000000000" pitchFamily="2" charset="2"/>
+              <a:buChar char="ü"/>
+            </a:pPr>
+            <a:r>
+              <a:rPr lang="ru-RU" dirty="0"/>
+              <a:t>2 этап: </a:t>
+            </a:r>
+            <a:r>
+              <a:rPr lang="ru-RU" dirty="0" smtClean="0"/>
+              <a:t>черновик</a:t>
+            </a:r>
+          </a:p>
+          <a:p>
+            <a:pPr marL="742950" lvl="1" indent="-285750">
+              <a:buFont typeface="Wingdings" panose="05000000000000000000" pitchFamily="2" charset="2"/>
+              <a:buChar char="ü"/>
+            </a:pPr>
+            <a:r>
+              <a:rPr lang="ru-RU" dirty="0"/>
+              <a:t>3 этап: </a:t>
+            </a:r>
+            <a:r>
+              <a:rPr lang="ru-RU" dirty="0" smtClean="0"/>
+              <a:t>кандидат</a:t>
+            </a:r>
+          </a:p>
+          <a:p>
+            <a:pPr marL="742950" lvl="1" indent="-285750">
+              <a:buFont typeface="Wingdings" panose="05000000000000000000" pitchFamily="2" charset="2"/>
+              <a:buChar char="ü"/>
+            </a:pPr>
+            <a:r>
+              <a:rPr lang="ru-RU" dirty="0"/>
+              <a:t>4 этап: финал</a:t>
+            </a:r>
+            <a:endParaRPr lang="en-US" dirty="0"/>
+          </a:p>
+        </p:txBody>
+      </p:sp>
+    </p:spTree>
+    <p:extLst>
+      <p:ext uri="{BB962C8B-B14F-4D97-AF65-F5344CB8AC3E}">
+        <p14:creationId xmlns:p14="http://schemas.microsoft.com/office/powerpoint/2010/main" val="16185255"/>
+      </p:ext>
+    </p:extLst>
+  </p:cSld>
+  <p:clrMapOvr>
+    <a:masterClrMapping/>
+  </p:clrMapOvr>
+  <p:timing>
+    <p:tnLst>
+      <p:par>
+        <p:cTn id="1" dur="indefinite" restart="never" nodeType="tmRoot"/>
+      </p:par>
+    </p:tnLst>
+  </p:timing>
+</p:sld>
+</file>
+
+<file path=ppt/slides/slide41.xml><?xml version="1.0" encoding="utf-8"?>
+<p:sld xmlns:a="http://schemas.openxmlformats.org/drawingml/2006/main" xmlns:r="http://schemas.openxmlformats.org/officeDocument/2006/relationships" xmlns:p="http://schemas.openxmlformats.org/presentationml/2006/main">
+  <p:cSld>
+    <p:spTree>
+      <p:nvGrpSpPr>
+        <p:cNvPr id="1" name=""/>
+        <p:cNvGrpSpPr/>
+        <p:nvPr/>
+      </p:nvGrpSpPr>
+      <p:grpSpPr>
+        <a:xfrm>
+          <a:off x="0" y="0"/>
+          <a:ext cx="0" cy="0"/>
+          <a:chOff x="0" y="0"/>
+          <a:chExt cx="0" cy="0"/>
+        </a:xfrm>
+      </p:grpSpPr>
+      <p:sp>
+        <p:nvSpPr>
+          <p:cNvPr id="2" name="Заголовок 1"/>
+          <p:cNvSpPr>
+            <a:spLocks noGrp="1"/>
+          </p:cNvSpPr>
+          <p:nvPr>
+            <p:ph type="title"/>
+          </p:nvPr>
+        </p:nvSpPr>
+        <p:spPr>
+          <a:xfrm>
+            <a:off x="211015" y="181121"/>
+            <a:ext cx="9352452" cy="1325562"/>
+          </a:xfrm>
+        </p:spPr>
+        <p:txBody>
+          <a:bodyPr>
+            <a:normAutofit/>
+          </a:bodyPr>
+          <a:lstStyle/>
+          <a:p>
+            <a:r>
+              <a:rPr lang="en-US" sz="5400" dirty="0" smtClean="0">
+                <a:latin typeface="+mn-lt"/>
+              </a:rPr>
+              <a:t>ECMAScript 2016</a:t>
+            </a:r>
+            <a:endParaRPr lang="ru-RU" sz="5400" i="1" dirty="0">
+              <a:latin typeface="+mn-lt"/>
+            </a:endParaRPr>
+          </a:p>
+        </p:txBody>
+      </p:sp>
+      <p:pic>
+        <p:nvPicPr>
+          <p:cNvPr id="5" name="Рисунок 4"/>
+          <p:cNvPicPr>
+            <a:picLocks noChangeAspect="1"/>
+          </p:cNvPicPr>
+          <p:nvPr/>
+        </p:nvPicPr>
+        <p:blipFill>
+          <a:blip r:embed="rId2">
+            <a:extLst>
+              <a:ext uri="{28A0092B-C50C-407E-A947-70E740481C1C}">
+                <a14:useLocalDpi xmlns:a14="http://schemas.microsoft.com/office/drawing/2010/main" val="0"/>
+              </a:ext>
+            </a:extLst>
+          </a:blip>
+          <a:stretch>
+            <a:fillRect/>
+          </a:stretch>
+        </p:blipFill>
+        <p:spPr>
+          <a:xfrm>
+            <a:off x="9563467" y="279436"/>
+            <a:ext cx="2542948" cy="1128932"/>
+          </a:xfrm>
+          <a:prstGeom prst="rect">
+            <a:avLst/>
+          </a:prstGeom>
+        </p:spPr>
+      </p:pic>
+      <p:graphicFrame>
+        <p:nvGraphicFramePr>
+          <p:cNvPr id="6" name="Таблица 5"/>
+          <p:cNvGraphicFramePr>
+            <a:graphicFrameLocks noGrp="1"/>
+          </p:cNvGraphicFramePr>
+          <p:nvPr>
+            <p:extLst>
+              <p:ext uri="{D42A27DB-BD31-4B8C-83A1-F6EECF244321}">
+                <p14:modId xmlns:p14="http://schemas.microsoft.com/office/powerpoint/2010/main" val="2858238490"/>
+              </p:ext>
+            </p:extLst>
+          </p:nvPr>
+        </p:nvGraphicFramePr>
+        <p:xfrm>
+          <a:off x="211015" y="1408366"/>
+          <a:ext cx="5196254" cy="5159490"/>
+        </p:xfrm>
+        <a:graphic>
+          <a:graphicData uri="http://schemas.openxmlformats.org/drawingml/2006/table">
+            <a:tbl>
+              <a:tblPr firstRow="1" bandRow="1">
+                <a:tableStyleId>{2D5ABB26-0587-4C30-8999-92F81FD0307C}</a:tableStyleId>
+              </a:tblPr>
+              <a:tblGrid>
+                <a:gridCol w="645359">
+                  <a:extLst>
+                    <a:ext uri="{9D8B030D-6E8A-4147-A177-3AD203B41FA5}">
+                      <a16:colId xmlns:a16="http://schemas.microsoft.com/office/drawing/2014/main" val="1206265584"/>
+                    </a:ext>
+                  </a:extLst>
+                </a:gridCol>
+                <a:gridCol w="4550895">
+                  <a:extLst>
+                    <a:ext uri="{9D8B030D-6E8A-4147-A177-3AD203B41FA5}">
+                      <a16:colId xmlns:a16="http://schemas.microsoft.com/office/drawing/2014/main" val="1563403967"/>
+                    </a:ext>
+                  </a:extLst>
+                </a:gridCol>
+              </a:tblGrid>
+              <a:tr h="343966">
+                <a:tc>
+                  <a:txBody>
+                    <a:bodyPr/>
+                    <a:lstStyle/>
+                    <a:p>
+                      <a:pPr algn="r"/>
+                      <a:r>
+                        <a:rPr lang="en-US" sz="1400" i="1" dirty="0" smtClean="0">
+                          <a:solidFill>
+                            <a:schemeClr val="bg1">
+                              <a:lumMod val="65000"/>
+                            </a:schemeClr>
+                          </a:solidFill>
+                          <a:latin typeface="Consolas" panose="020B0609020204030204" pitchFamily="49" charset="0"/>
+                        </a:rPr>
+                        <a:t>#0</a:t>
+                      </a:r>
+                      <a:r>
+                        <a:rPr lang="ru-RU" sz="1400" i="1" dirty="0" smtClean="0">
+                          <a:solidFill>
+                            <a:schemeClr val="bg1">
+                              <a:lumMod val="65000"/>
+                            </a:schemeClr>
+                          </a:solidFill>
+                          <a:latin typeface="Consolas" panose="020B0609020204030204" pitchFamily="49" charset="0"/>
+                        </a:rPr>
+                        <a:t>1</a:t>
+                      </a:r>
+                      <a:endParaRPr lang="ru-RU" sz="1400" i="1" dirty="0">
+                        <a:solidFill>
+                          <a:schemeClr val="bg1">
+                            <a:lumMod val="65000"/>
+                          </a:schemeClr>
+                        </a:solidFill>
+                        <a:latin typeface="Consolas" panose="020B0609020204030204" pitchFamily="49" charset="0"/>
+                      </a:endParaRPr>
+                    </a:p>
+                  </a:txBody>
+                  <a:tcPr marL="45720" marR="45720" anchor="ctr"/>
+                </a:tc>
+                <a:tc>
+                  <a:txBody>
+                    <a:bodyPr/>
+                    <a:lstStyle/>
+                    <a:p>
+                      <a:r>
+                        <a:rPr lang="en-US" sz="1600" baseline="0" dirty="0" smtClean="0">
+                          <a:latin typeface="Consolas" panose="020B0609020204030204" pitchFamily="49" charset="0"/>
+                        </a:rPr>
+                        <a:t>// exponentiation operator </a:t>
+                      </a:r>
+                      <a:endParaRPr lang="ru-RU" sz="1600" baseline="0" dirty="0">
+                        <a:latin typeface="Consolas" panose="020B0609020204030204" pitchFamily="49" charset="0"/>
+                      </a:endParaRPr>
+                    </a:p>
+                  </a:txBody>
+                  <a:tcPr/>
+                </a:tc>
+                <a:extLst>
+                  <a:ext uri="{0D108BD9-81ED-4DB2-BD59-A6C34878D82A}">
+                    <a16:rowId xmlns:a16="http://schemas.microsoft.com/office/drawing/2014/main" val="2343939786"/>
+                  </a:ext>
+                </a:extLst>
+              </a:tr>
+              <a:tr h="343966">
+                <a:tc>
+                  <a:txBody>
+                    <a:bodyPr/>
+                    <a:lstStyle/>
+                    <a:p>
+                      <a:pPr algn="r"/>
+                      <a:r>
+                        <a:rPr lang="en-US" sz="1400" i="1" dirty="0" smtClean="0">
+                          <a:solidFill>
+                            <a:schemeClr val="bg1">
+                              <a:lumMod val="65000"/>
+                            </a:schemeClr>
+                          </a:solidFill>
+                          <a:latin typeface="Consolas" panose="020B0609020204030204" pitchFamily="49" charset="0"/>
+                        </a:rPr>
+                        <a:t>#0</a:t>
+                      </a:r>
+                      <a:r>
+                        <a:rPr lang="ru-RU" sz="1400" i="1" dirty="0" smtClean="0">
+                          <a:solidFill>
+                            <a:schemeClr val="bg1">
+                              <a:lumMod val="65000"/>
+                            </a:schemeClr>
+                          </a:solidFill>
+                          <a:latin typeface="Consolas" panose="020B0609020204030204" pitchFamily="49" charset="0"/>
+                        </a:rPr>
+                        <a:t>2</a:t>
+                      </a:r>
+                      <a:endParaRPr lang="ru-RU" sz="1400" i="1" dirty="0">
+                        <a:solidFill>
+                          <a:schemeClr val="bg1">
+                            <a:lumMod val="65000"/>
+                          </a:schemeClr>
+                        </a:solidFill>
+                        <a:latin typeface="Consolas" panose="020B0609020204030204" pitchFamily="49" charset="0"/>
+                      </a:endParaRPr>
+                    </a:p>
+                  </a:txBody>
+                  <a:tcPr marL="45720" marR="45720" anchor="ctr"/>
+                </a:tc>
+                <a:tc>
+                  <a:txBody>
+                    <a:bodyPr/>
+                    <a:lstStyle/>
+                    <a:p>
+                      <a:endParaRPr lang="ru-RU" sz="1600" baseline="0" dirty="0">
+                        <a:latin typeface="Consolas" panose="020B0609020204030204" pitchFamily="49" charset="0"/>
+                      </a:endParaRPr>
+                    </a:p>
+                  </a:txBody>
+                  <a:tcPr/>
+                </a:tc>
+                <a:extLst>
+                  <a:ext uri="{0D108BD9-81ED-4DB2-BD59-A6C34878D82A}">
+                    <a16:rowId xmlns:a16="http://schemas.microsoft.com/office/drawing/2014/main" val="3327077107"/>
+                  </a:ext>
+                </a:extLst>
+              </a:tr>
+              <a:tr h="343966">
+                <a:tc>
+                  <a:txBody>
+                    <a:bodyPr/>
+                    <a:lstStyle/>
+                    <a:p>
+                      <a:pPr algn="r"/>
+                      <a:r>
+                        <a:rPr lang="en-US" sz="1400" i="1" dirty="0" smtClean="0">
+                          <a:solidFill>
+                            <a:schemeClr val="bg1">
+                              <a:lumMod val="65000"/>
+                            </a:schemeClr>
+                          </a:solidFill>
+                          <a:latin typeface="Consolas" panose="020B0609020204030204" pitchFamily="49" charset="0"/>
+                        </a:rPr>
+                        <a:t>#0</a:t>
+                      </a:r>
+                      <a:r>
+                        <a:rPr lang="ru-RU" sz="1400" i="1" dirty="0" smtClean="0">
+                          <a:solidFill>
+                            <a:schemeClr val="bg1">
+                              <a:lumMod val="65000"/>
+                            </a:schemeClr>
+                          </a:solidFill>
+                          <a:latin typeface="Consolas" panose="020B0609020204030204" pitchFamily="49" charset="0"/>
+                        </a:rPr>
+                        <a:t>3</a:t>
+                      </a:r>
+                      <a:endParaRPr lang="ru-RU" sz="1400" i="1" dirty="0">
+                        <a:solidFill>
+                          <a:schemeClr val="bg1">
+                            <a:lumMod val="65000"/>
+                          </a:schemeClr>
+                        </a:solidFill>
+                        <a:latin typeface="Consolas" panose="020B0609020204030204" pitchFamily="49" charset="0"/>
+                      </a:endParaRPr>
+                    </a:p>
+                  </a:txBody>
+                  <a:tcPr marL="45720" marR="45720" anchor="ctr"/>
+                </a:tc>
+                <a:tc>
+                  <a:txBody>
+                    <a:bodyPr/>
+                    <a:lstStyle/>
+                    <a:p>
+                      <a:r>
+                        <a:rPr lang="en-US" sz="1600" baseline="0" dirty="0" smtClean="0">
+                          <a:latin typeface="Consolas" panose="020B0609020204030204" pitchFamily="49" charset="0"/>
+                        </a:rPr>
+                        <a:t>console.log(2 ** 8);	// 256</a:t>
+                      </a:r>
+                      <a:endParaRPr lang="ru-RU" sz="1600" baseline="0" dirty="0">
+                        <a:latin typeface="Consolas" panose="020B0609020204030204" pitchFamily="49" charset="0"/>
+                      </a:endParaRPr>
+                    </a:p>
+                  </a:txBody>
+                  <a:tcPr/>
+                </a:tc>
+                <a:extLst>
+                  <a:ext uri="{0D108BD9-81ED-4DB2-BD59-A6C34878D82A}">
+                    <a16:rowId xmlns:a16="http://schemas.microsoft.com/office/drawing/2014/main" val="494326091"/>
+                  </a:ext>
+                </a:extLst>
+              </a:tr>
+              <a:tr h="343966">
+                <a:tc>
+                  <a:txBody>
+                    <a:bodyPr/>
+                    <a:lstStyle/>
+                    <a:p>
+                      <a:pPr algn="r"/>
+                      <a:r>
+                        <a:rPr lang="en-US" sz="1400" i="1" dirty="0" smtClean="0">
+                          <a:solidFill>
+                            <a:schemeClr val="bg1">
+                              <a:lumMod val="65000"/>
+                            </a:schemeClr>
+                          </a:solidFill>
+                          <a:latin typeface="Consolas" panose="020B0609020204030204" pitchFamily="49" charset="0"/>
+                        </a:rPr>
+                        <a:t>#0</a:t>
+                      </a:r>
+                      <a:r>
+                        <a:rPr lang="ru-RU" sz="1400" i="1" dirty="0" smtClean="0">
+                          <a:solidFill>
+                            <a:schemeClr val="bg1">
+                              <a:lumMod val="65000"/>
+                            </a:schemeClr>
+                          </a:solidFill>
+                          <a:latin typeface="Consolas" panose="020B0609020204030204" pitchFamily="49" charset="0"/>
+                        </a:rPr>
+                        <a:t>4</a:t>
+                      </a:r>
+                      <a:endParaRPr lang="ru-RU" sz="1400" i="1" dirty="0">
+                        <a:solidFill>
+                          <a:schemeClr val="bg1">
+                            <a:lumMod val="65000"/>
+                          </a:schemeClr>
+                        </a:solidFill>
+                        <a:latin typeface="Consolas" panose="020B0609020204030204" pitchFamily="49" charset="0"/>
+                      </a:endParaRPr>
+                    </a:p>
+                  </a:txBody>
+                  <a:tcPr marL="45720" marR="45720" anchor="ctr"/>
+                </a:tc>
+                <a:tc>
+                  <a:txBody>
+                    <a:bodyPr/>
+                    <a:lstStyle/>
+                    <a:p>
+                      <a:pPr marL="0" marR="0" lvl="0" indent="0" algn="l" defTabSz="914400" rtl="0" eaLnBrk="1" fontAlgn="auto" latinLnBrk="0" hangingPunct="1">
+                        <a:lnSpc>
+                          <a:spcPct val="100000"/>
+                        </a:lnSpc>
+                        <a:spcBef>
+                          <a:spcPts val="0"/>
+                        </a:spcBef>
+                        <a:spcAft>
+                          <a:spcPts val="0"/>
+                        </a:spcAft>
+                        <a:buClrTx/>
+                        <a:buSzTx/>
+                        <a:buFontTx/>
+                        <a:buNone/>
+                        <a:tabLst/>
+                        <a:defRPr/>
+                      </a:pPr>
+                      <a:r>
+                        <a:rPr lang="en-US" sz="1600" baseline="0" dirty="0" smtClean="0">
+                          <a:latin typeface="Consolas" panose="020B0609020204030204" pitchFamily="49" charset="0"/>
+                        </a:rPr>
+                        <a:t>console.log(2 ** -1);	// 0.5</a:t>
+                      </a:r>
+                      <a:endParaRPr lang="ru-RU" sz="1600" baseline="0" dirty="0" smtClean="0">
+                        <a:latin typeface="Consolas" panose="020B0609020204030204" pitchFamily="49" charset="0"/>
+                      </a:endParaRPr>
+                    </a:p>
+                  </a:txBody>
+                  <a:tcPr/>
+                </a:tc>
+                <a:extLst>
+                  <a:ext uri="{0D108BD9-81ED-4DB2-BD59-A6C34878D82A}">
+                    <a16:rowId xmlns:a16="http://schemas.microsoft.com/office/drawing/2014/main" val="1470215104"/>
+                  </a:ext>
+                </a:extLst>
+              </a:tr>
+              <a:tr h="343966">
+                <a:tc>
+                  <a:txBody>
+                    <a:bodyPr/>
+                    <a:lstStyle/>
+                    <a:p>
+                      <a:pPr algn="r"/>
+                      <a:r>
+                        <a:rPr lang="en-US" sz="1400" i="1" dirty="0" smtClean="0">
+                          <a:solidFill>
+                            <a:schemeClr val="bg1">
+                              <a:lumMod val="65000"/>
+                            </a:schemeClr>
+                          </a:solidFill>
+                          <a:latin typeface="Consolas" panose="020B0609020204030204" pitchFamily="49" charset="0"/>
+                        </a:rPr>
+                        <a:t>#0</a:t>
+                      </a:r>
+                      <a:r>
+                        <a:rPr lang="ru-RU" sz="1400" i="1" dirty="0" smtClean="0">
+                          <a:solidFill>
+                            <a:schemeClr val="bg1">
+                              <a:lumMod val="65000"/>
+                            </a:schemeClr>
+                          </a:solidFill>
+                          <a:latin typeface="Consolas" panose="020B0609020204030204" pitchFamily="49" charset="0"/>
+                        </a:rPr>
+                        <a:t>5</a:t>
+                      </a:r>
+                      <a:endParaRPr lang="ru-RU" sz="1400" i="1" dirty="0">
+                        <a:solidFill>
+                          <a:schemeClr val="bg1">
+                            <a:lumMod val="65000"/>
+                          </a:schemeClr>
+                        </a:solidFill>
+                        <a:latin typeface="Consolas" panose="020B0609020204030204" pitchFamily="49" charset="0"/>
+                      </a:endParaRPr>
+                    </a:p>
+                  </a:txBody>
+                  <a:tcPr marL="45720" marR="45720" anchor="ctr"/>
+                </a:tc>
+                <a:tc>
+                  <a:txBody>
+                    <a:bodyPr/>
+                    <a:lstStyle/>
+                    <a:p>
+                      <a:r>
+                        <a:rPr lang="en-US" sz="1600" baseline="0" dirty="0" smtClean="0">
+                          <a:latin typeface="Consolas" panose="020B0609020204030204" pitchFamily="49" charset="0"/>
+                        </a:rPr>
+                        <a:t>console.log(16 ** 0.5);	// 4</a:t>
+                      </a:r>
+                      <a:endParaRPr lang="ru-RU" sz="1600" baseline="0" dirty="0">
+                        <a:latin typeface="Consolas" panose="020B0609020204030204" pitchFamily="49" charset="0"/>
+                      </a:endParaRPr>
+                    </a:p>
+                  </a:txBody>
+                  <a:tcPr/>
+                </a:tc>
+                <a:extLst>
+                  <a:ext uri="{0D108BD9-81ED-4DB2-BD59-A6C34878D82A}">
+                    <a16:rowId xmlns:a16="http://schemas.microsoft.com/office/drawing/2014/main" val="350356519"/>
+                  </a:ext>
+                </a:extLst>
+              </a:tr>
+              <a:tr h="343966">
+                <a:tc>
+                  <a:txBody>
+                    <a:bodyPr/>
+                    <a:lstStyle/>
+                    <a:p>
+                      <a:pPr algn="r"/>
+                      <a:r>
+                        <a:rPr lang="en-US" sz="1400" i="1" dirty="0" smtClean="0">
+                          <a:solidFill>
+                            <a:schemeClr val="bg1">
+                              <a:lumMod val="65000"/>
+                            </a:schemeClr>
+                          </a:solidFill>
+                          <a:latin typeface="Consolas" panose="020B0609020204030204" pitchFamily="49" charset="0"/>
+                        </a:rPr>
+                        <a:t>#0</a:t>
+                      </a:r>
+                      <a:r>
+                        <a:rPr lang="ru-RU" sz="1400" i="1" dirty="0" smtClean="0">
+                          <a:solidFill>
+                            <a:schemeClr val="bg1">
+                              <a:lumMod val="65000"/>
+                            </a:schemeClr>
+                          </a:solidFill>
+                          <a:latin typeface="Consolas" panose="020B0609020204030204" pitchFamily="49" charset="0"/>
+                        </a:rPr>
+                        <a:t>6</a:t>
+                      </a:r>
+                      <a:endParaRPr lang="ru-RU" sz="1400" i="1" dirty="0">
+                        <a:solidFill>
+                          <a:schemeClr val="bg1">
+                            <a:lumMod val="65000"/>
+                          </a:schemeClr>
+                        </a:solidFill>
+                        <a:latin typeface="Consolas" panose="020B0609020204030204" pitchFamily="49" charset="0"/>
+                      </a:endParaRPr>
+                    </a:p>
+                  </a:txBody>
+                  <a:tcPr marL="45720" marR="45720" anchor="ctr"/>
+                </a:tc>
+                <a:tc>
+                  <a:txBody>
+                    <a:bodyPr/>
+                    <a:lstStyle/>
+                    <a:p>
+                      <a:endParaRPr lang="ru-RU" sz="1600" baseline="0" dirty="0">
+                        <a:latin typeface="Consolas" panose="020B0609020204030204" pitchFamily="49" charset="0"/>
+                      </a:endParaRPr>
+                    </a:p>
+                  </a:txBody>
+                  <a:tcPr/>
+                </a:tc>
+                <a:extLst>
+                  <a:ext uri="{0D108BD9-81ED-4DB2-BD59-A6C34878D82A}">
+                    <a16:rowId xmlns:a16="http://schemas.microsoft.com/office/drawing/2014/main" val="3059089994"/>
+                  </a:ext>
+                </a:extLst>
+              </a:tr>
+              <a:tr h="343966">
+                <a:tc>
+                  <a:txBody>
+                    <a:bodyPr/>
+                    <a:lstStyle/>
+                    <a:p>
+                      <a:pPr algn="r"/>
+                      <a:r>
+                        <a:rPr lang="en-US" sz="1400" i="1" dirty="0" smtClean="0">
+                          <a:solidFill>
+                            <a:schemeClr val="bg1">
+                              <a:lumMod val="65000"/>
+                            </a:schemeClr>
+                          </a:solidFill>
+                          <a:latin typeface="Consolas" panose="020B0609020204030204" pitchFamily="49" charset="0"/>
+                        </a:rPr>
+                        <a:t>#0</a:t>
+                      </a:r>
+                      <a:r>
+                        <a:rPr lang="ru-RU" sz="1400" i="1" dirty="0" smtClean="0">
+                          <a:solidFill>
+                            <a:schemeClr val="bg1">
+                              <a:lumMod val="65000"/>
+                            </a:schemeClr>
+                          </a:solidFill>
+                          <a:latin typeface="Consolas" panose="020B0609020204030204" pitchFamily="49" charset="0"/>
+                        </a:rPr>
+                        <a:t>7</a:t>
+                      </a:r>
+                      <a:endParaRPr lang="ru-RU" sz="1400" i="1" dirty="0">
+                        <a:solidFill>
+                          <a:schemeClr val="bg1">
+                            <a:lumMod val="65000"/>
+                          </a:schemeClr>
+                        </a:solidFill>
+                        <a:latin typeface="Consolas" panose="020B0609020204030204" pitchFamily="49" charset="0"/>
+                      </a:endParaRPr>
+                    </a:p>
+                  </a:txBody>
+                  <a:tcPr marL="45720" marR="45720" anchor="ctr"/>
+                </a:tc>
+                <a:tc>
+                  <a:txBody>
+                    <a:bodyPr/>
+                    <a:lstStyle/>
+                    <a:p>
+                      <a:endParaRPr lang="ru-RU" sz="1600" baseline="0" dirty="0">
+                        <a:latin typeface="Consolas" panose="020B0609020204030204" pitchFamily="49" charset="0"/>
+                      </a:endParaRPr>
+                    </a:p>
+                  </a:txBody>
+                  <a:tcPr/>
+                </a:tc>
+                <a:extLst>
+                  <a:ext uri="{0D108BD9-81ED-4DB2-BD59-A6C34878D82A}">
+                    <a16:rowId xmlns:a16="http://schemas.microsoft.com/office/drawing/2014/main" val="1152108268"/>
+                  </a:ext>
+                </a:extLst>
+              </a:tr>
+              <a:tr h="343966">
+                <a:tc>
+                  <a:txBody>
+                    <a:bodyPr/>
+                    <a:lstStyle/>
+                    <a:p>
+                      <a:pPr algn="r"/>
+                      <a:r>
+                        <a:rPr lang="en-US" sz="1400" i="1" dirty="0" smtClean="0">
+                          <a:solidFill>
+                            <a:schemeClr val="bg1">
+                              <a:lumMod val="65000"/>
+                            </a:schemeClr>
+                          </a:solidFill>
+                          <a:latin typeface="Consolas" panose="020B0609020204030204" pitchFamily="49" charset="0"/>
+                        </a:rPr>
+                        <a:t>#0</a:t>
+                      </a:r>
+                      <a:r>
+                        <a:rPr lang="ru-RU" sz="1400" i="1" dirty="0" smtClean="0">
+                          <a:solidFill>
+                            <a:schemeClr val="bg1">
+                              <a:lumMod val="65000"/>
+                            </a:schemeClr>
+                          </a:solidFill>
+                          <a:latin typeface="Consolas" panose="020B0609020204030204" pitchFamily="49" charset="0"/>
+                        </a:rPr>
+                        <a:t>8</a:t>
+                      </a:r>
+                      <a:endParaRPr lang="ru-RU" sz="1400" i="1" dirty="0">
+                        <a:solidFill>
+                          <a:schemeClr val="bg1">
+                            <a:lumMod val="65000"/>
+                          </a:schemeClr>
+                        </a:solidFill>
+                        <a:latin typeface="Consolas" panose="020B0609020204030204" pitchFamily="49" charset="0"/>
+                      </a:endParaRPr>
+                    </a:p>
+                  </a:txBody>
+                  <a:tcPr marL="45720" marR="45720" anchor="ctr"/>
+                </a:tc>
+                <a:tc>
+                  <a:txBody>
+                    <a:bodyPr/>
+                    <a:lstStyle/>
+                    <a:p>
+                      <a:endParaRPr lang="ru-RU" sz="1600" baseline="0" dirty="0">
+                        <a:latin typeface="Consolas" panose="020B0609020204030204" pitchFamily="49" charset="0"/>
+                      </a:endParaRPr>
+                    </a:p>
+                  </a:txBody>
+                  <a:tcPr/>
+                </a:tc>
+                <a:extLst>
+                  <a:ext uri="{0D108BD9-81ED-4DB2-BD59-A6C34878D82A}">
+                    <a16:rowId xmlns:a16="http://schemas.microsoft.com/office/drawing/2014/main" val="823096353"/>
+                  </a:ext>
+                </a:extLst>
+              </a:tr>
+              <a:tr h="343966">
+                <a:tc>
+                  <a:txBody>
+                    <a:bodyPr/>
+                    <a:lstStyle/>
+                    <a:p>
+                      <a:pPr algn="r"/>
+                      <a:r>
+                        <a:rPr lang="en-US" sz="1400" i="1" dirty="0" smtClean="0">
+                          <a:solidFill>
+                            <a:schemeClr val="bg1">
+                              <a:lumMod val="65000"/>
+                            </a:schemeClr>
+                          </a:solidFill>
+                          <a:latin typeface="Consolas" panose="020B0609020204030204" pitchFamily="49" charset="0"/>
+                        </a:rPr>
+                        <a:t>#09</a:t>
+                      </a:r>
+                      <a:endParaRPr lang="ru-RU" sz="1400" i="1" dirty="0">
+                        <a:solidFill>
+                          <a:schemeClr val="bg1">
+                            <a:lumMod val="65000"/>
+                          </a:schemeClr>
+                        </a:solidFill>
+                        <a:latin typeface="Consolas" panose="020B0609020204030204" pitchFamily="49" charset="0"/>
+                      </a:endParaRPr>
+                    </a:p>
+                  </a:txBody>
+                  <a:tcPr marL="45720" marR="45720" anchor="ctr"/>
+                </a:tc>
+                <a:tc>
+                  <a:txBody>
+                    <a:bodyPr/>
+                    <a:lstStyle/>
+                    <a:p>
+                      <a:endParaRPr lang="ru-RU" sz="1600" baseline="0" dirty="0">
+                        <a:latin typeface="Consolas" panose="020B0609020204030204" pitchFamily="49" charset="0"/>
+                      </a:endParaRPr>
+                    </a:p>
+                  </a:txBody>
+                  <a:tcPr/>
+                </a:tc>
+                <a:extLst>
+                  <a:ext uri="{0D108BD9-81ED-4DB2-BD59-A6C34878D82A}">
+                    <a16:rowId xmlns:a16="http://schemas.microsoft.com/office/drawing/2014/main" val="1212997009"/>
+                  </a:ext>
+                </a:extLst>
+              </a:tr>
+              <a:tr h="343966">
+                <a:tc>
+                  <a:txBody>
+                    <a:bodyPr/>
+                    <a:lstStyle/>
+                    <a:p>
+                      <a:pPr algn="r"/>
+                      <a:r>
+                        <a:rPr lang="en-US" sz="1400" i="1" dirty="0" smtClean="0">
+                          <a:solidFill>
+                            <a:schemeClr val="bg1">
+                              <a:lumMod val="65000"/>
+                            </a:schemeClr>
+                          </a:solidFill>
+                          <a:latin typeface="Consolas" panose="020B0609020204030204" pitchFamily="49" charset="0"/>
+                        </a:rPr>
+                        <a:t>#10</a:t>
+                      </a:r>
+                      <a:endParaRPr lang="ru-RU" sz="1400" i="1" dirty="0">
+                        <a:solidFill>
+                          <a:schemeClr val="bg1">
+                            <a:lumMod val="65000"/>
+                          </a:schemeClr>
+                        </a:solidFill>
+                        <a:latin typeface="Consolas" panose="020B0609020204030204" pitchFamily="49" charset="0"/>
+                      </a:endParaRPr>
+                    </a:p>
+                  </a:txBody>
+                  <a:tcPr marL="45720" marR="45720" anchor="ctr"/>
+                </a:tc>
+                <a:tc>
+                  <a:txBody>
+                    <a:bodyPr/>
+                    <a:lstStyle/>
+                    <a:p>
+                      <a:endParaRPr lang="ru-RU" sz="1600" baseline="0" dirty="0">
+                        <a:latin typeface="Consolas" panose="020B0609020204030204" pitchFamily="49" charset="0"/>
+                      </a:endParaRPr>
+                    </a:p>
+                  </a:txBody>
+                  <a:tcPr/>
+                </a:tc>
+                <a:extLst>
+                  <a:ext uri="{0D108BD9-81ED-4DB2-BD59-A6C34878D82A}">
+                    <a16:rowId xmlns:a16="http://schemas.microsoft.com/office/drawing/2014/main" val="2951956735"/>
+                  </a:ext>
+                </a:extLst>
+              </a:tr>
+              <a:tr h="343966">
+                <a:tc>
+                  <a:txBody>
+                    <a:bodyPr/>
+                    <a:lstStyle/>
+                    <a:p>
+                      <a:pPr algn="r"/>
+                      <a:r>
+                        <a:rPr lang="en-US" sz="1400" i="1" dirty="0" smtClean="0">
+                          <a:solidFill>
+                            <a:schemeClr val="bg1">
+                              <a:lumMod val="65000"/>
+                            </a:schemeClr>
+                          </a:solidFill>
+                          <a:latin typeface="Consolas" panose="020B0609020204030204" pitchFamily="49" charset="0"/>
+                        </a:rPr>
+                        <a:t>#11</a:t>
+                      </a:r>
+                      <a:endParaRPr lang="ru-RU" sz="1400" i="1" dirty="0">
+                        <a:solidFill>
+                          <a:schemeClr val="bg1">
+                            <a:lumMod val="65000"/>
+                          </a:schemeClr>
+                        </a:solidFill>
+                        <a:latin typeface="Consolas" panose="020B0609020204030204" pitchFamily="49" charset="0"/>
+                      </a:endParaRPr>
+                    </a:p>
+                  </a:txBody>
+                  <a:tcPr marL="45720" marR="45720" anchor="ctr"/>
+                </a:tc>
+                <a:tc>
+                  <a:txBody>
+                    <a:bodyPr/>
+                    <a:lstStyle/>
+                    <a:p>
+                      <a:endParaRPr lang="ru-RU" sz="1600" baseline="0" dirty="0">
+                        <a:latin typeface="Consolas" panose="020B0609020204030204" pitchFamily="49" charset="0"/>
+                      </a:endParaRPr>
+                    </a:p>
+                  </a:txBody>
+                  <a:tcPr/>
+                </a:tc>
+                <a:extLst>
+                  <a:ext uri="{0D108BD9-81ED-4DB2-BD59-A6C34878D82A}">
+                    <a16:rowId xmlns:a16="http://schemas.microsoft.com/office/drawing/2014/main" val="954535043"/>
+                  </a:ext>
+                </a:extLst>
+              </a:tr>
+              <a:tr h="343966">
+                <a:tc>
+                  <a:txBody>
+                    <a:bodyPr/>
+                    <a:lstStyle/>
+                    <a:p>
+                      <a:pPr algn="r"/>
+                      <a:r>
+                        <a:rPr lang="en-US" sz="1400" i="1" dirty="0" smtClean="0">
+                          <a:solidFill>
+                            <a:schemeClr val="bg1">
+                              <a:lumMod val="65000"/>
+                            </a:schemeClr>
+                          </a:solidFill>
+                          <a:latin typeface="Consolas" panose="020B0609020204030204" pitchFamily="49" charset="0"/>
+                        </a:rPr>
+                        <a:t>#12</a:t>
+                      </a:r>
+                      <a:endParaRPr lang="ru-RU" sz="1400" i="1" dirty="0">
+                        <a:solidFill>
+                          <a:schemeClr val="bg1">
+                            <a:lumMod val="65000"/>
+                          </a:schemeClr>
+                        </a:solidFill>
+                        <a:latin typeface="Consolas" panose="020B0609020204030204" pitchFamily="49" charset="0"/>
+                      </a:endParaRPr>
+                    </a:p>
+                  </a:txBody>
+                  <a:tcPr marL="45720" marR="45720" anchor="ctr"/>
+                </a:tc>
+                <a:tc>
+                  <a:txBody>
+                    <a:bodyPr/>
+                    <a:lstStyle/>
+                    <a:p>
+                      <a:endParaRPr lang="ru-RU" sz="1600" baseline="0" dirty="0">
+                        <a:latin typeface="Consolas" panose="020B0609020204030204" pitchFamily="49" charset="0"/>
+                      </a:endParaRPr>
+                    </a:p>
+                  </a:txBody>
+                  <a:tcPr/>
+                </a:tc>
+                <a:extLst>
+                  <a:ext uri="{0D108BD9-81ED-4DB2-BD59-A6C34878D82A}">
+                    <a16:rowId xmlns:a16="http://schemas.microsoft.com/office/drawing/2014/main" val="3091478877"/>
+                  </a:ext>
+                </a:extLst>
+              </a:tr>
+              <a:tr h="343966">
+                <a:tc>
+                  <a:txBody>
+                    <a:bodyPr/>
+                    <a:lstStyle/>
+                    <a:p>
+                      <a:pPr algn="r"/>
+                      <a:r>
+                        <a:rPr lang="en-US" sz="1400" i="1" dirty="0" smtClean="0">
+                          <a:solidFill>
+                            <a:schemeClr val="bg1">
+                              <a:lumMod val="65000"/>
+                            </a:schemeClr>
+                          </a:solidFill>
+                          <a:latin typeface="Consolas" panose="020B0609020204030204" pitchFamily="49" charset="0"/>
+                        </a:rPr>
+                        <a:t>#13</a:t>
+                      </a:r>
+                      <a:endParaRPr lang="ru-RU" sz="1400" i="1" dirty="0">
+                        <a:solidFill>
+                          <a:schemeClr val="bg1">
+                            <a:lumMod val="65000"/>
+                          </a:schemeClr>
+                        </a:solidFill>
+                        <a:latin typeface="Consolas" panose="020B0609020204030204" pitchFamily="49" charset="0"/>
+                      </a:endParaRPr>
+                    </a:p>
+                  </a:txBody>
+                  <a:tcPr marL="45720" marR="45720" anchor="ctr"/>
+                </a:tc>
+                <a:tc>
+                  <a:txBody>
+                    <a:bodyPr/>
+                    <a:lstStyle/>
+                    <a:p>
+                      <a:endParaRPr lang="ru-RU" sz="1600" baseline="0" dirty="0">
+                        <a:latin typeface="Consolas" panose="020B0609020204030204" pitchFamily="49" charset="0"/>
+                      </a:endParaRPr>
+                    </a:p>
+                  </a:txBody>
+                  <a:tcPr/>
+                </a:tc>
+                <a:extLst>
+                  <a:ext uri="{0D108BD9-81ED-4DB2-BD59-A6C34878D82A}">
+                    <a16:rowId xmlns:a16="http://schemas.microsoft.com/office/drawing/2014/main" val="2609407780"/>
+                  </a:ext>
+                </a:extLst>
+              </a:tr>
+              <a:tr h="343966">
+                <a:tc>
+                  <a:txBody>
+                    <a:bodyPr/>
+                    <a:lstStyle/>
+                    <a:p>
+                      <a:pPr algn="r"/>
+                      <a:r>
+                        <a:rPr lang="en-US" sz="1400" i="1" dirty="0" smtClean="0">
+                          <a:solidFill>
+                            <a:schemeClr val="bg1">
+                              <a:lumMod val="65000"/>
+                            </a:schemeClr>
+                          </a:solidFill>
+                          <a:latin typeface="Consolas" panose="020B0609020204030204" pitchFamily="49" charset="0"/>
+                        </a:rPr>
+                        <a:t>#14</a:t>
+                      </a:r>
+                      <a:endParaRPr lang="ru-RU" sz="1400" i="1" dirty="0">
+                        <a:solidFill>
+                          <a:schemeClr val="bg1">
+                            <a:lumMod val="65000"/>
+                          </a:schemeClr>
+                        </a:solidFill>
+                        <a:latin typeface="Consolas" panose="020B0609020204030204" pitchFamily="49" charset="0"/>
+                      </a:endParaRPr>
+                    </a:p>
+                  </a:txBody>
+                  <a:tcPr marL="45720" marR="45720" anchor="ctr"/>
+                </a:tc>
+                <a:tc>
+                  <a:txBody>
+                    <a:bodyPr/>
+                    <a:lstStyle/>
+                    <a:p>
+                      <a:endParaRPr lang="ru-RU" sz="1600" baseline="0" dirty="0">
+                        <a:latin typeface="Consolas" panose="020B0609020204030204" pitchFamily="49" charset="0"/>
+                      </a:endParaRPr>
+                    </a:p>
+                  </a:txBody>
+                  <a:tcPr/>
+                </a:tc>
+                <a:extLst>
+                  <a:ext uri="{0D108BD9-81ED-4DB2-BD59-A6C34878D82A}">
+                    <a16:rowId xmlns:a16="http://schemas.microsoft.com/office/drawing/2014/main" val="227243331"/>
+                  </a:ext>
+                </a:extLst>
+              </a:tr>
+              <a:tr h="343966">
+                <a:tc>
+                  <a:txBody>
+                    <a:bodyPr/>
+                    <a:lstStyle/>
+                    <a:p>
+                      <a:pPr algn="r"/>
+                      <a:r>
+                        <a:rPr lang="en-US" sz="1400" i="1" dirty="0" smtClean="0">
+                          <a:solidFill>
+                            <a:schemeClr val="bg1">
+                              <a:lumMod val="65000"/>
+                            </a:schemeClr>
+                          </a:solidFill>
+                          <a:latin typeface="Consolas" panose="020B0609020204030204" pitchFamily="49" charset="0"/>
+                        </a:rPr>
+                        <a:t>#15</a:t>
+                      </a:r>
+                      <a:endParaRPr lang="ru-RU" sz="1400" i="1" dirty="0">
+                        <a:solidFill>
+                          <a:schemeClr val="bg1">
+                            <a:lumMod val="65000"/>
+                          </a:schemeClr>
+                        </a:solidFill>
+                        <a:latin typeface="Consolas" panose="020B0609020204030204" pitchFamily="49" charset="0"/>
+                      </a:endParaRPr>
+                    </a:p>
+                  </a:txBody>
+                  <a:tcPr marL="45720" marR="45720" anchor="ctr"/>
+                </a:tc>
+                <a:tc>
+                  <a:txBody>
+                    <a:bodyPr/>
+                    <a:lstStyle/>
+                    <a:p>
+                      <a:endParaRPr lang="ru-RU" sz="1600" baseline="0" dirty="0">
+                        <a:latin typeface="Consolas" panose="020B0609020204030204" pitchFamily="49" charset="0"/>
+                      </a:endParaRPr>
+                    </a:p>
+                  </a:txBody>
+                  <a:tcPr/>
+                </a:tc>
+                <a:extLst>
+                  <a:ext uri="{0D108BD9-81ED-4DB2-BD59-A6C34878D82A}">
+                    <a16:rowId xmlns:a16="http://schemas.microsoft.com/office/drawing/2014/main" val="2714488681"/>
+                  </a:ext>
+                </a:extLst>
+              </a:tr>
+            </a:tbl>
+          </a:graphicData>
+        </a:graphic>
+      </p:graphicFrame>
+      <p:graphicFrame>
+        <p:nvGraphicFramePr>
+          <p:cNvPr id="7" name="Таблица 6"/>
+          <p:cNvGraphicFramePr>
+            <a:graphicFrameLocks noGrp="1"/>
+          </p:cNvGraphicFramePr>
+          <p:nvPr>
+            <p:extLst>
+              <p:ext uri="{D42A27DB-BD31-4B8C-83A1-F6EECF244321}">
+                <p14:modId xmlns:p14="http://schemas.microsoft.com/office/powerpoint/2010/main" val="3850796416"/>
+              </p:ext>
+            </p:extLst>
+          </p:nvPr>
+        </p:nvGraphicFramePr>
+        <p:xfrm>
+          <a:off x="5563333" y="1403040"/>
+          <a:ext cx="5196254" cy="5159490"/>
+        </p:xfrm>
+        <a:graphic>
+          <a:graphicData uri="http://schemas.openxmlformats.org/drawingml/2006/table">
+            <a:tbl>
+              <a:tblPr firstRow="1" bandRow="1">
+                <a:tableStyleId>{2D5ABB26-0587-4C30-8999-92F81FD0307C}</a:tableStyleId>
+              </a:tblPr>
+              <a:tblGrid>
+                <a:gridCol w="645359">
+                  <a:extLst>
+                    <a:ext uri="{9D8B030D-6E8A-4147-A177-3AD203B41FA5}">
+                      <a16:colId xmlns:a16="http://schemas.microsoft.com/office/drawing/2014/main" val="1206265584"/>
+                    </a:ext>
+                  </a:extLst>
+                </a:gridCol>
+                <a:gridCol w="4550895">
+                  <a:extLst>
+                    <a:ext uri="{9D8B030D-6E8A-4147-A177-3AD203B41FA5}">
+                      <a16:colId xmlns:a16="http://schemas.microsoft.com/office/drawing/2014/main" val="1563403967"/>
+                    </a:ext>
+                  </a:extLst>
+                </a:gridCol>
+              </a:tblGrid>
+              <a:tr h="343966">
+                <a:tc>
+                  <a:txBody>
+                    <a:bodyPr/>
+                    <a:lstStyle/>
+                    <a:p>
+                      <a:pPr algn="r"/>
+                      <a:r>
+                        <a:rPr lang="en-US" sz="1400" i="1" dirty="0" smtClean="0">
+                          <a:solidFill>
+                            <a:schemeClr val="bg1">
+                              <a:lumMod val="65000"/>
+                            </a:schemeClr>
+                          </a:solidFill>
+                          <a:latin typeface="Consolas" panose="020B0609020204030204" pitchFamily="49" charset="0"/>
+                        </a:rPr>
+                        <a:t>#0</a:t>
+                      </a:r>
+                      <a:r>
+                        <a:rPr lang="ru-RU" sz="1400" i="1" dirty="0" smtClean="0">
+                          <a:solidFill>
+                            <a:schemeClr val="bg1">
+                              <a:lumMod val="65000"/>
+                            </a:schemeClr>
+                          </a:solidFill>
+                          <a:latin typeface="Consolas" panose="020B0609020204030204" pitchFamily="49" charset="0"/>
+                        </a:rPr>
+                        <a:t>1</a:t>
+                      </a:r>
+                      <a:endParaRPr lang="ru-RU" sz="1400" i="1" dirty="0">
+                        <a:solidFill>
+                          <a:schemeClr val="bg1">
+                            <a:lumMod val="65000"/>
+                          </a:schemeClr>
+                        </a:solidFill>
+                        <a:latin typeface="Consolas" panose="020B0609020204030204" pitchFamily="49" charset="0"/>
+                      </a:endParaRPr>
+                    </a:p>
+                  </a:txBody>
+                  <a:tcPr marL="45720" marR="45720" anchor="ctr"/>
+                </a:tc>
+                <a:tc>
+                  <a:txBody>
+                    <a:bodyPr/>
+                    <a:lstStyle/>
+                    <a:p>
+                      <a:pPr marL="0" marR="0" lvl="0" indent="0" algn="l" defTabSz="914400" rtl="0" eaLnBrk="1" fontAlgn="auto" latinLnBrk="0" hangingPunct="1">
+                        <a:lnSpc>
+                          <a:spcPct val="100000"/>
+                        </a:lnSpc>
+                        <a:spcBef>
+                          <a:spcPts val="0"/>
+                        </a:spcBef>
+                        <a:spcAft>
+                          <a:spcPts val="0"/>
+                        </a:spcAft>
+                        <a:buClrTx/>
+                        <a:buSzTx/>
+                        <a:buFontTx/>
+                        <a:buNone/>
+                        <a:tabLst/>
+                        <a:defRPr/>
+                      </a:pPr>
+                      <a:r>
+                        <a:rPr lang="en-US" sz="1600" dirty="0" smtClean="0">
+                          <a:latin typeface="Consolas" panose="020B0609020204030204" pitchFamily="49" charset="0"/>
+                        </a:rPr>
+                        <a:t>// </a:t>
+                      </a:r>
+                      <a:r>
+                        <a:rPr lang="en-US" sz="1600" dirty="0" err="1" smtClean="0">
+                          <a:latin typeface="Consolas" panose="020B0609020204030204" pitchFamily="49" charset="0"/>
+                        </a:rPr>
+                        <a:t>Array.prototype.includes</a:t>
+                      </a:r>
+                      <a:endParaRPr lang="ru-RU" sz="1600" dirty="0" smtClean="0">
+                        <a:latin typeface="Consolas" panose="020B0609020204030204" pitchFamily="49" charset="0"/>
+                      </a:endParaRPr>
+                    </a:p>
+                  </a:txBody>
+                  <a:tcPr/>
+                </a:tc>
+                <a:extLst>
+                  <a:ext uri="{0D108BD9-81ED-4DB2-BD59-A6C34878D82A}">
+                    <a16:rowId xmlns:a16="http://schemas.microsoft.com/office/drawing/2014/main" val="2343939786"/>
+                  </a:ext>
+                </a:extLst>
+              </a:tr>
+              <a:tr h="343966">
+                <a:tc>
+                  <a:txBody>
+                    <a:bodyPr/>
+                    <a:lstStyle/>
+                    <a:p>
+                      <a:pPr algn="r"/>
+                      <a:r>
+                        <a:rPr lang="en-US" sz="1400" i="1" dirty="0" smtClean="0">
+                          <a:solidFill>
+                            <a:schemeClr val="bg1">
+                              <a:lumMod val="65000"/>
+                            </a:schemeClr>
+                          </a:solidFill>
+                          <a:latin typeface="Consolas" panose="020B0609020204030204" pitchFamily="49" charset="0"/>
+                        </a:rPr>
+                        <a:t>#0</a:t>
+                      </a:r>
+                      <a:r>
+                        <a:rPr lang="ru-RU" sz="1400" i="1" dirty="0" smtClean="0">
+                          <a:solidFill>
+                            <a:schemeClr val="bg1">
+                              <a:lumMod val="65000"/>
+                            </a:schemeClr>
+                          </a:solidFill>
+                          <a:latin typeface="Consolas" panose="020B0609020204030204" pitchFamily="49" charset="0"/>
+                        </a:rPr>
+                        <a:t>2</a:t>
+                      </a:r>
+                      <a:endParaRPr lang="ru-RU" sz="1400" i="1" dirty="0">
+                        <a:solidFill>
+                          <a:schemeClr val="bg1">
+                            <a:lumMod val="65000"/>
+                          </a:schemeClr>
+                        </a:solidFill>
+                        <a:latin typeface="Consolas" panose="020B0609020204030204" pitchFamily="49" charset="0"/>
+                      </a:endParaRPr>
+                    </a:p>
+                  </a:txBody>
+                  <a:tcPr marL="45720" marR="45720" anchor="ctr"/>
+                </a:tc>
+                <a:tc>
+                  <a:txBody>
+                    <a:bodyPr/>
+                    <a:lstStyle/>
+                    <a:p>
+                      <a:endParaRPr lang="ru-RU" sz="1600" dirty="0">
+                        <a:latin typeface="Consolas" panose="020B0609020204030204" pitchFamily="49" charset="0"/>
+                      </a:endParaRPr>
+                    </a:p>
+                  </a:txBody>
+                  <a:tcPr/>
+                </a:tc>
+                <a:extLst>
+                  <a:ext uri="{0D108BD9-81ED-4DB2-BD59-A6C34878D82A}">
+                    <a16:rowId xmlns:a16="http://schemas.microsoft.com/office/drawing/2014/main" val="3327077107"/>
+                  </a:ext>
+                </a:extLst>
+              </a:tr>
+              <a:tr h="343966">
+                <a:tc>
+                  <a:txBody>
+                    <a:bodyPr/>
+                    <a:lstStyle/>
+                    <a:p>
+                      <a:pPr algn="r"/>
+                      <a:r>
+                        <a:rPr lang="en-US" sz="1400" i="1" dirty="0" smtClean="0">
+                          <a:solidFill>
+                            <a:schemeClr val="bg1">
+                              <a:lumMod val="65000"/>
+                            </a:schemeClr>
+                          </a:solidFill>
+                          <a:latin typeface="Consolas" panose="020B0609020204030204" pitchFamily="49" charset="0"/>
+                        </a:rPr>
+                        <a:t>#0</a:t>
+                      </a:r>
+                      <a:r>
+                        <a:rPr lang="ru-RU" sz="1400" i="1" dirty="0" smtClean="0">
+                          <a:solidFill>
+                            <a:schemeClr val="bg1">
+                              <a:lumMod val="65000"/>
+                            </a:schemeClr>
+                          </a:solidFill>
+                          <a:latin typeface="Consolas" panose="020B0609020204030204" pitchFamily="49" charset="0"/>
+                        </a:rPr>
+                        <a:t>3</a:t>
+                      </a:r>
+                      <a:endParaRPr lang="ru-RU" sz="1400" i="1" dirty="0">
+                        <a:solidFill>
+                          <a:schemeClr val="bg1">
+                            <a:lumMod val="65000"/>
+                          </a:schemeClr>
+                        </a:solidFill>
+                        <a:latin typeface="Consolas" panose="020B0609020204030204" pitchFamily="49" charset="0"/>
+                      </a:endParaRPr>
+                    </a:p>
+                  </a:txBody>
+                  <a:tcPr marL="45720" marR="45720" anchor="ctr"/>
+                </a:tc>
+                <a:tc>
+                  <a:txBody>
+                    <a:bodyPr/>
+                    <a:lstStyle/>
+                    <a:p>
+                      <a:r>
+                        <a:rPr lang="en-US" sz="1600" dirty="0" smtClean="0">
+                          <a:latin typeface="Consolas" panose="020B0609020204030204" pitchFamily="49" charset="0"/>
+                        </a:rPr>
+                        <a:t>// </a:t>
+                      </a:r>
+                      <a:r>
+                        <a:rPr lang="ru-RU" sz="1600" dirty="0" smtClean="0">
+                          <a:latin typeface="Consolas" panose="020B0609020204030204" pitchFamily="49" charset="0"/>
+                        </a:rPr>
+                        <a:t>вернёт </a:t>
+                      </a:r>
+                      <a:r>
+                        <a:rPr lang="en-US" sz="1600" dirty="0" smtClean="0">
+                          <a:latin typeface="Consolas" panose="020B0609020204030204" pitchFamily="49" charset="0"/>
+                        </a:rPr>
+                        <a:t>true</a:t>
+                      </a:r>
+                      <a:endParaRPr lang="ru-RU" sz="1600" dirty="0">
+                        <a:latin typeface="Consolas" panose="020B0609020204030204" pitchFamily="49" charset="0"/>
+                      </a:endParaRPr>
+                    </a:p>
+                  </a:txBody>
+                  <a:tcPr/>
+                </a:tc>
+                <a:extLst>
+                  <a:ext uri="{0D108BD9-81ED-4DB2-BD59-A6C34878D82A}">
+                    <a16:rowId xmlns:a16="http://schemas.microsoft.com/office/drawing/2014/main" val="494326091"/>
+                  </a:ext>
+                </a:extLst>
+              </a:tr>
+              <a:tr h="343966">
+                <a:tc>
+                  <a:txBody>
+                    <a:bodyPr/>
+                    <a:lstStyle/>
+                    <a:p>
+                      <a:pPr algn="r"/>
+                      <a:r>
+                        <a:rPr lang="en-US" sz="1400" i="1" dirty="0" smtClean="0">
+                          <a:solidFill>
+                            <a:schemeClr val="bg1">
+                              <a:lumMod val="65000"/>
+                            </a:schemeClr>
+                          </a:solidFill>
+                          <a:latin typeface="Consolas" panose="020B0609020204030204" pitchFamily="49" charset="0"/>
+                        </a:rPr>
+                        <a:t>#0</a:t>
+                      </a:r>
+                      <a:r>
+                        <a:rPr lang="ru-RU" sz="1400" i="1" dirty="0" smtClean="0">
+                          <a:solidFill>
+                            <a:schemeClr val="bg1">
+                              <a:lumMod val="65000"/>
+                            </a:schemeClr>
+                          </a:solidFill>
+                          <a:latin typeface="Consolas" panose="020B0609020204030204" pitchFamily="49" charset="0"/>
+                        </a:rPr>
+                        <a:t>4</a:t>
+                      </a:r>
+                      <a:endParaRPr lang="ru-RU" sz="1400" i="1" dirty="0">
+                        <a:solidFill>
+                          <a:schemeClr val="bg1">
+                            <a:lumMod val="65000"/>
+                          </a:schemeClr>
+                        </a:solidFill>
+                        <a:latin typeface="Consolas" panose="020B0609020204030204" pitchFamily="49" charset="0"/>
+                      </a:endParaRPr>
+                    </a:p>
+                  </a:txBody>
+                  <a:tcPr marL="45720" marR="45720" anchor="ctr"/>
+                </a:tc>
+                <a:tc>
+                  <a:txBody>
+                    <a:bodyPr/>
+                    <a:lstStyle/>
+                    <a:p>
+                      <a:r>
+                        <a:rPr lang="en-US" sz="1600" dirty="0" smtClean="0">
+                          <a:latin typeface="Consolas" panose="020B0609020204030204" pitchFamily="49" charset="0"/>
+                        </a:rPr>
+                        <a:t>['a', 'b', 'c'].includes('a');</a:t>
+                      </a:r>
+                      <a:endParaRPr lang="ru-RU" sz="1600" dirty="0">
+                        <a:latin typeface="Consolas" panose="020B0609020204030204" pitchFamily="49" charset="0"/>
+                      </a:endParaRPr>
+                    </a:p>
+                  </a:txBody>
+                  <a:tcPr/>
+                </a:tc>
+                <a:extLst>
+                  <a:ext uri="{0D108BD9-81ED-4DB2-BD59-A6C34878D82A}">
+                    <a16:rowId xmlns:a16="http://schemas.microsoft.com/office/drawing/2014/main" val="1470215104"/>
+                  </a:ext>
+                </a:extLst>
+              </a:tr>
+              <a:tr h="343966">
+                <a:tc>
+                  <a:txBody>
+                    <a:bodyPr/>
+                    <a:lstStyle/>
+                    <a:p>
+                      <a:pPr algn="r"/>
+                      <a:r>
+                        <a:rPr lang="en-US" sz="1400" i="1" dirty="0" smtClean="0">
+                          <a:solidFill>
+                            <a:schemeClr val="bg1">
+                              <a:lumMod val="65000"/>
+                            </a:schemeClr>
+                          </a:solidFill>
+                          <a:latin typeface="Consolas" panose="020B0609020204030204" pitchFamily="49" charset="0"/>
+                        </a:rPr>
+                        <a:t>#0</a:t>
+                      </a:r>
+                      <a:r>
+                        <a:rPr lang="ru-RU" sz="1400" i="1" dirty="0" smtClean="0">
+                          <a:solidFill>
+                            <a:schemeClr val="bg1">
+                              <a:lumMod val="65000"/>
+                            </a:schemeClr>
+                          </a:solidFill>
+                          <a:latin typeface="Consolas" panose="020B0609020204030204" pitchFamily="49" charset="0"/>
+                        </a:rPr>
+                        <a:t>5</a:t>
+                      </a:r>
+                      <a:endParaRPr lang="ru-RU" sz="1400" i="1" dirty="0">
+                        <a:solidFill>
+                          <a:schemeClr val="bg1">
+                            <a:lumMod val="65000"/>
+                          </a:schemeClr>
+                        </a:solidFill>
+                        <a:latin typeface="Consolas" panose="020B0609020204030204" pitchFamily="49" charset="0"/>
+                      </a:endParaRPr>
+                    </a:p>
+                  </a:txBody>
+                  <a:tcPr marL="45720" marR="45720" anchor="ctr"/>
+                </a:tc>
+                <a:tc>
+                  <a:txBody>
+                    <a:bodyPr/>
+                    <a:lstStyle/>
+                    <a:p>
+                      <a:endParaRPr lang="ru-RU" sz="1600" dirty="0">
+                        <a:latin typeface="Consolas" panose="020B0609020204030204" pitchFamily="49" charset="0"/>
+                      </a:endParaRPr>
+                    </a:p>
+                  </a:txBody>
+                  <a:tcPr/>
+                </a:tc>
+                <a:extLst>
+                  <a:ext uri="{0D108BD9-81ED-4DB2-BD59-A6C34878D82A}">
+                    <a16:rowId xmlns:a16="http://schemas.microsoft.com/office/drawing/2014/main" val="350356519"/>
+                  </a:ext>
+                </a:extLst>
+              </a:tr>
+              <a:tr h="343966">
+                <a:tc>
+                  <a:txBody>
+                    <a:bodyPr/>
+                    <a:lstStyle/>
+                    <a:p>
+                      <a:pPr algn="r"/>
+                      <a:r>
+                        <a:rPr lang="en-US" sz="1400" i="1" dirty="0" smtClean="0">
+                          <a:solidFill>
+                            <a:schemeClr val="bg1">
+                              <a:lumMod val="65000"/>
+                            </a:schemeClr>
+                          </a:solidFill>
+                          <a:latin typeface="Consolas" panose="020B0609020204030204" pitchFamily="49" charset="0"/>
+                        </a:rPr>
+                        <a:t>#0</a:t>
+                      </a:r>
+                      <a:r>
+                        <a:rPr lang="ru-RU" sz="1400" i="1" dirty="0" smtClean="0">
+                          <a:solidFill>
+                            <a:schemeClr val="bg1">
+                              <a:lumMod val="65000"/>
+                            </a:schemeClr>
+                          </a:solidFill>
+                          <a:latin typeface="Consolas" panose="020B0609020204030204" pitchFamily="49" charset="0"/>
+                        </a:rPr>
+                        <a:t>6</a:t>
+                      </a:r>
+                      <a:endParaRPr lang="ru-RU" sz="1400" i="1" dirty="0">
+                        <a:solidFill>
+                          <a:schemeClr val="bg1">
+                            <a:lumMod val="65000"/>
+                          </a:schemeClr>
+                        </a:solidFill>
+                        <a:latin typeface="Consolas" panose="020B0609020204030204" pitchFamily="49" charset="0"/>
+                      </a:endParaRPr>
+                    </a:p>
+                  </a:txBody>
+                  <a:tcPr marL="45720" marR="45720" anchor="ctr"/>
+                </a:tc>
+                <a:tc>
+                  <a:txBody>
+                    <a:bodyPr/>
+                    <a:lstStyle/>
+                    <a:p>
+                      <a:r>
+                        <a:rPr lang="en-US" sz="1600" dirty="0" smtClean="0">
+                          <a:latin typeface="Consolas" panose="020B0609020204030204" pitchFamily="49" charset="0"/>
+                        </a:rPr>
+                        <a:t>// </a:t>
+                      </a:r>
+                      <a:r>
+                        <a:rPr lang="ru-RU" sz="1600" dirty="0" smtClean="0">
+                          <a:latin typeface="Consolas" panose="020B0609020204030204" pitchFamily="49" charset="0"/>
+                        </a:rPr>
+                        <a:t>вернёт</a:t>
+                      </a:r>
+                      <a:r>
+                        <a:rPr lang="ru-RU" sz="1600" baseline="0" dirty="0" smtClean="0">
+                          <a:latin typeface="Consolas" panose="020B0609020204030204" pitchFamily="49" charset="0"/>
+                        </a:rPr>
+                        <a:t> </a:t>
+                      </a:r>
+                      <a:r>
+                        <a:rPr lang="en-US" sz="1600" baseline="0" dirty="0" smtClean="0">
+                          <a:latin typeface="Consolas" panose="020B0609020204030204" pitchFamily="49" charset="0"/>
+                        </a:rPr>
+                        <a:t>false</a:t>
+                      </a:r>
+                      <a:endParaRPr lang="ru-RU" sz="1600" dirty="0">
+                        <a:latin typeface="Consolas" panose="020B0609020204030204" pitchFamily="49" charset="0"/>
+                      </a:endParaRPr>
+                    </a:p>
+                  </a:txBody>
+                  <a:tcPr/>
+                </a:tc>
+                <a:extLst>
+                  <a:ext uri="{0D108BD9-81ED-4DB2-BD59-A6C34878D82A}">
+                    <a16:rowId xmlns:a16="http://schemas.microsoft.com/office/drawing/2014/main" val="3059089994"/>
+                  </a:ext>
+                </a:extLst>
+              </a:tr>
+              <a:tr h="343966">
+                <a:tc>
+                  <a:txBody>
+                    <a:bodyPr/>
+                    <a:lstStyle/>
+                    <a:p>
+                      <a:pPr algn="r"/>
+                      <a:r>
+                        <a:rPr lang="en-US" sz="1400" i="1" dirty="0" smtClean="0">
+                          <a:solidFill>
+                            <a:schemeClr val="bg1">
+                              <a:lumMod val="65000"/>
+                            </a:schemeClr>
+                          </a:solidFill>
+                          <a:latin typeface="Consolas" panose="020B0609020204030204" pitchFamily="49" charset="0"/>
+                        </a:rPr>
+                        <a:t>#0</a:t>
+                      </a:r>
+                      <a:r>
+                        <a:rPr lang="ru-RU" sz="1400" i="1" dirty="0" smtClean="0">
+                          <a:solidFill>
+                            <a:schemeClr val="bg1">
+                              <a:lumMod val="65000"/>
+                            </a:schemeClr>
+                          </a:solidFill>
+                          <a:latin typeface="Consolas" panose="020B0609020204030204" pitchFamily="49" charset="0"/>
+                        </a:rPr>
+                        <a:t>7</a:t>
+                      </a:r>
+                      <a:endParaRPr lang="ru-RU" sz="1400" i="1" dirty="0">
+                        <a:solidFill>
+                          <a:schemeClr val="bg1">
+                            <a:lumMod val="65000"/>
+                          </a:schemeClr>
+                        </a:solidFill>
+                        <a:latin typeface="Consolas" panose="020B0609020204030204" pitchFamily="49" charset="0"/>
+                      </a:endParaRPr>
+                    </a:p>
+                  </a:txBody>
+                  <a:tcPr marL="45720" marR="45720" anchor="ctr"/>
+                </a:tc>
+                <a:tc>
+                  <a:txBody>
+                    <a:bodyPr/>
+                    <a:lstStyle/>
+                    <a:p>
+                      <a:r>
+                        <a:rPr lang="en-US" sz="1600" dirty="0" smtClean="0">
+                          <a:latin typeface="Consolas" panose="020B0609020204030204" pitchFamily="49" charset="0"/>
+                        </a:rPr>
+                        <a:t>['a', 'b', 'c'].includes('d');</a:t>
+                      </a:r>
+                      <a:endParaRPr lang="ru-RU" sz="1600" dirty="0">
+                        <a:latin typeface="Consolas" panose="020B0609020204030204" pitchFamily="49" charset="0"/>
+                      </a:endParaRPr>
+                    </a:p>
+                  </a:txBody>
+                  <a:tcPr/>
+                </a:tc>
+                <a:extLst>
+                  <a:ext uri="{0D108BD9-81ED-4DB2-BD59-A6C34878D82A}">
+                    <a16:rowId xmlns:a16="http://schemas.microsoft.com/office/drawing/2014/main" val="1152108268"/>
+                  </a:ext>
+                </a:extLst>
+              </a:tr>
+              <a:tr h="343966">
+                <a:tc>
+                  <a:txBody>
+                    <a:bodyPr/>
+                    <a:lstStyle/>
+                    <a:p>
+                      <a:pPr algn="r"/>
+                      <a:r>
+                        <a:rPr lang="en-US" sz="1400" i="1" dirty="0" smtClean="0">
+                          <a:solidFill>
+                            <a:schemeClr val="bg1">
+                              <a:lumMod val="65000"/>
+                            </a:schemeClr>
+                          </a:solidFill>
+                          <a:latin typeface="Consolas" panose="020B0609020204030204" pitchFamily="49" charset="0"/>
+                        </a:rPr>
+                        <a:t>#0</a:t>
+                      </a:r>
+                      <a:r>
+                        <a:rPr lang="ru-RU" sz="1400" i="1" dirty="0" smtClean="0">
+                          <a:solidFill>
+                            <a:schemeClr val="bg1">
+                              <a:lumMod val="65000"/>
+                            </a:schemeClr>
+                          </a:solidFill>
+                          <a:latin typeface="Consolas" panose="020B0609020204030204" pitchFamily="49" charset="0"/>
+                        </a:rPr>
+                        <a:t>8</a:t>
+                      </a:r>
+                      <a:endParaRPr lang="ru-RU" sz="1400" i="1" dirty="0">
+                        <a:solidFill>
+                          <a:schemeClr val="bg1">
+                            <a:lumMod val="65000"/>
+                          </a:schemeClr>
+                        </a:solidFill>
+                        <a:latin typeface="Consolas" panose="020B0609020204030204" pitchFamily="49" charset="0"/>
+                      </a:endParaRPr>
+                    </a:p>
+                  </a:txBody>
+                  <a:tcPr marL="45720" marR="45720" anchor="ctr"/>
+                </a:tc>
+                <a:tc>
+                  <a:txBody>
+                    <a:bodyPr/>
+                    <a:lstStyle/>
+                    <a:p>
+                      <a:endParaRPr lang="ru-RU" sz="1600" dirty="0">
+                        <a:latin typeface="Consolas" panose="020B0609020204030204" pitchFamily="49" charset="0"/>
+                      </a:endParaRPr>
+                    </a:p>
+                  </a:txBody>
+                  <a:tcPr/>
+                </a:tc>
+                <a:extLst>
+                  <a:ext uri="{0D108BD9-81ED-4DB2-BD59-A6C34878D82A}">
+                    <a16:rowId xmlns:a16="http://schemas.microsoft.com/office/drawing/2014/main" val="823096353"/>
+                  </a:ext>
+                </a:extLst>
+              </a:tr>
+              <a:tr h="343966">
+                <a:tc>
+                  <a:txBody>
+                    <a:bodyPr/>
+                    <a:lstStyle/>
+                    <a:p>
+                      <a:pPr algn="r"/>
+                      <a:r>
+                        <a:rPr lang="en-US" sz="1400" i="1" dirty="0" smtClean="0">
+                          <a:solidFill>
+                            <a:schemeClr val="bg1">
+                              <a:lumMod val="65000"/>
+                            </a:schemeClr>
+                          </a:solidFill>
+                          <a:latin typeface="Consolas" panose="020B0609020204030204" pitchFamily="49" charset="0"/>
+                        </a:rPr>
+                        <a:t>#09</a:t>
+                      </a:r>
+                      <a:endParaRPr lang="ru-RU" sz="1400" i="1" dirty="0">
+                        <a:solidFill>
+                          <a:schemeClr val="bg1">
+                            <a:lumMod val="65000"/>
+                          </a:schemeClr>
+                        </a:solidFill>
+                        <a:latin typeface="Consolas" panose="020B0609020204030204" pitchFamily="49" charset="0"/>
+                      </a:endParaRPr>
+                    </a:p>
+                  </a:txBody>
+                  <a:tcPr marL="45720" marR="45720" anchor="ctr"/>
+                </a:tc>
+                <a:tc>
+                  <a:txBody>
+                    <a:bodyPr/>
+                    <a:lstStyle/>
+                    <a:p>
+                      <a:endParaRPr lang="ru-RU" sz="1600" dirty="0">
+                        <a:latin typeface="Consolas" panose="020B0609020204030204" pitchFamily="49" charset="0"/>
+                      </a:endParaRPr>
+                    </a:p>
+                  </a:txBody>
+                  <a:tcPr/>
+                </a:tc>
+                <a:extLst>
+                  <a:ext uri="{0D108BD9-81ED-4DB2-BD59-A6C34878D82A}">
+                    <a16:rowId xmlns:a16="http://schemas.microsoft.com/office/drawing/2014/main" val="1212997009"/>
+                  </a:ext>
+                </a:extLst>
+              </a:tr>
+              <a:tr h="343966">
+                <a:tc>
+                  <a:txBody>
+                    <a:bodyPr/>
+                    <a:lstStyle/>
+                    <a:p>
+                      <a:pPr algn="r"/>
+                      <a:r>
+                        <a:rPr lang="en-US" sz="1400" i="1" dirty="0" smtClean="0">
+                          <a:solidFill>
+                            <a:schemeClr val="bg1">
+                              <a:lumMod val="65000"/>
+                            </a:schemeClr>
+                          </a:solidFill>
+                          <a:latin typeface="Consolas" panose="020B0609020204030204" pitchFamily="49" charset="0"/>
+                        </a:rPr>
+                        <a:t>#10</a:t>
+                      </a:r>
+                      <a:endParaRPr lang="ru-RU" sz="1400" i="1" dirty="0">
+                        <a:solidFill>
+                          <a:schemeClr val="bg1">
+                            <a:lumMod val="65000"/>
+                          </a:schemeClr>
+                        </a:solidFill>
+                        <a:latin typeface="Consolas" panose="020B0609020204030204" pitchFamily="49" charset="0"/>
+                      </a:endParaRPr>
+                    </a:p>
+                  </a:txBody>
+                  <a:tcPr marL="45720" marR="45720" anchor="ctr"/>
+                </a:tc>
+                <a:tc>
+                  <a:txBody>
+                    <a:bodyPr/>
+                    <a:lstStyle/>
+                    <a:p>
+                      <a:endParaRPr lang="ru-RU" sz="1600" dirty="0">
+                        <a:latin typeface="Consolas" panose="020B0609020204030204" pitchFamily="49" charset="0"/>
+                      </a:endParaRPr>
+                    </a:p>
+                  </a:txBody>
+                  <a:tcPr/>
+                </a:tc>
+                <a:extLst>
+                  <a:ext uri="{0D108BD9-81ED-4DB2-BD59-A6C34878D82A}">
+                    <a16:rowId xmlns:a16="http://schemas.microsoft.com/office/drawing/2014/main" val="2951956735"/>
+                  </a:ext>
+                </a:extLst>
+              </a:tr>
+              <a:tr h="343966">
+                <a:tc>
+                  <a:txBody>
+                    <a:bodyPr/>
+                    <a:lstStyle/>
+                    <a:p>
+                      <a:pPr algn="r"/>
+                      <a:r>
+                        <a:rPr lang="en-US" sz="1400" i="1" dirty="0" smtClean="0">
+                          <a:solidFill>
+                            <a:schemeClr val="bg1">
+                              <a:lumMod val="65000"/>
+                            </a:schemeClr>
+                          </a:solidFill>
+                          <a:latin typeface="Consolas" panose="020B0609020204030204" pitchFamily="49" charset="0"/>
+                        </a:rPr>
+                        <a:t>#11</a:t>
+                      </a:r>
+                      <a:endParaRPr lang="ru-RU" sz="1400" i="1" dirty="0">
+                        <a:solidFill>
+                          <a:schemeClr val="bg1">
+                            <a:lumMod val="65000"/>
+                          </a:schemeClr>
+                        </a:solidFill>
+                        <a:latin typeface="Consolas" panose="020B0609020204030204" pitchFamily="49" charset="0"/>
+                      </a:endParaRPr>
+                    </a:p>
+                  </a:txBody>
+                  <a:tcPr marL="45720" marR="45720" anchor="ctr"/>
+                </a:tc>
+                <a:tc>
+                  <a:txBody>
+                    <a:bodyPr/>
+                    <a:lstStyle/>
+                    <a:p>
+                      <a:r>
+                        <a:rPr lang="en-US" sz="1600" dirty="0" smtClean="0">
+                          <a:latin typeface="Consolas" panose="020B0609020204030204" pitchFamily="49" charset="0"/>
+                        </a:rPr>
+                        <a:t>[</a:t>
+                      </a:r>
+                      <a:r>
+                        <a:rPr lang="en-US" sz="1600" dirty="0" err="1" smtClean="0">
+                          <a:latin typeface="Consolas" panose="020B0609020204030204" pitchFamily="49" charset="0"/>
+                        </a:rPr>
+                        <a:t>NaN</a:t>
+                      </a:r>
+                      <a:r>
+                        <a:rPr lang="en-US" sz="1600" dirty="0" smtClean="0">
+                          <a:latin typeface="Consolas" panose="020B0609020204030204" pitchFamily="49" charset="0"/>
+                        </a:rPr>
+                        <a:t>, 0].includes(</a:t>
+                      </a:r>
+                      <a:r>
+                        <a:rPr lang="en-US" sz="1600" dirty="0" err="1" smtClean="0">
+                          <a:latin typeface="Consolas" panose="020B0609020204030204" pitchFamily="49" charset="0"/>
+                        </a:rPr>
+                        <a:t>NaN</a:t>
+                      </a:r>
+                      <a:r>
+                        <a:rPr lang="en-US" sz="1600" dirty="0" smtClean="0">
+                          <a:latin typeface="Consolas" panose="020B0609020204030204" pitchFamily="49" charset="0"/>
+                        </a:rPr>
+                        <a:t>);	//</a:t>
+                      </a:r>
+                      <a:r>
+                        <a:rPr lang="ru-RU" sz="1600" dirty="0" smtClean="0">
+                          <a:latin typeface="Consolas" panose="020B0609020204030204" pitchFamily="49" charset="0"/>
+                        </a:rPr>
+                        <a:t> </a:t>
+                      </a:r>
+                      <a:r>
+                        <a:rPr lang="en-US" sz="1600" dirty="0" smtClean="0">
+                          <a:latin typeface="Consolas" panose="020B0609020204030204" pitchFamily="49" charset="0"/>
+                        </a:rPr>
+                        <a:t>true</a:t>
+                      </a:r>
+                      <a:endParaRPr lang="ru-RU" sz="1600" dirty="0">
+                        <a:latin typeface="Consolas" panose="020B0609020204030204" pitchFamily="49" charset="0"/>
+                      </a:endParaRPr>
+                    </a:p>
+                  </a:txBody>
+                  <a:tcPr/>
+                </a:tc>
+                <a:extLst>
+                  <a:ext uri="{0D108BD9-81ED-4DB2-BD59-A6C34878D82A}">
+                    <a16:rowId xmlns:a16="http://schemas.microsoft.com/office/drawing/2014/main" val="954535043"/>
+                  </a:ext>
+                </a:extLst>
+              </a:tr>
+              <a:tr h="343966">
+                <a:tc>
+                  <a:txBody>
+                    <a:bodyPr/>
+                    <a:lstStyle/>
+                    <a:p>
+                      <a:pPr algn="r"/>
+                      <a:r>
+                        <a:rPr lang="en-US" sz="1400" i="1" dirty="0" smtClean="0">
+                          <a:solidFill>
+                            <a:schemeClr val="bg1">
+                              <a:lumMod val="65000"/>
+                            </a:schemeClr>
+                          </a:solidFill>
+                          <a:latin typeface="Consolas" panose="020B0609020204030204" pitchFamily="49" charset="0"/>
+                        </a:rPr>
+                        <a:t>#12</a:t>
+                      </a:r>
+                      <a:endParaRPr lang="ru-RU" sz="1400" i="1" dirty="0">
+                        <a:solidFill>
+                          <a:schemeClr val="bg1">
+                            <a:lumMod val="65000"/>
+                          </a:schemeClr>
+                        </a:solidFill>
+                        <a:latin typeface="Consolas" panose="020B0609020204030204" pitchFamily="49" charset="0"/>
+                      </a:endParaRPr>
+                    </a:p>
+                  </a:txBody>
+                  <a:tcPr marL="45720" marR="45720" anchor="ctr"/>
+                </a:tc>
+                <a:tc>
+                  <a:txBody>
+                    <a:bodyPr/>
+                    <a:lstStyle/>
+                    <a:p>
+                      <a:r>
+                        <a:rPr lang="en-US" sz="1600" dirty="0" smtClean="0">
+                          <a:latin typeface="Consolas" panose="020B0609020204030204" pitchFamily="49" charset="0"/>
+                        </a:rPr>
+                        <a:t>[</a:t>
+                      </a:r>
+                      <a:r>
+                        <a:rPr lang="en-US" sz="1600" dirty="0" err="1" smtClean="0">
+                          <a:latin typeface="Consolas" panose="020B0609020204030204" pitchFamily="49" charset="0"/>
+                        </a:rPr>
+                        <a:t>NaN</a:t>
+                      </a:r>
+                      <a:r>
+                        <a:rPr lang="en-US" sz="1600" dirty="0" smtClean="0">
+                          <a:latin typeface="Consolas" panose="020B0609020204030204" pitchFamily="49" charset="0"/>
+                        </a:rPr>
+                        <a:t>, 0].</a:t>
+                      </a:r>
+                      <a:r>
+                        <a:rPr lang="en-US" sz="1600" dirty="0" err="1" smtClean="0">
+                          <a:latin typeface="Consolas" panose="020B0609020204030204" pitchFamily="49" charset="0"/>
+                        </a:rPr>
+                        <a:t>indexOf</a:t>
+                      </a:r>
+                      <a:r>
+                        <a:rPr lang="en-US" sz="1600" dirty="0" smtClean="0">
+                          <a:latin typeface="Consolas" panose="020B0609020204030204" pitchFamily="49" charset="0"/>
+                        </a:rPr>
+                        <a:t>(</a:t>
+                      </a:r>
+                      <a:r>
+                        <a:rPr lang="en-US" sz="1600" dirty="0" err="1" smtClean="0">
+                          <a:latin typeface="Consolas" panose="020B0609020204030204" pitchFamily="49" charset="0"/>
+                        </a:rPr>
+                        <a:t>NaN</a:t>
+                      </a:r>
+                      <a:r>
+                        <a:rPr lang="en-US" sz="1600" dirty="0" smtClean="0">
+                          <a:latin typeface="Consolas" panose="020B0609020204030204" pitchFamily="49" charset="0"/>
+                        </a:rPr>
+                        <a:t>);	// -1</a:t>
+                      </a:r>
+                      <a:endParaRPr lang="ru-RU" sz="1600" dirty="0">
+                        <a:latin typeface="Consolas" panose="020B0609020204030204" pitchFamily="49" charset="0"/>
+                      </a:endParaRPr>
+                    </a:p>
+                  </a:txBody>
+                  <a:tcPr/>
+                </a:tc>
+                <a:extLst>
+                  <a:ext uri="{0D108BD9-81ED-4DB2-BD59-A6C34878D82A}">
+                    <a16:rowId xmlns:a16="http://schemas.microsoft.com/office/drawing/2014/main" val="3091478877"/>
+                  </a:ext>
+                </a:extLst>
+              </a:tr>
+              <a:tr h="343966">
+                <a:tc>
+                  <a:txBody>
+                    <a:bodyPr/>
+                    <a:lstStyle/>
+                    <a:p>
+                      <a:pPr algn="r"/>
+                      <a:r>
+                        <a:rPr lang="en-US" sz="1400" i="1" dirty="0" smtClean="0">
+                          <a:solidFill>
+                            <a:schemeClr val="bg1">
+                              <a:lumMod val="65000"/>
+                            </a:schemeClr>
+                          </a:solidFill>
+                          <a:latin typeface="Consolas" panose="020B0609020204030204" pitchFamily="49" charset="0"/>
+                        </a:rPr>
+                        <a:t>#13</a:t>
+                      </a:r>
+                      <a:endParaRPr lang="ru-RU" sz="1400" i="1" dirty="0">
+                        <a:solidFill>
+                          <a:schemeClr val="bg1">
+                            <a:lumMod val="65000"/>
+                          </a:schemeClr>
+                        </a:solidFill>
+                        <a:latin typeface="Consolas" panose="020B0609020204030204" pitchFamily="49" charset="0"/>
+                      </a:endParaRPr>
+                    </a:p>
+                  </a:txBody>
+                  <a:tcPr marL="45720" marR="45720" anchor="ctr"/>
+                </a:tc>
+                <a:tc>
+                  <a:txBody>
+                    <a:bodyPr/>
+                    <a:lstStyle/>
+                    <a:p>
+                      <a:endParaRPr lang="ru-RU" sz="1600" dirty="0">
+                        <a:latin typeface="Consolas" panose="020B0609020204030204" pitchFamily="49" charset="0"/>
+                      </a:endParaRPr>
+                    </a:p>
+                  </a:txBody>
+                  <a:tcPr/>
+                </a:tc>
+                <a:extLst>
+                  <a:ext uri="{0D108BD9-81ED-4DB2-BD59-A6C34878D82A}">
+                    <a16:rowId xmlns:a16="http://schemas.microsoft.com/office/drawing/2014/main" val="2609407780"/>
+                  </a:ext>
+                </a:extLst>
+              </a:tr>
+              <a:tr h="343966">
+                <a:tc>
+                  <a:txBody>
+                    <a:bodyPr/>
+                    <a:lstStyle/>
+                    <a:p>
+                      <a:pPr algn="r"/>
+                      <a:r>
+                        <a:rPr lang="en-US" sz="1400" i="1" dirty="0" smtClean="0">
+                          <a:solidFill>
+                            <a:schemeClr val="bg1">
+                              <a:lumMod val="65000"/>
+                            </a:schemeClr>
+                          </a:solidFill>
+                          <a:latin typeface="Consolas" panose="020B0609020204030204" pitchFamily="49" charset="0"/>
+                        </a:rPr>
+                        <a:t>#14</a:t>
+                      </a:r>
+                      <a:endParaRPr lang="ru-RU" sz="1400" i="1" dirty="0">
+                        <a:solidFill>
+                          <a:schemeClr val="bg1">
+                            <a:lumMod val="65000"/>
+                          </a:schemeClr>
+                        </a:solidFill>
+                        <a:latin typeface="Consolas" panose="020B0609020204030204" pitchFamily="49" charset="0"/>
+                      </a:endParaRPr>
+                    </a:p>
+                  </a:txBody>
+                  <a:tcPr marL="45720" marR="45720" anchor="ctr"/>
+                </a:tc>
+                <a:tc>
+                  <a:txBody>
+                    <a:bodyPr/>
+                    <a:lstStyle/>
+                    <a:p>
+                      <a:endParaRPr lang="ru-RU" sz="1600" dirty="0">
+                        <a:latin typeface="Consolas" panose="020B0609020204030204" pitchFamily="49" charset="0"/>
+                      </a:endParaRPr>
+                    </a:p>
+                  </a:txBody>
+                  <a:tcPr/>
+                </a:tc>
+                <a:extLst>
+                  <a:ext uri="{0D108BD9-81ED-4DB2-BD59-A6C34878D82A}">
+                    <a16:rowId xmlns:a16="http://schemas.microsoft.com/office/drawing/2014/main" val="227243331"/>
+                  </a:ext>
+                </a:extLst>
+              </a:tr>
+              <a:tr h="343966">
+                <a:tc>
+                  <a:txBody>
+                    <a:bodyPr/>
+                    <a:lstStyle/>
+                    <a:p>
+                      <a:pPr algn="r"/>
+                      <a:r>
+                        <a:rPr lang="en-US" sz="1400" i="1" dirty="0" smtClean="0">
+                          <a:solidFill>
+                            <a:schemeClr val="bg1">
+                              <a:lumMod val="65000"/>
+                            </a:schemeClr>
+                          </a:solidFill>
+                          <a:latin typeface="Consolas" panose="020B0609020204030204" pitchFamily="49" charset="0"/>
+                        </a:rPr>
+                        <a:t>#15</a:t>
+                      </a:r>
+                      <a:endParaRPr lang="ru-RU" sz="1400" i="1" dirty="0">
+                        <a:solidFill>
+                          <a:schemeClr val="bg1">
+                            <a:lumMod val="65000"/>
+                          </a:schemeClr>
+                        </a:solidFill>
+                        <a:latin typeface="Consolas" panose="020B0609020204030204" pitchFamily="49" charset="0"/>
+                      </a:endParaRPr>
+                    </a:p>
+                  </a:txBody>
+                  <a:tcPr marL="45720" marR="45720" anchor="ctr"/>
+                </a:tc>
+                <a:tc>
+                  <a:txBody>
+                    <a:bodyPr/>
+                    <a:lstStyle/>
+                    <a:p>
+                      <a:endParaRPr lang="ru-RU" sz="1600" dirty="0">
+                        <a:latin typeface="Consolas" panose="020B0609020204030204" pitchFamily="49" charset="0"/>
+                      </a:endParaRPr>
+                    </a:p>
+                  </a:txBody>
+                  <a:tcPr/>
+                </a:tc>
+                <a:extLst>
+                  <a:ext uri="{0D108BD9-81ED-4DB2-BD59-A6C34878D82A}">
+                    <a16:rowId xmlns:a16="http://schemas.microsoft.com/office/drawing/2014/main" val="2714488681"/>
+                  </a:ext>
+                </a:extLst>
+              </a:tr>
+            </a:tbl>
+          </a:graphicData>
+        </a:graphic>
+      </p:graphicFrame>
+    </p:spTree>
+    <p:extLst>
+      <p:ext uri="{BB962C8B-B14F-4D97-AF65-F5344CB8AC3E}">
+        <p14:creationId xmlns:p14="http://schemas.microsoft.com/office/powerpoint/2010/main" val="682186886"/>
+      </p:ext>
+    </p:extLst>
+  </p:cSld>
+  <p:clrMapOvr>
+    <a:masterClrMapping/>
+  </p:clrMapOvr>
+  <p:timing>
+    <p:tnLst>
+      <p:par>
+        <p:cTn id="1" dur="indefinite" restart="never" nodeType="tmRoot"/>
+      </p:par>
+    </p:tnLst>
+  </p:timing>
+</p:sld>
+</file>
+
+<file path=ppt/slides/slide42.xml><?xml version="1.0" encoding="utf-8"?>
+<p:sld xmlns:a="http://schemas.openxmlformats.org/drawingml/2006/main" xmlns:r="http://schemas.openxmlformats.org/officeDocument/2006/relationships" xmlns:p="http://schemas.openxmlformats.org/presentationml/2006/main">
+  <p:cSld>
+    <p:spTree>
+      <p:nvGrpSpPr>
+        <p:cNvPr id="1" name=""/>
+        <p:cNvGrpSpPr/>
+        <p:nvPr/>
+      </p:nvGrpSpPr>
+      <p:grpSpPr>
+        <a:xfrm>
+          <a:off x="0" y="0"/>
+          <a:ext cx="0" cy="0"/>
+          <a:chOff x="0" y="0"/>
+          <a:chExt cx="0" cy="0"/>
+        </a:xfrm>
+      </p:grpSpPr>
+      <p:sp>
+        <p:nvSpPr>
+          <p:cNvPr id="2" name="Заголовок 1"/>
+          <p:cNvSpPr>
+            <a:spLocks noGrp="1"/>
+          </p:cNvSpPr>
+          <p:nvPr>
+            <p:ph type="title"/>
+          </p:nvPr>
+        </p:nvSpPr>
+        <p:spPr>
+          <a:xfrm>
+            <a:off x="2554086" y="2766219"/>
+            <a:ext cx="7083829" cy="1325562"/>
+          </a:xfrm>
+        </p:spPr>
+        <p:txBody>
+          <a:bodyPr>
+            <a:normAutofit/>
+          </a:bodyPr>
+          <a:lstStyle/>
+          <a:p>
+            <a:r>
+              <a:rPr lang="en-US" sz="6000" dirty="0" smtClean="0">
+                <a:latin typeface="+mn-lt"/>
+              </a:rPr>
+              <a:t>ECMAScript </a:t>
+            </a:r>
+            <a:r>
+              <a:rPr lang="en-US" sz="6000" i="1" dirty="0" smtClean="0">
+                <a:latin typeface="+mn-lt"/>
+              </a:rPr>
+              <a:t>Proposals</a:t>
+            </a:r>
+            <a:endParaRPr lang="ru-RU" sz="6000" i="1" dirty="0">
+              <a:latin typeface="+mn-lt"/>
+            </a:endParaRPr>
+          </a:p>
+        </p:txBody>
+      </p:sp>
+    </p:spTree>
+    <p:extLst>
+      <p:ext uri="{BB962C8B-B14F-4D97-AF65-F5344CB8AC3E}">
+        <p14:creationId xmlns:p14="http://schemas.microsoft.com/office/powerpoint/2010/main" val="3078618029"/>
+      </p:ext>
+    </p:extLst>
+  </p:cSld>
+  <p:clrMapOvr>
+    <a:masterClrMapping/>
+  </p:clrMapOvr>
+  <p:timing>
+    <p:tnLst>
+      <p:par>
+        <p:cTn id="1" dur="indefinite" restart="never" nodeType="tmRoot"/>
+      </p:par>
+    </p:tnLst>
+  </p:timing>
+</p:sld>
+</file>
+
+<file path=ppt/slides/slide43.xml><?xml version="1.0" encoding="utf-8"?>
+<p:sld xmlns:a="http://schemas.openxmlformats.org/drawingml/2006/main" xmlns:r="http://schemas.openxmlformats.org/officeDocument/2006/relationships" xmlns:p="http://schemas.openxmlformats.org/presentationml/2006/main">
+  <p:cSld>
+    <p:spTree>
+      <p:nvGrpSpPr>
+        <p:cNvPr id="1" name=""/>
+        <p:cNvGrpSpPr/>
+        <p:nvPr/>
+      </p:nvGrpSpPr>
+      <p:grpSpPr>
+        <a:xfrm>
+          <a:off x="0" y="0"/>
+          <a:ext cx="0" cy="0"/>
+          <a:chOff x="0" y="0"/>
+          <a:chExt cx="0" cy="0"/>
+        </a:xfrm>
+      </p:grpSpPr>
+      <p:sp>
+        <p:nvSpPr>
+          <p:cNvPr id="2" name="Заголовок 1"/>
+          <p:cNvSpPr>
+            <a:spLocks noGrp="1"/>
+          </p:cNvSpPr>
+          <p:nvPr>
+            <p:ph type="title"/>
+          </p:nvPr>
+        </p:nvSpPr>
+        <p:spPr>
+          <a:xfrm>
+            <a:off x="211015" y="181121"/>
+            <a:ext cx="9352452" cy="1325562"/>
+          </a:xfrm>
+        </p:spPr>
+        <p:txBody>
+          <a:bodyPr>
+            <a:normAutofit/>
+          </a:bodyPr>
+          <a:lstStyle/>
+          <a:p>
+            <a:r>
+              <a:rPr lang="ru-RU" sz="5400" dirty="0" smtClean="0">
+                <a:latin typeface="+mn-lt"/>
+              </a:rPr>
+              <a:t>Будущее </a:t>
+            </a:r>
+            <a:r>
+              <a:rPr lang="en-US" sz="5400" dirty="0" smtClean="0">
+                <a:latin typeface="+mn-lt"/>
+              </a:rPr>
+              <a:t>JavaScript</a:t>
+            </a:r>
+            <a:endParaRPr lang="ru-RU" sz="5400" i="1" dirty="0">
+              <a:latin typeface="+mn-lt"/>
+            </a:endParaRPr>
+          </a:p>
+        </p:txBody>
+      </p:sp>
+      <p:pic>
+        <p:nvPicPr>
+          <p:cNvPr id="5" name="Рисунок 4"/>
+          <p:cNvPicPr>
+            <a:picLocks noChangeAspect="1"/>
+          </p:cNvPicPr>
+          <p:nvPr/>
+        </p:nvPicPr>
+        <p:blipFill>
+          <a:blip r:embed="rId2">
+            <a:extLst>
+              <a:ext uri="{28A0092B-C50C-407E-A947-70E740481C1C}">
+                <a14:useLocalDpi xmlns:a14="http://schemas.microsoft.com/office/drawing/2010/main" val="0"/>
+              </a:ext>
+            </a:extLst>
+          </a:blip>
+          <a:stretch>
+            <a:fillRect/>
+          </a:stretch>
+        </p:blipFill>
+        <p:spPr>
+          <a:xfrm>
+            <a:off x="9563467" y="279436"/>
+            <a:ext cx="2542948" cy="1128932"/>
+          </a:xfrm>
+          <a:prstGeom prst="rect">
+            <a:avLst/>
+          </a:prstGeom>
+        </p:spPr>
+      </p:pic>
+      <p:sp>
+        <p:nvSpPr>
+          <p:cNvPr id="4" name="TextBox 3"/>
+          <p:cNvSpPr txBox="1"/>
+          <p:nvPr/>
+        </p:nvSpPr>
+        <p:spPr>
+          <a:xfrm>
+            <a:off x="211015" y="1604998"/>
+            <a:ext cx="11496084" cy="1200329"/>
+          </a:xfrm>
+          <a:prstGeom prst="rect">
+            <a:avLst/>
+          </a:prstGeom>
+          <a:noFill/>
+        </p:spPr>
+        <p:txBody>
+          <a:bodyPr wrap="square" rtlCol="0">
+            <a:spAutoFit/>
+          </a:bodyPr>
+          <a:lstStyle/>
+          <a:p>
+            <a:r>
+              <a:rPr lang="ru-RU" sz="2400" dirty="0" smtClean="0"/>
+              <a:t>Текущие предложения (</a:t>
+            </a:r>
+            <a:r>
+              <a:rPr lang="en-US" sz="2400" i="1" dirty="0" smtClean="0"/>
+              <a:t>proposals</a:t>
+            </a:r>
+            <a:r>
+              <a:rPr lang="ru-RU" sz="2400" i="1" dirty="0" smtClean="0"/>
+              <a:t>)</a:t>
+            </a:r>
+            <a:r>
+              <a:rPr lang="en-US" sz="2400" dirty="0" smtClean="0"/>
+              <a:t>:</a:t>
+            </a:r>
+            <a:endParaRPr lang="ru-RU" sz="2400" dirty="0"/>
+          </a:p>
+          <a:p>
+            <a:pPr marL="1257300" lvl="2" indent="-342900">
+              <a:buFont typeface="Wingdings" panose="05000000000000000000" pitchFamily="2" charset="2"/>
+              <a:buChar char="ü"/>
+            </a:pPr>
+            <a:r>
+              <a:rPr lang="en-US" sz="2400" dirty="0" smtClean="0">
+                <a:hlinkClick r:id="rId3"/>
+              </a:rPr>
+              <a:t>https</a:t>
+            </a:r>
+            <a:r>
+              <a:rPr lang="en-US" sz="2400" dirty="0">
+                <a:hlinkClick r:id="rId3"/>
+              </a:rPr>
+              <a:t>://</a:t>
+            </a:r>
+            <a:r>
+              <a:rPr lang="en-US" sz="2400" dirty="0" smtClean="0">
+                <a:hlinkClick r:id="rId3"/>
+              </a:rPr>
+              <a:t>github.com/tc39/proposals/</a:t>
+            </a:r>
+            <a:endParaRPr lang="en-US" sz="2400" dirty="0" smtClean="0"/>
+          </a:p>
+          <a:p>
+            <a:endParaRPr lang="en-US" sz="2400" dirty="0"/>
+          </a:p>
+        </p:txBody>
+      </p:sp>
+      <p:sp>
+        <p:nvSpPr>
+          <p:cNvPr id="7" name="TextBox 6"/>
+          <p:cNvSpPr txBox="1"/>
+          <p:nvPr/>
+        </p:nvSpPr>
+        <p:spPr>
+          <a:xfrm>
+            <a:off x="211015" y="3001957"/>
+            <a:ext cx="5607894" cy="2492990"/>
+          </a:xfrm>
+          <a:prstGeom prst="rect">
+            <a:avLst/>
+          </a:prstGeom>
+          <a:noFill/>
+        </p:spPr>
+        <p:txBody>
+          <a:bodyPr wrap="square" rtlCol="0">
+            <a:spAutoFit/>
+          </a:bodyPr>
+          <a:lstStyle/>
+          <a:p>
+            <a:r>
+              <a:rPr lang="en-US" sz="2400" dirty="0" smtClean="0"/>
+              <a:t>Stage-4:</a:t>
+            </a:r>
+          </a:p>
+          <a:p>
+            <a:pPr marL="1257300" lvl="2" indent="-342900">
+              <a:buFont typeface="Wingdings" panose="05000000000000000000" pitchFamily="2" charset="2"/>
+              <a:buChar char="ü"/>
+            </a:pPr>
+            <a:r>
+              <a:rPr lang="en-US" dirty="0">
+                <a:hlinkClick r:id="rId4"/>
+              </a:rPr>
+              <a:t>https://</a:t>
+            </a:r>
+            <a:r>
+              <a:rPr lang="en-US" dirty="0" smtClean="0">
+                <a:hlinkClick r:id="rId4"/>
+              </a:rPr>
+              <a:t>github.com/tc39/proposals/blob/master/finished-proposals.md</a:t>
+            </a:r>
+            <a:endParaRPr lang="en-US" dirty="0"/>
+          </a:p>
+          <a:p>
+            <a:endParaRPr lang="en-US" dirty="0" smtClean="0"/>
+          </a:p>
+          <a:p>
+            <a:endParaRPr lang="en-US" dirty="0" smtClean="0"/>
+          </a:p>
+          <a:p>
+            <a:pPr marL="342900" indent="-342900">
+              <a:buFont typeface="Arial" panose="020B0604020202020204" pitchFamily="34" charset="0"/>
+              <a:buChar char="•"/>
+            </a:pPr>
+            <a:r>
+              <a:rPr lang="en-US" sz="2000" dirty="0" err="1">
+                <a:latin typeface="Consolas" panose="020B0609020204030204" pitchFamily="49" charset="0"/>
+              </a:rPr>
+              <a:t>Object.values</a:t>
+            </a:r>
+            <a:r>
+              <a:rPr lang="en-US" sz="2000" dirty="0"/>
+              <a:t> / </a:t>
+            </a:r>
+            <a:r>
+              <a:rPr lang="en-US" sz="2000" dirty="0" err="1" smtClean="0">
+                <a:latin typeface="Consolas" panose="020B0609020204030204" pitchFamily="49" charset="0"/>
+              </a:rPr>
+              <a:t>Object.entries</a:t>
+            </a:r>
+            <a:endParaRPr lang="en-US" sz="2000" dirty="0" smtClean="0"/>
+          </a:p>
+          <a:p>
+            <a:pPr marL="342900" indent="-342900">
+              <a:buFont typeface="Arial" panose="020B0604020202020204" pitchFamily="34" charset="0"/>
+              <a:buChar char="•"/>
+            </a:pPr>
+            <a:r>
+              <a:rPr lang="en-US" sz="2000" dirty="0" err="1" smtClean="0"/>
+              <a:t>Async</a:t>
+            </a:r>
+            <a:r>
+              <a:rPr lang="en-US" sz="2000" dirty="0" smtClean="0"/>
+              <a:t> Functions</a:t>
+            </a:r>
+          </a:p>
+          <a:p>
+            <a:pPr marL="342900" indent="-342900">
+              <a:buFont typeface="Arial" panose="020B0604020202020204" pitchFamily="34" charset="0"/>
+              <a:buChar char="•"/>
+            </a:pPr>
+            <a:r>
+              <a:rPr lang="en-US" sz="2000" dirty="0" smtClean="0"/>
+              <a:t>String padding</a:t>
+            </a:r>
+            <a:endParaRPr lang="ru-RU" sz="2000" dirty="0"/>
+          </a:p>
+        </p:txBody>
+      </p:sp>
+      <p:sp>
+        <p:nvSpPr>
+          <p:cNvPr id="9" name="TextBox 8"/>
+          <p:cNvSpPr txBox="1"/>
+          <p:nvPr/>
+        </p:nvSpPr>
+        <p:spPr>
+          <a:xfrm>
+            <a:off x="6323640" y="3001957"/>
+            <a:ext cx="5607894" cy="1661993"/>
+          </a:xfrm>
+          <a:prstGeom prst="rect">
+            <a:avLst/>
+          </a:prstGeom>
+          <a:noFill/>
+        </p:spPr>
+        <p:txBody>
+          <a:bodyPr wrap="square" rtlCol="0">
+            <a:spAutoFit/>
+          </a:bodyPr>
+          <a:lstStyle/>
+          <a:p>
+            <a:r>
+              <a:rPr lang="en-US" sz="2400" dirty="0" smtClean="0"/>
+              <a:t>Stage-3, stage-2:</a:t>
+            </a:r>
+          </a:p>
+          <a:p>
+            <a:endParaRPr lang="en-US" dirty="0" smtClean="0"/>
+          </a:p>
+          <a:p>
+            <a:pPr marL="342900" indent="-342900">
+              <a:buFont typeface="Arial" panose="020B0604020202020204" pitchFamily="34" charset="0"/>
+              <a:buChar char="•"/>
+            </a:pPr>
+            <a:r>
+              <a:rPr lang="en-US" sz="2000" dirty="0"/>
+              <a:t>Object Rest/Spread Properties</a:t>
+            </a:r>
+          </a:p>
+          <a:p>
+            <a:pPr marL="342900" indent="-342900">
+              <a:buFont typeface="Arial" panose="020B0604020202020204" pitchFamily="34" charset="0"/>
+              <a:buChar char="•"/>
+            </a:pPr>
+            <a:r>
+              <a:rPr lang="en-US" sz="2000" dirty="0"/>
+              <a:t>Class and Property </a:t>
+            </a:r>
+            <a:r>
+              <a:rPr lang="en-US" sz="2000" dirty="0" smtClean="0"/>
+              <a:t>Decorators</a:t>
+            </a:r>
+          </a:p>
+          <a:p>
+            <a:pPr marL="342900" indent="-342900">
+              <a:buFont typeface="Arial" panose="020B0604020202020204" pitchFamily="34" charset="0"/>
+              <a:buChar char="•"/>
+            </a:pPr>
+            <a:r>
+              <a:rPr lang="en-US" sz="2000" dirty="0" err="1" smtClean="0">
+                <a:latin typeface="Consolas" panose="020B0609020204030204" pitchFamily="49" charset="0"/>
+              </a:rPr>
+              <a:t>Promise.prototype.finally</a:t>
+            </a:r>
+            <a:endParaRPr lang="en-US" sz="2000" dirty="0" smtClean="0">
+              <a:latin typeface="Consolas" panose="020B0609020204030204" pitchFamily="49" charset="0"/>
+            </a:endParaRPr>
+          </a:p>
+        </p:txBody>
+      </p:sp>
+    </p:spTree>
+    <p:extLst>
+      <p:ext uri="{BB962C8B-B14F-4D97-AF65-F5344CB8AC3E}">
+        <p14:creationId xmlns:p14="http://schemas.microsoft.com/office/powerpoint/2010/main" val="636691923"/>
+      </p:ext>
+    </p:extLst>
+  </p:cSld>
+  <p:clrMapOvr>
+    <a:masterClrMapping/>
+  </p:clrMapOvr>
+  <p:timing>
+    <p:tnLst>
+      <p:par>
+        <p:cTn id="1" dur="indefinite" restart="never" nodeType="tmRoot"/>
+      </p:par>
+    </p:tnLst>
+  </p:timing>
+</p:sld>
+</file>
+
+<file path=ppt/slides/slide44.xml><?xml version="1.0" encoding="utf-8"?>
+<p:sld xmlns:a="http://schemas.openxmlformats.org/drawingml/2006/main" xmlns:r="http://schemas.openxmlformats.org/officeDocument/2006/relationships" xmlns:p="http://schemas.openxmlformats.org/presentationml/2006/main">
+  <p:cSld>
+    <p:spTree>
+      <p:nvGrpSpPr>
+        <p:cNvPr id="1" name=""/>
+        <p:cNvGrpSpPr/>
+        <p:nvPr/>
+      </p:nvGrpSpPr>
+      <p:grpSpPr>
+        <a:xfrm>
+          <a:off x="0" y="0"/>
+          <a:ext cx="0" cy="0"/>
+          <a:chOff x="0" y="0"/>
+          <a:chExt cx="0" cy="0"/>
+        </a:xfrm>
+      </p:grpSpPr>
+      <p:sp>
+        <p:nvSpPr>
+          <p:cNvPr id="2" name="Заголовок 1"/>
+          <p:cNvSpPr>
+            <a:spLocks noGrp="1"/>
+          </p:cNvSpPr>
+          <p:nvPr>
+            <p:ph type="ctrTitle"/>
+          </p:nvPr>
+        </p:nvSpPr>
+        <p:spPr>
+          <a:xfrm>
+            <a:off x="611066" y="2028306"/>
+            <a:ext cx="10969869" cy="1205640"/>
+          </a:xfrm>
+          <a:ln cap="flat">
+            <a:noFill/>
+          </a:ln>
+        </p:spPr>
+        <p:txBody>
+          <a:bodyPr>
+            <a:normAutofit/>
+          </a:bodyPr>
+          <a:lstStyle/>
+          <a:p>
+            <a:pPr algn="r"/>
+            <a:r>
+              <a:rPr lang="ru-RU" sz="7200" dirty="0" smtClean="0">
+                <a:effectLst>
+                  <a:outerShdw blurRad="38100" dist="38100" dir="2700000" algn="tl">
+                    <a:srgbClr val="000000">
+                      <a:alpha val="43137"/>
+                    </a:srgbClr>
+                  </a:outerShdw>
+                </a:effectLst>
+                <a:ea typeface="Roboto Condensed" pitchFamily="2" charset="0"/>
+              </a:rPr>
+              <a:t>Благодарю за внимание!</a:t>
+            </a:r>
+            <a:endParaRPr lang="ru-RU" sz="7200" dirty="0">
+              <a:effectLst>
+                <a:outerShdw blurRad="38100" dist="38100" dir="2700000" algn="tl">
+                  <a:srgbClr val="000000">
+                    <a:alpha val="43137"/>
+                  </a:srgbClr>
+                </a:outerShdw>
+              </a:effectLst>
+              <a:ea typeface="Roboto Condensed" pitchFamily="2" charset="0"/>
+            </a:endParaRPr>
+          </a:p>
+        </p:txBody>
+      </p:sp>
+      <p:sp>
+        <p:nvSpPr>
+          <p:cNvPr id="3" name="Подзаголовок 2"/>
+          <p:cNvSpPr>
+            <a:spLocks noGrp="1"/>
+          </p:cNvSpPr>
+          <p:nvPr>
+            <p:ph type="subTitle" idx="1"/>
+          </p:nvPr>
+        </p:nvSpPr>
+        <p:spPr>
+          <a:xfrm>
+            <a:off x="611067" y="3293829"/>
+            <a:ext cx="10969868" cy="1228295"/>
+          </a:xfrm>
+        </p:spPr>
+        <p:txBody>
+          <a:bodyPr>
+            <a:normAutofit/>
+          </a:bodyPr>
+          <a:lstStyle/>
+          <a:p>
+            <a:pPr algn="r"/>
+            <a:r>
+              <a:rPr lang="ru-RU" sz="2800" dirty="0" smtClean="0"/>
+              <a:t>Пожалуйста, зачекиньтесь на </a:t>
+            </a:r>
+            <a:r>
+              <a:rPr lang="ru-RU" sz="2800" dirty="0" smtClean="0"/>
+              <a:t>лекции и оставьте обратную связь</a:t>
+            </a:r>
+            <a:endParaRPr lang="ru-RU" sz="2800" dirty="0"/>
+          </a:p>
+        </p:txBody>
+      </p:sp>
+      <p:pic>
+        <p:nvPicPr>
+          <p:cNvPr id="4" name="Рисунок 3"/>
+          <p:cNvPicPr>
+            <a:picLocks noChangeAspect="1"/>
+          </p:cNvPicPr>
+          <p:nvPr/>
+        </p:nvPicPr>
+        <p:blipFill>
+          <a:blip r:embed="rId2">
+            <a:extLst>
+              <a:ext uri="{28A0092B-C50C-407E-A947-70E740481C1C}">
+                <a14:useLocalDpi xmlns:a14="http://schemas.microsoft.com/office/drawing/2010/main" val="0"/>
+              </a:ext>
+            </a:extLst>
+          </a:blip>
+          <a:stretch>
+            <a:fillRect/>
+          </a:stretch>
+        </p:blipFill>
+        <p:spPr>
+          <a:xfrm>
+            <a:off x="4288082" y="147196"/>
+            <a:ext cx="3615837" cy="1605237"/>
+          </a:xfrm>
+          <a:prstGeom prst="rect">
+            <a:avLst/>
+          </a:prstGeom>
+        </p:spPr>
+      </p:pic>
+      <p:cxnSp>
+        <p:nvCxnSpPr>
+          <p:cNvPr id="6" name="Прямая соединительная линия 5"/>
+          <p:cNvCxnSpPr/>
+          <p:nvPr/>
+        </p:nvCxnSpPr>
+        <p:spPr>
+          <a:xfrm flipV="1">
+            <a:off x="0" y="3233946"/>
+            <a:ext cx="11473962" cy="653"/>
+          </a:xfrm>
+          <a:prstGeom prst="line">
+            <a:avLst/>
+          </a:prstGeom>
+          <a:ln w="25400" cap="flat" cmpd="thickThin">
+            <a:bevel/>
+            <a:tailEnd type="none"/>
+          </a:ln>
+        </p:spPr>
+        <p:style>
+          <a:lnRef idx="1">
+            <a:schemeClr val="accent1"/>
+          </a:lnRef>
+          <a:fillRef idx="0">
+            <a:schemeClr val="accent1"/>
+          </a:fillRef>
+          <a:effectRef idx="0">
+            <a:schemeClr val="accent1"/>
+          </a:effectRef>
+          <a:fontRef idx="minor">
+            <a:schemeClr val="tx1"/>
+          </a:fontRef>
+        </p:style>
+      </p:cxnSp>
+      <p:sp>
+        <p:nvSpPr>
+          <p:cNvPr id="5" name="TextBox 4"/>
+          <p:cNvSpPr txBox="1"/>
+          <p:nvPr/>
+        </p:nvSpPr>
+        <p:spPr>
+          <a:xfrm>
+            <a:off x="3990109" y="3793255"/>
+            <a:ext cx="7483853" cy="646331"/>
+          </a:xfrm>
+          <a:prstGeom prst="rect">
+            <a:avLst/>
+          </a:prstGeom>
+          <a:noFill/>
+        </p:spPr>
+        <p:txBody>
+          <a:bodyPr wrap="square" rtlCol="0">
+            <a:spAutoFit/>
+          </a:bodyPr>
+          <a:lstStyle/>
+          <a:p>
+            <a:pPr algn="r"/>
+            <a:r>
+              <a:rPr lang="ru-RU" dirty="0" smtClean="0">
+                <a:solidFill>
+                  <a:schemeClr val="tx1">
+                    <a:lumMod val="50000"/>
+                    <a:lumOff val="50000"/>
+                  </a:schemeClr>
+                </a:solidFill>
+              </a:rPr>
+              <a:t>Лекция, код примеров, дополнительные материалы находятся по ссылке:</a:t>
+            </a:r>
+          </a:p>
+          <a:p>
+            <a:pPr algn="r"/>
+            <a:r>
+              <a:rPr lang="en-US" dirty="0">
+                <a:solidFill>
+                  <a:schemeClr val="tx1">
+                    <a:lumMod val="50000"/>
+                    <a:lumOff val="50000"/>
+                  </a:schemeClr>
+                </a:solidFill>
+              </a:rPr>
+              <a:t>https://</a:t>
+            </a:r>
+            <a:r>
+              <a:rPr lang="en-US" dirty="0" smtClean="0">
+                <a:solidFill>
+                  <a:schemeClr val="tx1">
+                    <a:lumMod val="50000"/>
+                    <a:lumOff val="50000"/>
+                  </a:schemeClr>
+                </a:solidFill>
+              </a:rPr>
+              <a:t>github.com/frontend-park-mail-ru/modern-es</a:t>
+            </a:r>
+            <a:endParaRPr lang="ru-RU" dirty="0">
+              <a:solidFill>
+                <a:schemeClr val="tx1">
+                  <a:lumMod val="50000"/>
+                  <a:lumOff val="50000"/>
+                </a:schemeClr>
+              </a:solidFill>
+            </a:endParaRPr>
+          </a:p>
+        </p:txBody>
+      </p:sp>
+    </p:spTree>
+    <p:extLst>
+      <p:ext uri="{BB962C8B-B14F-4D97-AF65-F5344CB8AC3E}">
+        <p14:creationId xmlns:p14="http://schemas.microsoft.com/office/powerpoint/2010/main" val="3541688424"/>
       </p:ext>
     </p:extLst>
   </p:cSld>

--- a/Modern ES.pptx
+++ b/Modern ES.pptx
@@ -22602,6 +22602,14 @@
 <file path=ppt/slides/slide35.xml><?xml version="1.0" encoding="utf-8"?>
 <p:sld xmlns:a="http://schemas.openxmlformats.org/drawingml/2006/main" xmlns:r="http://schemas.openxmlformats.org/officeDocument/2006/relationships" xmlns:p="http://schemas.openxmlformats.org/presentationml/2006/main">
   <p:cSld>
+    <p:bg>
+      <p:bgPr>
+        <a:solidFill>
+          <a:schemeClr val="bg1"/>
+        </a:solidFill>
+        <a:effectLst/>
+      </p:bgPr>
+    </p:bg>
     <p:spTree>
       <p:nvGrpSpPr>
         <p:cNvPr id="1" name=""/>
@@ -23230,11 +23238,7 @@
             </a:r>
             <a:r>
               <a:rPr lang="ru-RU" sz="1900" dirty="0" smtClean="0"/>
-              <a:t>это </a:t>
-            </a:r>
-            <a:r>
-              <a:rPr lang="ru-RU" sz="1900" dirty="0" smtClean="0"/>
-              <a:t>функции</a:t>
+              <a:t>это функции</a:t>
             </a:r>
             <a:r>
               <a:rPr lang="en-US" sz="1900" dirty="0" smtClean="0"/>
